--- a/Lecture slides/ADAP B04 - Design by Contract.pptx
+++ b/Lecture slides/ADAP B04 - Design by Contract.pptx
@@ -2,54 +2,53 @@
 <file path=ppt/presentation.xml><?xml version="1.0" encoding="utf-8"?>
 <p:presentation xmlns:a="http://schemas.openxmlformats.org/drawingml/2006/main" xmlns:r="http://schemas.openxmlformats.org/officeDocument/2006/relationships" xmlns:mc="http://schemas.openxmlformats.org/markup-compatibility/2006" xmlns:mv="urn:schemas-microsoft-com:mac:vml" xmlns:p="http://schemas.openxmlformats.org/presentationml/2006/main" xmlns:c="http://schemas.openxmlformats.org/drawingml/2006/chart" xmlns:dgm="http://schemas.openxmlformats.org/drawingml/2006/diagram" xmlns:o="urn:schemas-microsoft-com:office:office" xmlns:v="urn:schemas-microsoft-com:vml" xmlns:pvml="urn:schemas-microsoft-com:office:powerpoint" xmlns:com="http://schemas.openxmlformats.org/drawingml/2006/compatibility" xmlns:p14="http://schemas.microsoft.com/office/powerpoint/2010/main" xmlns:p15="http://schemas.microsoft.com/office/powerpoint/2012/main" xmlns:ahyp="http://schemas.microsoft.com/office/drawing/2018/hyperlinkcolor" autoCompressPictures="0" strictFirstAndLastChars="0" saveSubsetFonts="1" showSpecialPlsOnTitleSld="0">
   <p:sldMasterIdLst>
-    <p:sldMasterId id="2147483654" r:id="rId5"/>
+    <p:sldMasterId id="2147483654" r:id="rId6"/>
   </p:sldMasterIdLst>
   <p:notesMasterIdLst>
-    <p:notesMasterId r:id="rId6"/>
+    <p:notesMasterId r:id="rId7"/>
   </p:notesMasterIdLst>
   <p:sldIdLst>
-    <p:sldId id="256" r:id="rId7"/>
-    <p:sldId id="257" r:id="rId8"/>
-    <p:sldId id="258" r:id="rId9"/>
-    <p:sldId id="259" r:id="rId10"/>
-    <p:sldId id="260" r:id="rId11"/>
-    <p:sldId id="261" r:id="rId12"/>
-    <p:sldId id="262" r:id="rId13"/>
-    <p:sldId id="263" r:id="rId14"/>
-    <p:sldId id="264" r:id="rId15"/>
-    <p:sldId id="265" r:id="rId16"/>
-    <p:sldId id="266" r:id="rId17"/>
-    <p:sldId id="267" r:id="rId18"/>
-    <p:sldId id="268" r:id="rId19"/>
-    <p:sldId id="269" r:id="rId20"/>
-    <p:sldId id="270" r:id="rId21"/>
-    <p:sldId id="271" r:id="rId22"/>
-    <p:sldId id="272" r:id="rId23"/>
-    <p:sldId id="273" r:id="rId24"/>
-    <p:sldId id="274" r:id="rId25"/>
-    <p:sldId id="275" r:id="rId26"/>
-    <p:sldId id="276" r:id="rId27"/>
-    <p:sldId id="277" r:id="rId28"/>
-    <p:sldId id="278" r:id="rId29"/>
-    <p:sldId id="279" r:id="rId30"/>
-    <p:sldId id="280" r:id="rId31"/>
-    <p:sldId id="281" r:id="rId32"/>
-    <p:sldId id="282" r:id="rId33"/>
-    <p:sldId id="283" r:id="rId34"/>
-    <p:sldId id="284" r:id="rId35"/>
-    <p:sldId id="285" r:id="rId36"/>
-    <p:sldId id="286" r:id="rId37"/>
-    <p:sldId id="287" r:id="rId38"/>
-    <p:sldId id="288" r:id="rId39"/>
-    <p:sldId id="289" r:id="rId40"/>
-    <p:sldId id="290" r:id="rId41"/>
-    <p:sldId id="291" r:id="rId42"/>
-    <p:sldId id="292" r:id="rId43"/>
-    <p:sldId id="293" r:id="rId44"/>
-    <p:sldId id="294" r:id="rId45"/>
-    <p:sldId id="295" r:id="rId46"/>
-    <p:sldId id="296" r:id="rId47"/>
-    <p:sldId id="297" r:id="rId48"/>
+    <p:sldId id="256" r:id="rId8"/>
+    <p:sldId id="257" r:id="rId9"/>
+    <p:sldId id="258" r:id="rId10"/>
+    <p:sldId id="259" r:id="rId11"/>
+    <p:sldId id="260" r:id="rId12"/>
+    <p:sldId id="261" r:id="rId13"/>
+    <p:sldId id="262" r:id="rId14"/>
+    <p:sldId id="263" r:id="rId15"/>
+    <p:sldId id="264" r:id="rId16"/>
+    <p:sldId id="265" r:id="rId17"/>
+    <p:sldId id="266" r:id="rId18"/>
+    <p:sldId id="267" r:id="rId19"/>
+    <p:sldId id="268" r:id="rId20"/>
+    <p:sldId id="269" r:id="rId21"/>
+    <p:sldId id="270" r:id="rId22"/>
+    <p:sldId id="271" r:id="rId23"/>
+    <p:sldId id="272" r:id="rId24"/>
+    <p:sldId id="273" r:id="rId25"/>
+    <p:sldId id="274" r:id="rId26"/>
+    <p:sldId id="275" r:id="rId27"/>
+    <p:sldId id="276" r:id="rId28"/>
+    <p:sldId id="277" r:id="rId29"/>
+    <p:sldId id="278" r:id="rId30"/>
+    <p:sldId id="279" r:id="rId31"/>
+    <p:sldId id="280" r:id="rId32"/>
+    <p:sldId id="281" r:id="rId33"/>
+    <p:sldId id="282" r:id="rId34"/>
+    <p:sldId id="283" r:id="rId35"/>
+    <p:sldId id="284" r:id="rId36"/>
+    <p:sldId id="285" r:id="rId37"/>
+    <p:sldId id="286" r:id="rId38"/>
+    <p:sldId id="287" r:id="rId39"/>
+    <p:sldId id="288" r:id="rId40"/>
+    <p:sldId id="289" r:id="rId41"/>
+    <p:sldId id="290" r:id="rId42"/>
+    <p:sldId id="291" r:id="rId43"/>
+    <p:sldId id="292" r:id="rId44"/>
+    <p:sldId id="293" r:id="rId45"/>
+    <p:sldId id="294" r:id="rId46"/>
+    <p:sldId id="295" r:id="rId47"/>
+    <p:sldId id="296" r:id="rId48"/>
   </p:sldIdLst>
   <p:sldSz cy="5143500" cx="9144000"/>
   <p:notesSz cx="6858000" cy="9144000"/>
@@ -299,6 +298,21 @@
     </p:ext>
   </p:extLst>
 </p:presentation>
+</file>
+
+<file path=ppt/commentAuthors.xml><?xml version="1.0" encoding="utf-8"?>
+<p:cmAuthorLst xmlns:a="http://schemas.openxmlformats.org/drawingml/2006/main" xmlns:r="http://schemas.openxmlformats.org/officeDocument/2006/relationships" xmlns:mc="http://schemas.openxmlformats.org/markup-compatibility/2006" xmlns:mv="urn:schemas-microsoft-com:mac:vml" xmlns:p="http://schemas.openxmlformats.org/presentationml/2006/main" xmlns:c="http://schemas.openxmlformats.org/drawingml/2006/chart" xmlns:dgm="http://schemas.openxmlformats.org/drawingml/2006/diagram" xmlns:o="urn:schemas-microsoft-com:office:office" xmlns:v="urn:schemas-microsoft-com:vml" xmlns:pvml="urn:schemas-microsoft-com:office:powerpoint" xmlns:com="http://schemas.openxmlformats.org/drawingml/2006/compatibility" xmlns:p14="http://schemas.microsoft.com/office/powerpoint/2010/main" xmlns:p15="http://schemas.microsoft.com/office/powerpoint/2012/main" xmlns:ahyp="http://schemas.microsoft.com/office/drawing/2018/hyperlinkcolor">
+  <p:cmAuthor clrIdx="0" id="0" initials="" lastIdx="1" name="Dirk RIEHLE"/>
+</p:cmAuthorLst>
+</file>
+
+<file path=ppt/comments/comment1.xml><?xml version="1.0" encoding="utf-8"?>
+<p:cmLst xmlns:a="http://schemas.openxmlformats.org/drawingml/2006/main" xmlns:r="http://schemas.openxmlformats.org/officeDocument/2006/relationships" xmlns:mc="http://schemas.openxmlformats.org/markup-compatibility/2006" xmlns:mv="urn:schemas-microsoft-com:mac:vml" xmlns:p="http://schemas.openxmlformats.org/presentationml/2006/main" xmlns:c="http://schemas.openxmlformats.org/drawingml/2006/chart" xmlns:dgm="http://schemas.openxmlformats.org/drawingml/2006/diagram" xmlns:o="urn:schemas-microsoft-com:office:office" xmlns:v="urn:schemas-microsoft-com:vml" xmlns:pvml="urn:schemas-microsoft-com:office:powerpoint" xmlns:com="http://schemas.openxmlformats.org/drawingml/2006/compatibility" xmlns:p14="http://schemas.microsoft.com/office/powerpoint/2010/main" xmlns:p15="http://schemas.microsoft.com/office/powerpoint/2012/main" xmlns:ahyp="http://schemas.microsoft.com/office/drawing/2018/hyperlinkcolor">
+  <p:cm authorId="0" idx="1" dt="2024-11-18T12:32:53.773">
+    <p:pos x="0" y="0"/>
+    <p:text>Add URL</p:text>
+  </p:cm>
+</p:cmLst>
 </file>
 
 <file path=ppt/notesMasters/notesMaster1.xml><?xml version="1.0" encoding="utf-8"?>
@@ -845,7 +859,7 @@
       </p:grpSpPr>
       <p:sp>
         <p:nvSpPr>
-          <p:cNvPr id="95" name="Google Shape;95;g2d39c0dc8d4_0_17:notes"/>
+          <p:cNvPr id="95" name="Google Shape;95;g2d39c0dc8d4_0_7:notes"/>
           <p:cNvSpPr/>
           <p:nvPr>
             <p:ph idx="2" type="sldImg"/>
@@ -880,7 +894,7 @@
       </p:sp>
       <p:sp>
         <p:nvSpPr>
-          <p:cNvPr id="96" name="Google Shape;96;g2d39c0dc8d4_0_17:notes"/>
+          <p:cNvPr id="96" name="Google Shape;96;g2d39c0dc8d4_0_7:notes"/>
           <p:cNvSpPr txBox="1"/>
           <p:nvPr>
             <p:ph idx="1" type="body"/>
@@ -930,7 +944,7 @@
   <p:cSld>
     <p:spTree>
       <p:nvGrpSpPr>
-        <p:cNvPr id="102" name="Shape 102"/>
+        <p:cNvPr id="101" name="Shape 101"/>
         <p:cNvGrpSpPr/>
         <p:nvPr/>
       </p:nvGrpSpPr>
@@ -944,7 +958,7 @@
       </p:grpSpPr>
       <p:sp>
         <p:nvSpPr>
-          <p:cNvPr id="103" name="Google Shape;103;g2d39c0dc8d4_0_25:notes"/>
+          <p:cNvPr id="102" name="Google Shape;102;g2d39c0dc8d4_0_17:notes"/>
           <p:cNvSpPr/>
           <p:nvPr>
             <p:ph idx="2" type="sldImg"/>
@@ -979,7 +993,7 @@
       </p:sp>
       <p:sp>
         <p:nvSpPr>
-          <p:cNvPr id="104" name="Google Shape;104;g2d39c0dc8d4_0_25:notes"/>
+          <p:cNvPr id="103" name="Google Shape;103;g2d39c0dc8d4_0_17:notes"/>
           <p:cNvSpPr txBox="1"/>
           <p:nvPr>
             <p:ph idx="1" type="body"/>
@@ -1043,7 +1057,7 @@
       </p:grpSpPr>
       <p:sp>
         <p:nvSpPr>
-          <p:cNvPr id="110" name="Google Shape;110;g2d39c0dc8d4_0_33:notes"/>
+          <p:cNvPr id="110" name="Google Shape;110;g2d39c0dc8d4_0_25:notes"/>
           <p:cNvSpPr/>
           <p:nvPr>
             <p:ph idx="2" type="sldImg"/>
@@ -1078,7 +1092,7 @@
       </p:sp>
       <p:sp>
         <p:nvSpPr>
-          <p:cNvPr id="111" name="Google Shape;111;g2d39c0dc8d4_0_33:notes"/>
+          <p:cNvPr id="111" name="Google Shape;111;g2d39c0dc8d4_0_25:notes"/>
           <p:cNvSpPr txBox="1"/>
           <p:nvPr>
             <p:ph idx="1" type="body"/>
@@ -1142,7 +1156,7 @@
       </p:grpSpPr>
       <p:sp>
         <p:nvSpPr>
-          <p:cNvPr id="117" name="Google Shape;117;g2d39c0dc8d4_0_39:notes"/>
+          <p:cNvPr id="117" name="Google Shape;117;g2d39c0dc8d4_0_33:notes"/>
           <p:cNvSpPr/>
           <p:nvPr>
             <p:ph idx="2" type="sldImg"/>
@@ -1177,7 +1191,7 @@
       </p:sp>
       <p:sp>
         <p:nvSpPr>
-          <p:cNvPr id="118" name="Google Shape;118;g2d39c0dc8d4_0_39:notes"/>
+          <p:cNvPr id="118" name="Google Shape;118;g2d39c0dc8d4_0_33:notes"/>
           <p:cNvSpPr txBox="1"/>
           <p:nvPr>
             <p:ph idx="1" type="body"/>
@@ -2924,7 +2938,7 @@
       </p:grpSpPr>
       <p:sp>
         <p:nvSpPr>
-          <p:cNvPr id="47" name="Google Shape;47;g3043fbd30e8_0_77:notes"/>
+          <p:cNvPr id="47" name="Google Shape;47;g3161596db06_0_0:notes"/>
           <p:cNvSpPr/>
           <p:nvPr>
             <p:ph idx="2" type="sldImg"/>
@@ -2959,7 +2973,7 @@
       </p:sp>
       <p:sp>
         <p:nvSpPr>
-          <p:cNvPr id="48" name="Google Shape;48;g3043fbd30e8_0_77:notes"/>
+          <p:cNvPr id="48" name="Google Shape;48;g3161596db06_0_0:notes"/>
           <p:cNvSpPr txBox="1"/>
           <p:nvPr>
             <p:ph idx="1" type="body"/>
@@ -3320,7 +3334,7 @@
       </p:grpSpPr>
       <p:sp>
         <p:nvSpPr>
-          <p:cNvPr id="252" name="Google Shape;252;g31478defb9f_0_3:notes"/>
+          <p:cNvPr id="252" name="Google Shape;252;g3043fbd30e8_0_27:notes"/>
           <p:cNvSpPr/>
           <p:nvPr>
             <p:ph idx="2" type="sldImg"/>
@@ -3355,7 +3369,7 @@
       </p:sp>
       <p:sp>
         <p:nvSpPr>
-          <p:cNvPr id="253" name="Google Shape;253;g31478defb9f_0_3:notes"/>
+          <p:cNvPr id="253" name="Google Shape;253;g3043fbd30e8_0_27:notes"/>
           <p:cNvSpPr txBox="1"/>
           <p:nvPr>
             <p:ph idx="1" type="body"/>
@@ -3419,7 +3433,7 @@
       </p:grpSpPr>
       <p:sp>
         <p:nvSpPr>
-          <p:cNvPr id="259" name="Google Shape;259;g3043fbd30e8_0_27:notes"/>
+          <p:cNvPr id="259" name="Google Shape;259;g3043fbd30e8_0_33:notes"/>
           <p:cNvSpPr/>
           <p:nvPr>
             <p:ph idx="2" type="sldImg"/>
@@ -3454,7 +3468,7 @@
       </p:sp>
       <p:sp>
         <p:nvSpPr>
-          <p:cNvPr id="260" name="Google Shape;260;g3043fbd30e8_0_27:notes"/>
+          <p:cNvPr id="260" name="Google Shape;260;g3043fbd30e8_0_33:notes"/>
           <p:cNvSpPr txBox="1"/>
           <p:nvPr>
             <p:ph idx="1" type="body"/>
@@ -3504,7 +3518,7 @@
   <p:cSld>
     <p:spTree>
       <p:nvGrpSpPr>
-        <p:cNvPr id="265" name="Shape 265"/>
+        <p:cNvPr id="263" name="Shape 263"/>
         <p:cNvGrpSpPr/>
         <p:nvPr/>
       </p:nvGrpSpPr>
@@ -3518,7 +3532,7 @@
       </p:grpSpPr>
       <p:sp>
         <p:nvSpPr>
-          <p:cNvPr id="266" name="Google Shape;266;g3043fbd30e8_0_33:notes"/>
+          <p:cNvPr id="264" name="Google Shape;264;g3043fbd30e8_0_63:notes"/>
           <p:cNvSpPr/>
           <p:nvPr>
             <p:ph idx="2" type="sldImg"/>
@@ -3553,7 +3567,7 @@
       </p:sp>
       <p:sp>
         <p:nvSpPr>
-          <p:cNvPr id="267" name="Google Shape;267;g3043fbd30e8_0_33:notes"/>
+          <p:cNvPr id="265" name="Google Shape;265;g3043fbd30e8_0_63:notes"/>
           <p:cNvSpPr txBox="1"/>
           <p:nvPr>
             <p:ph idx="1" type="body"/>
@@ -3617,7 +3631,7 @@
       </p:grpSpPr>
       <p:sp>
         <p:nvSpPr>
-          <p:cNvPr id="271" name="Google Shape;271;g3043fbd30e8_0_63:notes"/>
+          <p:cNvPr id="271" name="Google Shape;271;g30ae6dadd80_1_0:notes"/>
           <p:cNvSpPr/>
           <p:nvPr>
             <p:ph idx="2" type="sldImg"/>
@@ -3652,7 +3666,7 @@
       </p:sp>
       <p:sp>
         <p:nvSpPr>
-          <p:cNvPr id="272" name="Google Shape;272;g3043fbd30e8_0_63:notes"/>
+          <p:cNvPr id="272" name="Google Shape;272;g30ae6dadd80_1_0:notes"/>
           <p:cNvSpPr txBox="1"/>
           <p:nvPr>
             <p:ph idx="1" type="body"/>
@@ -3716,7 +3730,7 @@
       </p:grpSpPr>
       <p:sp>
         <p:nvSpPr>
-          <p:cNvPr id="278" name="Google Shape;278;g30ae6dadd80_1_0:notes"/>
+          <p:cNvPr id="278" name="Google Shape;278;g31478defb9f_0_12:notes"/>
           <p:cNvSpPr/>
           <p:nvPr>
             <p:ph idx="2" type="sldImg"/>
@@ -3751,7 +3765,7 @@
       </p:sp>
       <p:sp>
         <p:nvSpPr>
-          <p:cNvPr id="279" name="Google Shape;279;g30ae6dadd80_1_0:notes"/>
+          <p:cNvPr id="279" name="Google Shape;279;g31478defb9f_0_12:notes"/>
           <p:cNvSpPr txBox="1"/>
           <p:nvPr>
             <p:ph idx="1" type="body"/>
@@ -3801,7 +3815,7 @@
   <p:cSld>
     <p:spTree>
       <p:nvGrpSpPr>
-        <p:cNvPr id="284" name="Shape 284"/>
+        <p:cNvPr id="282" name="Shape 282"/>
         <p:cNvGrpSpPr/>
         <p:nvPr/>
       </p:nvGrpSpPr>
@@ -3815,7 +3829,7 @@
       </p:grpSpPr>
       <p:sp>
         <p:nvSpPr>
-          <p:cNvPr id="285" name="Google Shape;285;g31478defb9f_0_12:notes"/>
+          <p:cNvPr id="283" name="Google Shape;283;g31478defb9f_0_16:notes"/>
           <p:cNvSpPr/>
           <p:nvPr>
             <p:ph idx="2" type="sldImg"/>
@@ -3850,7 +3864,7 @@
       </p:sp>
       <p:sp>
         <p:nvSpPr>
-          <p:cNvPr id="286" name="Google Shape;286;g31478defb9f_0_12:notes"/>
+          <p:cNvPr id="284" name="Google Shape;284;g31478defb9f_0_16:notes"/>
           <p:cNvSpPr txBox="1"/>
           <p:nvPr>
             <p:ph idx="1" type="body"/>
@@ -3914,7 +3928,7 @@
       </p:grpSpPr>
       <p:sp>
         <p:nvSpPr>
-          <p:cNvPr id="290" name="Google Shape;290;g31478defb9f_0_16:notes"/>
+          <p:cNvPr id="290" name="Google Shape;290;g2fe02fb2832_0_0:notes"/>
           <p:cNvSpPr/>
           <p:nvPr>
             <p:ph idx="2" type="sldImg"/>
@@ -3949,7 +3963,7 @@
       </p:sp>
       <p:sp>
         <p:nvSpPr>
-          <p:cNvPr id="291" name="Google Shape;291;g31478defb9f_0_16:notes"/>
+          <p:cNvPr id="291" name="Google Shape;291;g2fe02fb2832_0_0:notes"/>
           <p:cNvSpPr txBox="1"/>
           <p:nvPr>
             <p:ph idx="1" type="body"/>
@@ -4013,7 +4027,7 @@
       </p:grpSpPr>
       <p:sp>
         <p:nvSpPr>
-          <p:cNvPr id="54" name="Google Shape;54;g31442cd5044_0_0:notes"/>
+          <p:cNvPr id="54" name="Google Shape;54;g2d39d6dfef6_0_0:notes"/>
           <p:cNvSpPr/>
           <p:nvPr>
             <p:ph idx="2" type="sldImg"/>
@@ -4048,7 +4062,7 @@
       </p:sp>
       <p:sp>
         <p:nvSpPr>
-          <p:cNvPr id="55" name="Google Shape;55;g31442cd5044_0_0:notes"/>
+          <p:cNvPr id="55" name="Google Shape;55;g2d39d6dfef6_0_0:notes"/>
           <p:cNvSpPr txBox="1"/>
           <p:nvPr>
             <p:ph idx="1" type="body"/>
@@ -4112,7 +4126,7 @@
       </p:grpSpPr>
       <p:sp>
         <p:nvSpPr>
-          <p:cNvPr id="297" name="Google Shape;297;g2fe02fb2832_0_0:notes"/>
+          <p:cNvPr id="297" name="Google Shape;297;g239609b2c0c_0_42:notes"/>
           <p:cNvSpPr/>
           <p:nvPr>
             <p:ph idx="2" type="sldImg"/>
@@ -4147,7 +4161,7 @@
       </p:sp>
       <p:sp>
         <p:nvSpPr>
-          <p:cNvPr id="298" name="Google Shape;298;g2fe02fb2832_0_0:notes"/>
+          <p:cNvPr id="298" name="Google Shape;298;g239609b2c0c_0_42:notes"/>
           <p:cNvSpPr txBox="1"/>
           <p:nvPr>
             <p:ph idx="1" type="body"/>
@@ -4197,7 +4211,7 @@
   <p:cSld>
     <p:spTree>
       <p:nvGrpSpPr>
-        <p:cNvPr id="303" name="Shape 303"/>
+        <p:cNvPr id="302" name="Shape 302"/>
         <p:cNvGrpSpPr/>
         <p:nvPr/>
       </p:nvGrpSpPr>
@@ -4211,7 +4225,7 @@
       </p:grpSpPr>
       <p:sp>
         <p:nvSpPr>
-          <p:cNvPr id="304" name="Google Shape;304;g239609b2c0c_0_42:notes"/>
+          <p:cNvPr id="303" name="Google Shape;303;g239609b2c0c_0_47:notes"/>
           <p:cNvSpPr/>
           <p:nvPr>
             <p:ph idx="2" type="sldImg"/>
@@ -4246,7 +4260,7 @@
       </p:sp>
       <p:sp>
         <p:nvSpPr>
-          <p:cNvPr id="305" name="Google Shape;305;g239609b2c0c_0_42:notes"/>
+          <p:cNvPr id="304" name="Google Shape;304;g239609b2c0c_0_47:notes"/>
           <p:cNvSpPr txBox="1"/>
           <p:nvPr>
             <p:ph idx="1" type="body"/>
@@ -4291,12 +4305,12 @@
 </p:notes>
 </file>
 
-<file path=ppt/notesSlides/notesSlide42.xml><?xml version="1.0" encoding="utf-8"?>
+<file path=ppt/notesSlides/notesSlide5.xml><?xml version="1.0" encoding="utf-8"?>
 <p:notes xmlns:a="http://schemas.openxmlformats.org/drawingml/2006/main" xmlns:r="http://schemas.openxmlformats.org/officeDocument/2006/relationships" xmlns:mc="http://schemas.openxmlformats.org/markup-compatibility/2006" xmlns:mv="urn:schemas-microsoft-com:mac:vml" xmlns:p="http://schemas.openxmlformats.org/presentationml/2006/main" xmlns:c="http://schemas.openxmlformats.org/drawingml/2006/chart" xmlns:dgm="http://schemas.openxmlformats.org/drawingml/2006/diagram" xmlns:o="urn:schemas-microsoft-com:office:office" xmlns:v="urn:schemas-microsoft-com:vml" xmlns:pvml="urn:schemas-microsoft-com:office:powerpoint" xmlns:com="http://schemas.openxmlformats.org/drawingml/2006/compatibility" xmlns:p14="http://schemas.microsoft.com/office/powerpoint/2010/main" xmlns:p15="http://schemas.microsoft.com/office/powerpoint/2012/main" xmlns:ahyp="http://schemas.microsoft.com/office/drawing/2018/hyperlinkcolor" showMasterPhAnim="0" showMasterSp="0">
   <p:cSld>
     <p:spTree>
       <p:nvGrpSpPr>
-        <p:cNvPr id="309" name="Shape 309"/>
+        <p:cNvPr id="60" name="Shape 60"/>
         <p:cNvGrpSpPr/>
         <p:nvPr/>
       </p:nvGrpSpPr>
@@ -4310,7 +4324,7 @@
       </p:grpSpPr>
       <p:sp>
         <p:nvSpPr>
-          <p:cNvPr id="310" name="Google Shape;310;g239609b2c0c_0_47:notes"/>
+          <p:cNvPr id="61" name="Google Shape;61;g3043fbd30e8_0_77:notes"/>
           <p:cNvSpPr/>
           <p:nvPr>
             <p:ph idx="2" type="sldImg"/>
@@ -4345,7 +4359,7 @@
       </p:sp>
       <p:sp>
         <p:nvSpPr>
-          <p:cNvPr id="311" name="Google Shape;311;g239609b2c0c_0_47:notes"/>
+          <p:cNvPr id="62" name="Google Shape;62;g3043fbd30e8_0_77:notes"/>
           <p:cNvSpPr txBox="1"/>
           <p:nvPr>
             <p:ph idx="1" type="body"/>
@@ -4390,12 +4404,12 @@
 </p:notes>
 </file>
 
-<file path=ppt/notesSlides/notesSlide5.xml><?xml version="1.0" encoding="utf-8"?>
+<file path=ppt/notesSlides/notesSlide6.xml><?xml version="1.0" encoding="utf-8"?>
 <p:notes xmlns:a="http://schemas.openxmlformats.org/drawingml/2006/main" xmlns:r="http://schemas.openxmlformats.org/officeDocument/2006/relationships" xmlns:mc="http://schemas.openxmlformats.org/markup-compatibility/2006" xmlns:mv="urn:schemas-microsoft-com:mac:vml" xmlns:p="http://schemas.openxmlformats.org/presentationml/2006/main" xmlns:c="http://schemas.openxmlformats.org/drawingml/2006/chart" xmlns:dgm="http://schemas.openxmlformats.org/drawingml/2006/diagram" xmlns:o="urn:schemas-microsoft-com:office:office" xmlns:v="urn:schemas-microsoft-com:vml" xmlns:pvml="urn:schemas-microsoft-com:office:powerpoint" xmlns:com="http://schemas.openxmlformats.org/drawingml/2006/compatibility" xmlns:p14="http://schemas.microsoft.com/office/powerpoint/2010/main" xmlns:p15="http://schemas.microsoft.com/office/powerpoint/2012/main" xmlns:ahyp="http://schemas.microsoft.com/office/drawing/2018/hyperlinkcolor" showMasterPhAnim="0" showMasterSp="0">
   <p:cSld>
     <p:spTree>
       <p:nvGrpSpPr>
-        <p:cNvPr id="60" name="Shape 60"/>
+        <p:cNvPr id="67" name="Shape 67"/>
         <p:cNvGrpSpPr/>
         <p:nvPr/>
       </p:nvGrpSpPr>
@@ -4409,7 +4423,7 @@
       </p:grpSpPr>
       <p:sp>
         <p:nvSpPr>
-          <p:cNvPr id="61" name="Google Shape;61;g3043fbd30e8_0_2:notes"/>
+          <p:cNvPr id="68" name="Google Shape;68;g31442cd5044_0_0:notes"/>
           <p:cNvSpPr/>
           <p:nvPr>
             <p:ph idx="2" type="sldImg"/>
@@ -4444,7 +4458,7 @@
       </p:sp>
       <p:sp>
         <p:nvSpPr>
-          <p:cNvPr id="62" name="Google Shape;62;g3043fbd30e8_0_2:notes"/>
+          <p:cNvPr id="69" name="Google Shape;69;g31442cd5044_0_0:notes"/>
           <p:cNvSpPr txBox="1"/>
           <p:nvPr>
             <p:ph idx="1" type="body"/>
@@ -4489,12 +4503,12 @@
 </p:notes>
 </file>
 
-<file path=ppt/notesSlides/notesSlide6.xml><?xml version="1.0" encoding="utf-8"?>
+<file path=ppt/notesSlides/notesSlide7.xml><?xml version="1.0" encoding="utf-8"?>
 <p:notes xmlns:a="http://schemas.openxmlformats.org/drawingml/2006/main" xmlns:r="http://schemas.openxmlformats.org/officeDocument/2006/relationships" xmlns:mc="http://schemas.openxmlformats.org/markup-compatibility/2006" xmlns:mv="urn:schemas-microsoft-com:mac:vml" xmlns:p="http://schemas.openxmlformats.org/presentationml/2006/main" xmlns:c="http://schemas.openxmlformats.org/drawingml/2006/chart" xmlns:dgm="http://schemas.openxmlformats.org/drawingml/2006/diagram" xmlns:o="urn:schemas-microsoft-com:office:office" xmlns:v="urn:schemas-microsoft-com:vml" xmlns:pvml="urn:schemas-microsoft-com:office:powerpoint" xmlns:com="http://schemas.openxmlformats.org/drawingml/2006/compatibility" xmlns:p14="http://schemas.microsoft.com/office/powerpoint/2010/main" xmlns:p15="http://schemas.microsoft.com/office/powerpoint/2012/main" xmlns:ahyp="http://schemas.microsoft.com/office/drawing/2018/hyperlinkcolor" showMasterPhAnim="0" showMasterSp="0">
   <p:cSld>
     <p:spTree>
       <p:nvGrpSpPr>
-        <p:cNvPr id="65" name="Shape 65"/>
+        <p:cNvPr id="74" name="Shape 74"/>
         <p:cNvGrpSpPr/>
         <p:nvPr/>
       </p:nvGrpSpPr>
@@ -4508,7 +4522,7 @@
       </p:grpSpPr>
       <p:sp>
         <p:nvSpPr>
-          <p:cNvPr id="66" name="Google Shape;66;g3043fbd30e8_0_51:notes"/>
+          <p:cNvPr id="75" name="Google Shape;75;g3043fbd30e8_0_2:notes"/>
           <p:cNvSpPr/>
           <p:nvPr>
             <p:ph idx="2" type="sldImg"/>
@@ -4543,7 +4557,7 @@
       </p:sp>
       <p:sp>
         <p:nvSpPr>
-          <p:cNvPr id="67" name="Google Shape;67;g3043fbd30e8_0_51:notes"/>
+          <p:cNvPr id="76" name="Google Shape;76;g3043fbd30e8_0_2:notes"/>
           <p:cNvSpPr txBox="1"/>
           <p:nvPr>
             <p:ph idx="1" type="body"/>
@@ -4588,12 +4602,12 @@
 </p:notes>
 </file>
 
-<file path=ppt/notesSlides/notesSlide7.xml><?xml version="1.0" encoding="utf-8"?>
+<file path=ppt/notesSlides/notesSlide8.xml><?xml version="1.0" encoding="utf-8"?>
 <p:notes xmlns:a="http://schemas.openxmlformats.org/drawingml/2006/main" xmlns:r="http://schemas.openxmlformats.org/officeDocument/2006/relationships" xmlns:mc="http://schemas.openxmlformats.org/markup-compatibility/2006" xmlns:mv="urn:schemas-microsoft-com:mac:vml" xmlns:p="http://schemas.openxmlformats.org/presentationml/2006/main" xmlns:c="http://schemas.openxmlformats.org/drawingml/2006/chart" xmlns:dgm="http://schemas.openxmlformats.org/drawingml/2006/diagram" xmlns:o="urn:schemas-microsoft-com:office:office" xmlns:v="urn:schemas-microsoft-com:vml" xmlns:pvml="urn:schemas-microsoft-com:office:powerpoint" xmlns:com="http://schemas.openxmlformats.org/drawingml/2006/compatibility" xmlns:p14="http://schemas.microsoft.com/office/powerpoint/2010/main" xmlns:p15="http://schemas.microsoft.com/office/powerpoint/2012/main" xmlns:ahyp="http://schemas.microsoft.com/office/drawing/2018/hyperlinkcolor" showMasterPhAnim="0" showMasterSp="0">
   <p:cSld>
     <p:spTree>
       <p:nvGrpSpPr>
-        <p:cNvPr id="73" name="Shape 73"/>
+        <p:cNvPr id="79" name="Shape 79"/>
         <p:cNvGrpSpPr/>
         <p:nvPr/>
       </p:nvGrpSpPr>
@@ -4607,7 +4621,7 @@
       </p:grpSpPr>
       <p:sp>
         <p:nvSpPr>
-          <p:cNvPr id="74" name="Google Shape;74;g3043fbd30e8_0_70:notes"/>
+          <p:cNvPr id="80" name="Google Shape;80;g3043fbd30e8_0_51:notes"/>
           <p:cNvSpPr/>
           <p:nvPr>
             <p:ph idx="2" type="sldImg"/>
@@ -4642,7 +4656,7 @@
       </p:sp>
       <p:sp>
         <p:nvSpPr>
-          <p:cNvPr id="75" name="Google Shape;75;g3043fbd30e8_0_70:notes"/>
+          <p:cNvPr id="81" name="Google Shape;81;g3043fbd30e8_0_51:notes"/>
           <p:cNvSpPr txBox="1"/>
           <p:nvPr>
             <p:ph idx="1" type="body"/>
@@ -4687,12 +4701,12 @@
 </p:notes>
 </file>
 
-<file path=ppt/notesSlides/notesSlide8.xml><?xml version="1.0" encoding="utf-8"?>
+<file path=ppt/notesSlides/notesSlide9.xml><?xml version="1.0" encoding="utf-8"?>
 <p:notes xmlns:a="http://schemas.openxmlformats.org/drawingml/2006/main" xmlns:r="http://schemas.openxmlformats.org/officeDocument/2006/relationships" xmlns:mc="http://schemas.openxmlformats.org/markup-compatibility/2006" xmlns:mv="urn:schemas-microsoft-com:mac:vml" xmlns:p="http://schemas.openxmlformats.org/presentationml/2006/main" xmlns:c="http://schemas.openxmlformats.org/drawingml/2006/chart" xmlns:dgm="http://schemas.openxmlformats.org/drawingml/2006/diagram" xmlns:o="urn:schemas-microsoft-com:office:office" xmlns:v="urn:schemas-microsoft-com:vml" xmlns:pvml="urn:schemas-microsoft-com:office:powerpoint" xmlns:com="http://schemas.openxmlformats.org/drawingml/2006/compatibility" xmlns:p14="http://schemas.microsoft.com/office/powerpoint/2010/main" xmlns:p15="http://schemas.microsoft.com/office/powerpoint/2012/main" xmlns:ahyp="http://schemas.microsoft.com/office/drawing/2018/hyperlinkcolor" showMasterPhAnim="0" showMasterSp="0">
   <p:cSld>
     <p:spTree>
       <p:nvGrpSpPr>
-        <p:cNvPr id="80" name="Shape 80"/>
+        <p:cNvPr id="87" name="Shape 87"/>
         <p:cNvGrpSpPr/>
         <p:nvPr/>
       </p:nvGrpSpPr>
@@ -4706,7 +4720,7 @@
       </p:grpSpPr>
       <p:sp>
         <p:nvSpPr>
-          <p:cNvPr id="81" name="Google Shape;81;g2d39d6dfef6_0_0:notes"/>
+          <p:cNvPr id="88" name="Google Shape;88;g3043fbd30e8_0_70:notes"/>
           <p:cNvSpPr/>
           <p:nvPr>
             <p:ph idx="2" type="sldImg"/>
@@ -4741,106 +4755,7 @@
       </p:sp>
       <p:sp>
         <p:nvSpPr>
-          <p:cNvPr id="82" name="Google Shape;82;g2d39d6dfef6_0_0:notes"/>
-          <p:cNvSpPr txBox="1"/>
-          <p:nvPr>
-            <p:ph idx="1" type="body"/>
-          </p:nvPr>
-        </p:nvSpPr>
-        <p:spPr>
-          <a:xfrm>
-            <a:off x="685800" y="4343400"/>
-            <a:ext cx="5486400" cy="4114800"/>
-          </a:xfrm>
-          <a:prstGeom prst="rect">
-            <a:avLst/>
-          </a:prstGeom>
-        </p:spPr>
-        <p:txBody>
-          <a:bodyPr anchorCtr="0" anchor="t" bIns="91425" lIns="91425" spcFirstLastPara="1" rIns="91425" wrap="square" tIns="91425">
-            <a:noAutofit/>
-          </a:bodyPr>
-          <a:lstStyle/>
-          <a:p>
-            <a:pPr indent="0" lvl="0" marL="0" rtl="0" algn="l">
-              <a:spcBef>
-                <a:spcPts val="0"/>
-              </a:spcBef>
-              <a:spcAft>
-                <a:spcPts val="0"/>
-              </a:spcAft>
-              <a:buNone/>
-            </a:pPr>
-            <a:r>
-              <a:t/>
-            </a:r>
-            <a:endParaRPr/>
-          </a:p>
-        </p:txBody>
-      </p:sp>
-    </p:spTree>
-  </p:cSld>
-  <p:clrMapOvr>
-    <a:masterClrMapping/>
-  </p:clrMapOvr>
-</p:notes>
-</file>
-
-<file path=ppt/notesSlides/notesSlide9.xml><?xml version="1.0" encoding="utf-8"?>
-<p:notes xmlns:a="http://schemas.openxmlformats.org/drawingml/2006/main" xmlns:r="http://schemas.openxmlformats.org/officeDocument/2006/relationships" xmlns:mc="http://schemas.openxmlformats.org/markup-compatibility/2006" xmlns:mv="urn:schemas-microsoft-com:mac:vml" xmlns:p="http://schemas.openxmlformats.org/presentationml/2006/main" xmlns:c="http://schemas.openxmlformats.org/drawingml/2006/chart" xmlns:dgm="http://schemas.openxmlformats.org/drawingml/2006/diagram" xmlns:o="urn:schemas-microsoft-com:office:office" xmlns:v="urn:schemas-microsoft-com:vml" xmlns:pvml="urn:schemas-microsoft-com:office:powerpoint" xmlns:com="http://schemas.openxmlformats.org/drawingml/2006/compatibility" xmlns:p14="http://schemas.microsoft.com/office/powerpoint/2010/main" xmlns:p15="http://schemas.microsoft.com/office/powerpoint/2012/main" xmlns:ahyp="http://schemas.microsoft.com/office/drawing/2018/hyperlinkcolor" showMasterPhAnim="0" showMasterSp="0">
-  <p:cSld>
-    <p:spTree>
-      <p:nvGrpSpPr>
-        <p:cNvPr id="87" name="Shape 87"/>
-        <p:cNvGrpSpPr/>
-        <p:nvPr/>
-      </p:nvGrpSpPr>
-      <p:grpSpPr>
-        <a:xfrm>
-          <a:off x="0" y="0"/>
-          <a:ext cx="0" cy="0"/>
-          <a:chOff x="0" y="0"/>
-          <a:chExt cx="0" cy="0"/>
-        </a:xfrm>
-      </p:grpSpPr>
-      <p:sp>
-        <p:nvSpPr>
-          <p:cNvPr id="88" name="Google Shape;88;g2d39c0dc8d4_0_7:notes"/>
-          <p:cNvSpPr/>
-          <p:nvPr>
-            <p:ph idx="2" type="sldImg"/>
-          </p:nvPr>
-        </p:nvSpPr>
-        <p:spPr>
-          <a:xfrm>
-            <a:off x="381300" y="685800"/>
-            <a:ext cx="6096000" cy="3429000"/>
-          </a:xfrm>
-          <a:custGeom>
-            <a:rect b="b" l="l" r="r" t="t"/>
-            <a:pathLst>
-              <a:path extrusionOk="0" h="120000" w="120000">
-                <a:moveTo>
-                  <a:pt x="0" y="0"/>
-                </a:moveTo>
-                <a:lnTo>
-                  <a:pt x="120000" y="0"/>
-                </a:lnTo>
-                <a:lnTo>
-                  <a:pt x="120000" y="120000"/>
-                </a:lnTo>
-                <a:lnTo>
-                  <a:pt x="0" y="120000"/>
-                </a:lnTo>
-                <a:close/>
-              </a:path>
-            </a:pathLst>
-          </a:custGeom>
-        </p:spPr>
-      </p:sp>
-      <p:sp>
-        <p:nvSpPr>
-          <p:cNvPr id="89" name="Google Shape;89;g2d39c0dc8d4_0_7:notes"/>
+          <p:cNvPr id="89" name="Google Shape;89;g3043fbd30e8_0_70:notes"/>
           <p:cNvSpPr txBox="1"/>
           <p:nvPr>
             <p:ph idx="1" type="body"/>
@@ -8307,7 +8222,7 @@
           </a:prstGeom>
         </p:spPr>
         <p:txBody>
-          <a:bodyPr anchorCtr="0" anchor="ctr" bIns="91425" lIns="274300" spcFirstLastPara="1" rIns="91425" wrap="square" tIns="91425">
+          <a:bodyPr anchorCtr="0" anchor="ctr" bIns="0" lIns="274300" spcFirstLastPara="1" rIns="0" wrap="square" tIns="0">
             <a:noAutofit/>
           </a:bodyPr>
           <a:lstStyle/>
@@ -8323,7 +8238,7 @@
             </a:pPr>
             <a:r>
               <a:rPr lang="en"/>
-              <a:t>Client-File Contract 2 / 2</a:t>
+              <a:t>Client-File Contract 1 / 2</a:t>
             </a:r>
             <a:endParaRPr/>
           </a:p>
@@ -8395,9 +8310,168 @@
           </a:p>
         </p:txBody>
       </p:sp>
+      <p:pic>
+        <p:nvPicPr>
+          <p:cNvPr id="100" name="Google Shape;100;p17"/>
+          <p:cNvPicPr preferRelativeResize="0"/>
+          <p:nvPr/>
+        </p:nvPicPr>
+        <p:blipFill>
+          <a:blip r:embed="rId4">
+            <a:alphaModFix/>
+          </a:blip>
+          <a:stretch>
+            <a:fillRect/>
+          </a:stretch>
+        </p:blipFill>
+        <p:spPr>
+          <a:xfrm>
+            <a:off x="274320" y="914400"/>
+            <a:ext cx="8595360" cy="3493598"/>
+          </a:xfrm>
+          <a:prstGeom prst="rect">
+            <a:avLst/>
+          </a:prstGeom>
+          <a:noFill/>
+          <a:ln>
+            <a:noFill/>
+          </a:ln>
+        </p:spPr>
+      </p:pic>
+    </p:spTree>
+  </p:cSld>
+  <p:clrMapOvr>
+    <a:masterClrMapping/>
+  </p:clrMapOvr>
+</p:sld>
+</file>
+
+<file path=ppt/slides/slide11.xml><?xml version="1.0" encoding="utf-8"?>
+<p:sld xmlns:a="http://schemas.openxmlformats.org/drawingml/2006/main" xmlns:r="http://schemas.openxmlformats.org/officeDocument/2006/relationships" xmlns:mc="http://schemas.openxmlformats.org/markup-compatibility/2006" xmlns:mv="urn:schemas-microsoft-com:mac:vml" xmlns:p="http://schemas.openxmlformats.org/presentationml/2006/main" xmlns:c="http://schemas.openxmlformats.org/drawingml/2006/chart" xmlns:dgm="http://schemas.openxmlformats.org/drawingml/2006/diagram" xmlns:o="urn:schemas-microsoft-com:office:office" xmlns:v="urn:schemas-microsoft-com:vml" xmlns:pvml="urn:schemas-microsoft-com:office:powerpoint" xmlns:com="http://schemas.openxmlformats.org/drawingml/2006/compatibility" xmlns:p14="http://schemas.microsoft.com/office/powerpoint/2010/main" xmlns:p15="http://schemas.microsoft.com/office/powerpoint/2012/main" xmlns:ahyp="http://schemas.microsoft.com/office/drawing/2018/hyperlinkcolor">
+  <p:cSld>
+    <p:spTree>
+      <p:nvGrpSpPr>
+        <p:cNvPr id="104" name="Shape 104"/>
+        <p:cNvGrpSpPr/>
+        <p:nvPr/>
+      </p:nvGrpSpPr>
+      <p:grpSpPr>
+        <a:xfrm>
+          <a:off x="0" y="0"/>
+          <a:ext cx="0" cy="0"/>
+          <a:chOff x="0" y="0"/>
+          <a:chExt cx="0" cy="0"/>
+        </a:xfrm>
+      </p:grpSpPr>
+      <p:sp>
+        <p:nvSpPr>
+          <p:cNvPr id="105" name="Google Shape;105;p18"/>
+          <p:cNvSpPr txBox="1"/>
+          <p:nvPr>
+            <p:ph type="title"/>
+          </p:nvPr>
+        </p:nvSpPr>
+        <p:spPr>
+          <a:xfrm>
+            <a:off x="0" y="0"/>
+            <a:ext cx="9144000" cy="685800"/>
+          </a:xfrm>
+          <a:prstGeom prst="rect">
+            <a:avLst/>
+          </a:prstGeom>
+        </p:spPr>
+        <p:txBody>
+          <a:bodyPr anchorCtr="0" anchor="ctr" bIns="91425" lIns="274300" spcFirstLastPara="1" rIns="91425" wrap="square" tIns="91425">
+            <a:noAutofit/>
+          </a:bodyPr>
+          <a:lstStyle/>
+          <a:p>
+            <a:pPr indent="0" lvl="0" marL="0" rtl="0" algn="l">
+              <a:spcBef>
+                <a:spcPts val="0"/>
+              </a:spcBef>
+              <a:spcAft>
+                <a:spcPts val="0"/>
+              </a:spcAft>
+              <a:buNone/>
+            </a:pPr>
+            <a:r>
+              <a:rPr lang="en"/>
+              <a:t>Client-File Contract 2 / 2</a:t>
+            </a:r>
+            <a:endParaRPr/>
+          </a:p>
+        </p:txBody>
+      </p:sp>
+      <p:sp>
+        <p:nvSpPr>
+          <p:cNvPr id="106" name="Google Shape;106;p18"/>
+          <p:cNvSpPr txBox="1"/>
+          <p:nvPr>
+            <p:ph idx="12" type="sldNum"/>
+          </p:nvPr>
+        </p:nvSpPr>
+        <p:spPr>
+          <a:xfrm>
+            <a:off x="7315209" y="4229101"/>
+            <a:ext cx="1828800" cy="914400"/>
+          </a:xfrm>
+          <a:prstGeom prst="rect">
+            <a:avLst/>
+          </a:prstGeom>
+        </p:spPr>
+        <p:txBody>
+          <a:bodyPr anchorCtr="0" anchor="b" bIns="91425" lIns="91425" spcFirstLastPara="1" rIns="91425" wrap="square" tIns="91425">
+            <a:noAutofit/>
+          </a:bodyPr>
+          <a:lstStyle/>
+          <a:p>
+            <a:pPr indent="0" lvl="0" marL="0" rtl="0" algn="r">
+              <a:spcBef>
+                <a:spcPts val="0"/>
+              </a:spcBef>
+              <a:spcAft>
+                <a:spcPts val="0"/>
+              </a:spcAft>
+              <a:buNone/>
+            </a:pPr>
+            <a:fld id="{00000000-1234-1234-1234-123412341234}" type="slidenum">
+              <a:rPr lang="en"/>
+              <a:t>‹#›</a:t>
+            </a:fld>
+            <a:endParaRPr/>
+          </a:p>
+          <a:p>
+            <a:pPr indent="0" lvl="0" marL="0" rtl="0" algn="r">
+              <a:spcBef>
+                <a:spcPts val="0"/>
+              </a:spcBef>
+              <a:spcAft>
+                <a:spcPts val="0"/>
+              </a:spcAft>
+              <a:buClr>
+                <a:schemeClr val="dk1"/>
+              </a:buClr>
+              <a:buSzPts val="1100"/>
+              <a:buFont typeface="Arial"/>
+              <a:buNone/>
+            </a:pPr>
+            <a:r>
+              <a:rPr b="0" lang="en" sz="1000" u="sng">
+                <a:solidFill>
+                  <a:schemeClr val="hlink"/>
+                </a:solidFill>
+                <a:hlinkClick r:id="rId3"/>
+              </a:rPr>
+              <a:t>https://profriehle.com</a:t>
+            </a:r>
+            <a:endParaRPr b="0" sz="1000"/>
+          </a:p>
+        </p:txBody>
+      </p:sp>
       <p:graphicFrame>
         <p:nvGraphicFramePr>
-          <p:cNvPr id="100" name="Google Shape;100;p17"/>
+          <p:cNvPr id="107" name="Google Shape;107;p18"/>
           <p:cNvGraphicFramePr/>
           <p:nvPr/>
         </p:nvGraphicFramePr>
@@ -8410,7 +8484,7 @@
             <a:tbl>
               <a:tblPr>
                 <a:noFill/>
-                <a:tableStyleId>{1B2287A2-DC61-48F5-958F-6032789C4BEC}</a:tableStyleId>
+                <a:tableStyleId>{94002C13-CB53-4E42-B153-2CD026B6A5AF}</a:tableStyleId>
               </a:tblPr>
               <a:tblGrid>
                 <a:gridCol w="1548300"/>
@@ -9155,282 +9229,6 @@
       </p:graphicFrame>
       <p:sp>
         <p:nvSpPr>
-          <p:cNvPr id="101" name="Google Shape;101;p17"/>
-          <p:cNvSpPr txBox="1"/>
-          <p:nvPr>
-            <p:ph idx="1" type="body"/>
-          </p:nvPr>
-        </p:nvSpPr>
-        <p:spPr>
-          <a:xfrm>
-            <a:off x="274320" y="914400"/>
-            <a:ext cx="8595300" cy="4114800"/>
-          </a:xfrm>
-          <a:prstGeom prst="rect">
-            <a:avLst/>
-          </a:prstGeom>
-        </p:spPr>
-        <p:txBody>
-          <a:bodyPr anchorCtr="0" anchor="t" bIns="0" lIns="0" spcFirstLastPara="1" rIns="0" wrap="square" tIns="0">
-            <a:noAutofit/>
-          </a:bodyPr>
-          <a:lstStyle/>
-          <a:p>
-            <a:pPr indent="0" lvl="0" marL="0" rtl="0" algn="l">
-              <a:spcBef>
-                <a:spcPts val="0"/>
-              </a:spcBef>
-              <a:spcAft>
-                <a:spcPts val="0"/>
-              </a:spcAft>
-              <a:buNone/>
-            </a:pPr>
-            <a:r>
-              <a:t/>
-            </a:r>
-            <a:endParaRPr/>
-          </a:p>
-          <a:p>
-            <a:pPr indent="0" lvl="0" marL="0" rtl="0" algn="l">
-              <a:spcBef>
-                <a:spcPts val="1200"/>
-              </a:spcBef>
-              <a:spcAft>
-                <a:spcPts val="0"/>
-              </a:spcAft>
-              <a:buNone/>
-            </a:pPr>
-            <a:r>
-              <a:t/>
-            </a:r>
-            <a:endParaRPr/>
-          </a:p>
-          <a:p>
-            <a:pPr indent="0" lvl="0" marL="0" rtl="0" algn="l">
-              <a:spcBef>
-                <a:spcPts val="1200"/>
-              </a:spcBef>
-              <a:spcAft>
-                <a:spcPts val="0"/>
-              </a:spcAft>
-              <a:buNone/>
-            </a:pPr>
-            <a:r>
-              <a:t/>
-            </a:r>
-            <a:endParaRPr/>
-          </a:p>
-          <a:p>
-            <a:pPr indent="0" lvl="0" marL="0" rtl="0" algn="l">
-              <a:spcBef>
-                <a:spcPts val="1200"/>
-              </a:spcBef>
-              <a:spcAft>
-                <a:spcPts val="0"/>
-              </a:spcAft>
-              <a:buNone/>
-            </a:pPr>
-            <a:r>
-              <a:t/>
-            </a:r>
-            <a:endParaRPr/>
-          </a:p>
-          <a:p>
-            <a:pPr indent="0" lvl="0" marL="0" rtl="0" algn="l">
-              <a:spcBef>
-                <a:spcPts val="1200"/>
-              </a:spcBef>
-              <a:spcAft>
-                <a:spcPts val="0"/>
-              </a:spcAft>
-              <a:buNone/>
-            </a:pPr>
-            <a:r>
-              <a:t/>
-            </a:r>
-            <a:endParaRPr/>
-          </a:p>
-          <a:p>
-            <a:pPr indent="0" lvl="0" marL="0" rtl="0" algn="l">
-              <a:spcBef>
-                <a:spcPts val="1200"/>
-              </a:spcBef>
-              <a:spcAft>
-                <a:spcPts val="0"/>
-              </a:spcAft>
-              <a:buNone/>
-            </a:pPr>
-            <a:r>
-              <a:t/>
-            </a:r>
-            <a:endParaRPr/>
-          </a:p>
-          <a:p>
-            <a:pPr indent="0" lvl="0" marL="0" rtl="0" algn="l">
-              <a:spcBef>
-                <a:spcPts val="1200"/>
-              </a:spcBef>
-              <a:spcAft>
-                <a:spcPts val="0"/>
-              </a:spcAft>
-              <a:buNone/>
-            </a:pPr>
-            <a:r>
-              <a:t/>
-            </a:r>
-            <a:endParaRPr/>
-          </a:p>
-          <a:p>
-            <a:pPr indent="0" lvl="0" marL="0" rtl="0" algn="l">
-              <a:spcBef>
-                <a:spcPts val="1200"/>
-              </a:spcBef>
-              <a:spcAft>
-                <a:spcPts val="1200"/>
-              </a:spcAft>
-              <a:buNone/>
-            </a:pPr>
-            <a:r>
-              <a:rPr lang="en"/>
-              <a:t>Where do you check that the obligations are met?</a:t>
-            </a:r>
-            <a:endParaRPr/>
-          </a:p>
-        </p:txBody>
-      </p:sp>
-    </p:spTree>
-  </p:cSld>
-  <p:clrMapOvr>
-    <a:masterClrMapping/>
-  </p:clrMapOvr>
-</p:sld>
-</file>
-
-<file path=ppt/slides/slide11.xml><?xml version="1.0" encoding="utf-8"?>
-<p:sld xmlns:a="http://schemas.openxmlformats.org/drawingml/2006/main" xmlns:r="http://schemas.openxmlformats.org/officeDocument/2006/relationships" xmlns:mc="http://schemas.openxmlformats.org/markup-compatibility/2006" xmlns:mv="urn:schemas-microsoft-com:mac:vml" xmlns:p="http://schemas.openxmlformats.org/presentationml/2006/main" xmlns:c="http://schemas.openxmlformats.org/drawingml/2006/chart" xmlns:dgm="http://schemas.openxmlformats.org/drawingml/2006/diagram" xmlns:o="urn:schemas-microsoft-com:office:office" xmlns:v="urn:schemas-microsoft-com:vml" xmlns:pvml="urn:schemas-microsoft-com:office:powerpoint" xmlns:com="http://schemas.openxmlformats.org/drawingml/2006/compatibility" xmlns:p14="http://schemas.microsoft.com/office/powerpoint/2010/main" xmlns:p15="http://schemas.microsoft.com/office/powerpoint/2012/main" xmlns:ahyp="http://schemas.microsoft.com/office/drawing/2018/hyperlinkcolor">
-  <p:cSld>
-    <p:spTree>
-      <p:nvGrpSpPr>
-        <p:cNvPr id="105" name="Shape 105"/>
-        <p:cNvGrpSpPr/>
-        <p:nvPr/>
-      </p:nvGrpSpPr>
-      <p:grpSpPr>
-        <a:xfrm>
-          <a:off x="0" y="0"/>
-          <a:ext cx="0" cy="0"/>
-          <a:chOff x="0" y="0"/>
-          <a:chExt cx="0" cy="0"/>
-        </a:xfrm>
-      </p:grpSpPr>
-      <p:sp>
-        <p:nvSpPr>
-          <p:cNvPr id="106" name="Google Shape;106;p18"/>
-          <p:cNvSpPr txBox="1"/>
-          <p:nvPr>
-            <p:ph type="title"/>
-          </p:nvPr>
-        </p:nvSpPr>
-        <p:spPr>
-          <a:xfrm>
-            <a:off x="0" y="0"/>
-            <a:ext cx="9144000" cy="685800"/>
-          </a:xfrm>
-          <a:prstGeom prst="rect">
-            <a:avLst/>
-          </a:prstGeom>
-        </p:spPr>
-        <p:txBody>
-          <a:bodyPr anchorCtr="0" anchor="ctr" bIns="91425" lIns="274300" spcFirstLastPara="1" rIns="91425" wrap="square" tIns="91425">
-            <a:noAutofit/>
-          </a:bodyPr>
-          <a:lstStyle/>
-          <a:p>
-            <a:pPr indent="0" lvl="0" marL="0" rtl="0" algn="l">
-              <a:spcBef>
-                <a:spcPts val="0"/>
-              </a:spcBef>
-              <a:spcAft>
-                <a:spcPts val="0"/>
-              </a:spcAft>
-              <a:buNone/>
-            </a:pPr>
-            <a:r>
-              <a:rPr lang="en"/>
-              <a:t>Defensive Programming</a:t>
-            </a:r>
-            <a:endParaRPr/>
-          </a:p>
-        </p:txBody>
-      </p:sp>
-      <p:sp>
-        <p:nvSpPr>
-          <p:cNvPr id="107" name="Google Shape;107;p18"/>
-          <p:cNvSpPr txBox="1"/>
-          <p:nvPr>
-            <p:ph idx="12" type="sldNum"/>
-          </p:nvPr>
-        </p:nvSpPr>
-        <p:spPr>
-          <a:xfrm>
-            <a:off x="7315209" y="4229101"/>
-            <a:ext cx="1828800" cy="914400"/>
-          </a:xfrm>
-          <a:prstGeom prst="rect">
-            <a:avLst/>
-          </a:prstGeom>
-        </p:spPr>
-        <p:txBody>
-          <a:bodyPr anchorCtr="0" anchor="b" bIns="91425" lIns="91425" spcFirstLastPara="1" rIns="91425" wrap="square" tIns="91425">
-            <a:noAutofit/>
-          </a:bodyPr>
-          <a:lstStyle/>
-          <a:p>
-            <a:pPr indent="0" lvl="0" marL="0" rtl="0" algn="r">
-              <a:spcBef>
-                <a:spcPts val="0"/>
-              </a:spcBef>
-              <a:spcAft>
-                <a:spcPts val="0"/>
-              </a:spcAft>
-              <a:buNone/>
-            </a:pPr>
-            <a:fld id="{00000000-1234-1234-1234-123412341234}" type="slidenum">
-              <a:rPr lang="en"/>
-              <a:t>‹#›</a:t>
-            </a:fld>
-            <a:endParaRPr/>
-          </a:p>
-          <a:p>
-            <a:pPr indent="0" lvl="0" marL="0" rtl="0" algn="r">
-              <a:spcBef>
-                <a:spcPts val="0"/>
-              </a:spcBef>
-              <a:spcAft>
-                <a:spcPts val="0"/>
-              </a:spcAft>
-              <a:buClr>
-                <a:schemeClr val="dk1"/>
-              </a:buClr>
-              <a:buSzPts val="1100"/>
-              <a:buFont typeface="Arial"/>
-              <a:buNone/>
-            </a:pPr>
-            <a:r>
-              <a:rPr b="0" lang="en" sz="1000" u="sng">
-                <a:solidFill>
-                  <a:schemeClr val="hlink"/>
-                </a:solidFill>
-                <a:hlinkClick r:id="rId3"/>
-              </a:rPr>
-              <a:t>https://profriehle.com</a:t>
-            </a:r>
-            <a:endParaRPr b="0" sz="1000"/>
-          </a:p>
-        </p:txBody>
-      </p:sp>
-      <p:sp>
-        <p:nvSpPr>
           <p:cNvPr id="108" name="Google Shape;108;p18"/>
           <p:cNvSpPr txBox="1"/>
           <p:nvPr>
@@ -9459,121 +9257,116 @@
               <a:spcAft>
                 <a:spcPts val="0"/>
               </a:spcAft>
-              <a:buClr>
-                <a:schemeClr val="dk1"/>
-              </a:buClr>
-              <a:buSzPts val="1100"/>
-              <a:buFont typeface="Arial"/>
+              <a:buNone/>
+            </a:pPr>
+            <a:r>
+              <a:t/>
+            </a:r>
+            <a:endParaRPr/>
+          </a:p>
+          <a:p>
+            <a:pPr indent="0" lvl="0" marL="0" rtl="0" algn="l">
+              <a:spcBef>
+                <a:spcPts val="1200"/>
+              </a:spcBef>
+              <a:spcAft>
+                <a:spcPts val="0"/>
+              </a:spcAft>
+              <a:buNone/>
+            </a:pPr>
+            <a:r>
+              <a:t/>
+            </a:r>
+            <a:endParaRPr/>
+          </a:p>
+          <a:p>
+            <a:pPr indent="0" lvl="0" marL="0" rtl="0" algn="l">
+              <a:spcBef>
+                <a:spcPts val="1200"/>
+              </a:spcBef>
+              <a:spcAft>
+                <a:spcPts val="0"/>
+              </a:spcAft>
+              <a:buNone/>
+            </a:pPr>
+            <a:r>
+              <a:t/>
+            </a:r>
+            <a:endParaRPr/>
+          </a:p>
+          <a:p>
+            <a:pPr indent="0" lvl="0" marL="0" rtl="0" algn="l">
+              <a:spcBef>
+                <a:spcPts val="1200"/>
+              </a:spcBef>
+              <a:spcAft>
+                <a:spcPts val="0"/>
+              </a:spcAft>
+              <a:buNone/>
+            </a:pPr>
+            <a:r>
+              <a:t/>
+            </a:r>
+            <a:endParaRPr/>
+          </a:p>
+          <a:p>
+            <a:pPr indent="0" lvl="0" marL="0" rtl="0" algn="l">
+              <a:spcBef>
+                <a:spcPts val="1200"/>
+              </a:spcBef>
+              <a:spcAft>
+                <a:spcPts val="0"/>
+              </a:spcAft>
+              <a:buNone/>
+            </a:pPr>
+            <a:r>
+              <a:t/>
+            </a:r>
+            <a:endParaRPr/>
+          </a:p>
+          <a:p>
+            <a:pPr indent="0" lvl="0" marL="0" rtl="0" algn="l">
+              <a:spcBef>
+                <a:spcPts val="1200"/>
+              </a:spcBef>
+              <a:spcAft>
+                <a:spcPts val="0"/>
+              </a:spcAft>
+              <a:buNone/>
+            </a:pPr>
+            <a:r>
+              <a:t/>
+            </a:r>
+            <a:endParaRPr/>
+          </a:p>
+          <a:p>
+            <a:pPr indent="0" lvl="0" marL="0" rtl="0" algn="l">
+              <a:spcBef>
+                <a:spcPts val="1200"/>
+              </a:spcBef>
+              <a:spcAft>
+                <a:spcPts val="0"/>
+              </a:spcAft>
+              <a:buNone/>
+            </a:pPr>
+            <a:r>
+              <a:t/>
+            </a:r>
+            <a:endParaRPr/>
+          </a:p>
+          <a:p>
+            <a:pPr indent="0" lvl="0" marL="0" rtl="0" algn="l">
+              <a:spcBef>
+                <a:spcPts val="1200"/>
+              </a:spcBef>
+              <a:spcAft>
+                <a:spcPts val="1200"/>
+              </a:spcAft>
               <a:buNone/>
             </a:pPr>
             <a:r>
               <a:rPr lang="en"/>
-              <a:t>Defensive programming</a:t>
-            </a:r>
-            <a:endParaRPr/>
-          </a:p>
-          <a:p>
-            <a:pPr indent="-342900" lvl="0" marL="457200" rtl="0" algn="l">
-              <a:spcBef>
-                <a:spcPts val="1200"/>
-              </a:spcBef>
-              <a:spcAft>
-                <a:spcPts val="0"/>
-              </a:spcAft>
-              <a:buSzPts val="1800"/>
-              <a:buChar char="●"/>
-            </a:pPr>
-            <a:r>
-              <a:rPr lang="en"/>
-              <a:t>Wikipedia: “[...] the programmer never assumes a particular function call or library will work as advertised” </a:t>
-            </a:r>
-            <a:endParaRPr/>
-          </a:p>
-          <a:p>
-            <a:pPr indent="-342900" lvl="0" marL="457200" rtl="0" algn="l">
-              <a:spcBef>
-                <a:spcPts val="0"/>
-              </a:spcBef>
-              <a:spcAft>
-                <a:spcPts val="0"/>
-              </a:spcAft>
-              <a:buSzPts val="1800"/>
-              <a:buChar char="●"/>
-            </a:pPr>
-            <a:r>
-              <a:rPr lang="en"/>
-              <a:t>Meyer: “[...] protect every software module by as many checks as possible, even those which are redundant with checks made by the clients.”</a:t>
-            </a:r>
-            <a:endParaRPr/>
-          </a:p>
-          <a:p>
-            <a:pPr indent="0" lvl="0" marL="0" rtl="0" algn="l">
-              <a:spcBef>
-                <a:spcPts val="1200"/>
-              </a:spcBef>
-              <a:spcAft>
-                <a:spcPts val="0"/>
-              </a:spcAft>
-              <a:buClr>
-                <a:schemeClr val="dk1"/>
-              </a:buClr>
-              <a:buSzPts val="1100"/>
-              <a:buFont typeface="Arial"/>
-              <a:buNone/>
-            </a:pPr>
-            <a:r>
-              <a:rPr lang="en"/>
-              <a:t>Problems with defensive programming</a:t>
-            </a:r>
-            <a:endParaRPr/>
-          </a:p>
-          <a:p>
-            <a:pPr indent="-342900" lvl="0" marL="457200" rtl="0" algn="l">
-              <a:spcBef>
-                <a:spcPts val="1200"/>
-              </a:spcBef>
-              <a:spcAft>
-                <a:spcPts val="0"/>
-              </a:spcAft>
-              <a:buSzPts val="1800"/>
-              <a:buChar char="●"/>
-            </a:pPr>
-            <a:r>
-              <a:rPr lang="en"/>
-              <a:t>Multiplies the amount of checking code</a:t>
-            </a:r>
-            <a:endParaRPr/>
-          </a:p>
-          <a:p>
-            <a:pPr indent="-342900" lvl="0" marL="457200" rtl="0" algn="l">
-              <a:spcBef>
-                <a:spcPts val="0"/>
-              </a:spcBef>
-              <a:spcAft>
-                <a:spcPts val="0"/>
-              </a:spcAft>
-              <a:buSzPts val="1800"/>
-              <a:buChar char="●"/>
-            </a:pPr>
-            <a:r>
-              <a:rPr lang="en"/>
-              <a:t>Leads to bloated, hard-to-read, slow code</a:t>
-            </a:r>
-            <a:endParaRPr/>
-          </a:p>
-          <a:p>
-            <a:pPr indent="0" lvl="0" marL="0" rtl="0" algn="l">
-              <a:spcBef>
-                <a:spcPts val="1200"/>
-              </a:spcBef>
-              <a:spcAft>
-                <a:spcPts val="1200"/>
-              </a:spcAft>
-              <a:buNone/>
-            </a:pPr>
-            <a:r>
-              <a:rPr lang="en"/>
-              <a:t>Redundant code is (mostly) a bad idea</a:t>
+              <a:t>Where do you check that the obligations are met?</a:t>
             </a:r>
             <a:endParaRPr/>
           </a:p>
@@ -9638,7 +9431,7 @@
             </a:pPr>
             <a:r>
               <a:rPr lang="en"/>
-              <a:t>Benefits of Design by Contract</a:t>
+              <a:t>Defensive Programming</a:t>
             </a:r>
             <a:endParaRPr/>
           </a:p>
@@ -9647,6 +9440,72 @@
       <p:sp>
         <p:nvSpPr>
           <p:cNvPr id="114" name="Google Shape;114;p19"/>
+          <p:cNvSpPr txBox="1"/>
+          <p:nvPr>
+            <p:ph idx="12" type="sldNum"/>
+          </p:nvPr>
+        </p:nvSpPr>
+        <p:spPr>
+          <a:xfrm>
+            <a:off x="7315209" y="4229101"/>
+            <a:ext cx="1828800" cy="914400"/>
+          </a:xfrm>
+          <a:prstGeom prst="rect">
+            <a:avLst/>
+          </a:prstGeom>
+        </p:spPr>
+        <p:txBody>
+          <a:bodyPr anchorCtr="0" anchor="b" bIns="91425" lIns="91425" spcFirstLastPara="1" rIns="91425" wrap="square" tIns="91425">
+            <a:noAutofit/>
+          </a:bodyPr>
+          <a:lstStyle/>
+          <a:p>
+            <a:pPr indent="0" lvl="0" marL="0" rtl="0" algn="r">
+              <a:spcBef>
+                <a:spcPts val="0"/>
+              </a:spcBef>
+              <a:spcAft>
+                <a:spcPts val="0"/>
+              </a:spcAft>
+              <a:buNone/>
+            </a:pPr>
+            <a:fld id="{00000000-1234-1234-1234-123412341234}" type="slidenum">
+              <a:rPr lang="en"/>
+              <a:t>‹#›</a:t>
+            </a:fld>
+            <a:endParaRPr/>
+          </a:p>
+          <a:p>
+            <a:pPr indent="0" lvl="0" marL="0" rtl="0" algn="r">
+              <a:spcBef>
+                <a:spcPts val="0"/>
+              </a:spcBef>
+              <a:spcAft>
+                <a:spcPts val="0"/>
+              </a:spcAft>
+              <a:buClr>
+                <a:schemeClr val="dk1"/>
+              </a:buClr>
+              <a:buSzPts val="1100"/>
+              <a:buFont typeface="Arial"/>
+              <a:buNone/>
+            </a:pPr>
+            <a:r>
+              <a:rPr b="0" lang="en" sz="1000" u="sng">
+                <a:solidFill>
+                  <a:schemeClr val="hlink"/>
+                </a:solidFill>
+                <a:hlinkClick r:id="rId3"/>
+              </a:rPr>
+              <a:t>https://profriehle.com</a:t>
+            </a:r>
+            <a:endParaRPr b="0" sz="1000"/>
+          </a:p>
+        </p:txBody>
+      </p:sp>
+      <p:sp>
+        <p:nvSpPr>
+          <p:cNvPr id="115" name="Google Shape;115;p19"/>
           <p:cNvSpPr txBox="1"/>
           <p:nvPr>
             <p:ph idx="1" type="body"/>
@@ -9674,94 +9533,6 @@
               <a:spcAft>
                 <a:spcPts val="0"/>
               </a:spcAft>
-              <a:buNone/>
-            </a:pPr>
-            <a:r>
-              <a:rPr lang="en"/>
-              <a:t>Leads to well-specified interfaces</a:t>
-            </a:r>
-            <a:endParaRPr/>
-          </a:p>
-          <a:p>
-            <a:pPr indent="0" lvl="0" marL="0" rtl="0" algn="l">
-              <a:spcBef>
-                <a:spcPts val="1200"/>
-              </a:spcBef>
-              <a:spcAft>
-                <a:spcPts val="0"/>
-              </a:spcAft>
-              <a:buNone/>
-            </a:pPr>
-            <a:r>
-              <a:rPr lang="en"/>
-              <a:t>Leads to clean separation of work</a:t>
-            </a:r>
-            <a:endParaRPr/>
-          </a:p>
-          <a:p>
-            <a:pPr indent="0" lvl="0" marL="0" rtl="0" algn="l">
-              <a:spcBef>
-                <a:spcPts val="1200"/>
-              </a:spcBef>
-              <a:spcAft>
-                <a:spcPts val="1200"/>
-              </a:spcAft>
-              <a:buNone/>
-            </a:pPr>
-            <a:r>
-              <a:rPr lang="en"/>
-              <a:t>Makes software more reliable</a:t>
-            </a:r>
-            <a:endParaRPr/>
-          </a:p>
-        </p:txBody>
-      </p:sp>
-      <p:sp>
-        <p:nvSpPr>
-          <p:cNvPr id="115" name="Google Shape;115;p19"/>
-          <p:cNvSpPr txBox="1"/>
-          <p:nvPr>
-            <p:ph idx="12" type="sldNum"/>
-          </p:nvPr>
-        </p:nvSpPr>
-        <p:spPr>
-          <a:xfrm>
-            <a:off x="7315209" y="4229101"/>
-            <a:ext cx="1828800" cy="914400"/>
-          </a:xfrm>
-          <a:prstGeom prst="rect">
-            <a:avLst/>
-          </a:prstGeom>
-        </p:spPr>
-        <p:txBody>
-          <a:bodyPr anchorCtr="0" anchor="b" bIns="91425" lIns="91425" spcFirstLastPara="1" rIns="91425" wrap="square" tIns="91425">
-            <a:noAutofit/>
-          </a:bodyPr>
-          <a:lstStyle/>
-          <a:p>
-            <a:pPr indent="0" lvl="0" marL="0" rtl="0" algn="r">
-              <a:spcBef>
-                <a:spcPts val="0"/>
-              </a:spcBef>
-              <a:spcAft>
-                <a:spcPts val="0"/>
-              </a:spcAft>
-              <a:buNone/>
-            </a:pPr>
-            <a:fld id="{00000000-1234-1234-1234-123412341234}" type="slidenum">
-              <a:rPr lang="en"/>
-              <a:t>‹#›</a:t>
-            </a:fld>
-            <a:endParaRPr/>
-          </a:p>
-          <a:p>
-            <a:pPr indent="0" lvl="0" marL="0" rtl="0" algn="r">
-              <a:spcBef>
-                <a:spcPts val="0"/>
-              </a:spcBef>
-              <a:spcAft>
-                <a:spcPts val="0"/>
-              </a:spcAft>
               <a:buClr>
                 <a:schemeClr val="dk1"/>
               </a:buClr>
@@ -9770,15 +9541,115 @@
               <a:buNone/>
             </a:pPr>
             <a:r>
-              <a:rPr b="0" lang="en" sz="1000" u="sng">
-                <a:solidFill>
-                  <a:schemeClr val="hlink"/>
-                </a:solidFill>
-                <a:hlinkClick r:id="rId3"/>
-              </a:rPr>
-              <a:t>https://profriehle.com</a:t>
-            </a:r>
-            <a:endParaRPr b="0" sz="1000"/>
+              <a:rPr lang="en"/>
+              <a:t>Defensive programming</a:t>
+            </a:r>
+            <a:endParaRPr/>
+          </a:p>
+          <a:p>
+            <a:pPr indent="-342900" lvl="0" marL="457200" rtl="0" algn="l">
+              <a:spcBef>
+                <a:spcPts val="1200"/>
+              </a:spcBef>
+              <a:spcAft>
+                <a:spcPts val="0"/>
+              </a:spcAft>
+              <a:buSzPts val="1800"/>
+              <a:buChar char="●"/>
+            </a:pPr>
+            <a:r>
+              <a:rPr lang="en"/>
+              <a:t>Wikipedia: “[...] the programmer never assumes a particular function call or library will work as advertised” </a:t>
+            </a:r>
+            <a:endParaRPr/>
+          </a:p>
+          <a:p>
+            <a:pPr indent="-342900" lvl="0" marL="457200" rtl="0" algn="l">
+              <a:spcBef>
+                <a:spcPts val="0"/>
+              </a:spcBef>
+              <a:spcAft>
+                <a:spcPts val="0"/>
+              </a:spcAft>
+              <a:buSzPts val="1800"/>
+              <a:buChar char="●"/>
+            </a:pPr>
+            <a:r>
+              <a:rPr lang="en"/>
+              <a:t>Meyer: “[...] protect every software module by as many checks as possible, even those which are redundant with checks made by the clients.”</a:t>
+            </a:r>
+            <a:endParaRPr/>
+          </a:p>
+          <a:p>
+            <a:pPr indent="0" lvl="0" marL="0" rtl="0" algn="l">
+              <a:spcBef>
+                <a:spcPts val="1200"/>
+              </a:spcBef>
+              <a:spcAft>
+                <a:spcPts val="0"/>
+              </a:spcAft>
+              <a:buClr>
+                <a:schemeClr val="dk1"/>
+              </a:buClr>
+              <a:buSzPts val="1100"/>
+              <a:buFont typeface="Arial"/>
+              <a:buNone/>
+            </a:pPr>
+            <a:r>
+              <a:rPr lang="en"/>
+              <a:t>Problems with defensive programming</a:t>
+            </a:r>
+            <a:endParaRPr/>
+          </a:p>
+          <a:p>
+            <a:pPr indent="-342900" lvl="0" marL="457200" rtl="0" algn="l">
+              <a:spcBef>
+                <a:spcPts val="1200"/>
+              </a:spcBef>
+              <a:spcAft>
+                <a:spcPts val="0"/>
+              </a:spcAft>
+              <a:buSzPts val="1800"/>
+              <a:buChar char="●"/>
+            </a:pPr>
+            <a:r>
+              <a:rPr lang="en"/>
+              <a:t>Multiplies the amount of checking code</a:t>
+            </a:r>
+            <a:endParaRPr/>
+          </a:p>
+          <a:p>
+            <a:pPr indent="-342900" lvl="0" marL="457200" rtl="0" algn="l">
+              <a:spcBef>
+                <a:spcPts val="0"/>
+              </a:spcBef>
+              <a:spcAft>
+                <a:spcPts val="0"/>
+              </a:spcAft>
+              <a:buSzPts val="1800"/>
+              <a:buChar char="●"/>
+            </a:pPr>
+            <a:r>
+              <a:rPr lang="en"/>
+              <a:t>Leads to bloated, hard-to-read, slow code</a:t>
+            </a:r>
+            <a:endParaRPr/>
+          </a:p>
+          <a:p>
+            <a:pPr indent="0" lvl="0" marL="0" rtl="0" algn="l">
+              <a:spcBef>
+                <a:spcPts val="1200"/>
+              </a:spcBef>
+              <a:spcAft>
+                <a:spcPts val="1200"/>
+              </a:spcAft>
+              <a:buNone/>
+            </a:pPr>
+            <a:r>
+              <a:rPr lang="en"/>
+              <a:t>Redundant code is (mostly) a bad idea</a:t>
+            </a:r>
+            <a:endParaRPr/>
           </a:p>
         </p:txBody>
       </p:sp>
@@ -9841,7 +9712,7 @@
             </a:pPr>
             <a:r>
               <a:rPr lang="en"/>
-              <a:t>Interlude</a:t>
+              <a:t>Benefits of Design by Contract</a:t>
             </a:r>
             <a:endParaRPr/>
           </a:p>
@@ -9850,6 +9721,78 @@
       <p:sp>
         <p:nvSpPr>
           <p:cNvPr id="121" name="Google Shape;121;p20"/>
+          <p:cNvSpPr txBox="1"/>
+          <p:nvPr>
+            <p:ph idx="1" type="body"/>
+          </p:nvPr>
+        </p:nvSpPr>
+        <p:spPr>
+          <a:xfrm>
+            <a:off x="274320" y="914400"/>
+            <a:ext cx="8595300" cy="4114800"/>
+          </a:xfrm>
+          <a:prstGeom prst="rect">
+            <a:avLst/>
+          </a:prstGeom>
+        </p:spPr>
+        <p:txBody>
+          <a:bodyPr anchorCtr="0" anchor="t" bIns="0" lIns="0" spcFirstLastPara="1" rIns="0" wrap="square" tIns="0">
+            <a:noAutofit/>
+          </a:bodyPr>
+          <a:lstStyle/>
+          <a:p>
+            <a:pPr indent="0" lvl="0" marL="0" rtl="0" algn="l">
+              <a:spcBef>
+                <a:spcPts val="0"/>
+              </a:spcBef>
+              <a:spcAft>
+                <a:spcPts val="0"/>
+              </a:spcAft>
+              <a:buNone/>
+            </a:pPr>
+            <a:r>
+              <a:rPr lang="en"/>
+              <a:t>Leads to well-specified interfaces</a:t>
+            </a:r>
+            <a:endParaRPr/>
+          </a:p>
+          <a:p>
+            <a:pPr indent="0" lvl="0" marL="0" rtl="0" algn="l">
+              <a:spcBef>
+                <a:spcPts val="1200"/>
+              </a:spcBef>
+              <a:spcAft>
+                <a:spcPts val="0"/>
+              </a:spcAft>
+              <a:buNone/>
+            </a:pPr>
+            <a:r>
+              <a:rPr lang="en"/>
+              <a:t>Leads to clean separation of work</a:t>
+            </a:r>
+            <a:endParaRPr/>
+          </a:p>
+          <a:p>
+            <a:pPr indent="0" lvl="0" marL="0" rtl="0" algn="l">
+              <a:spcBef>
+                <a:spcPts val="1200"/>
+              </a:spcBef>
+              <a:spcAft>
+                <a:spcPts val="1200"/>
+              </a:spcAft>
+              <a:buNone/>
+            </a:pPr>
+            <a:r>
+              <a:rPr lang="en"/>
+              <a:t>Makes software more reliable</a:t>
+            </a:r>
+            <a:endParaRPr/>
+          </a:p>
+        </p:txBody>
+      </p:sp>
+      <p:sp>
+        <p:nvSpPr>
+          <p:cNvPr id="122" name="Google Shape;122;p20"/>
           <p:cNvSpPr txBox="1"/>
           <p:nvPr>
             <p:ph idx="12" type="sldNum"/>
@@ -9913,34 +9856,6 @@
           </a:p>
         </p:txBody>
       </p:sp>
-      <p:pic>
-        <p:nvPicPr>
-          <p:cNvPr id="122" name="Google Shape;122;p20"/>
-          <p:cNvPicPr preferRelativeResize="0"/>
-          <p:nvPr/>
-        </p:nvPicPr>
-        <p:blipFill>
-          <a:blip r:embed="rId4">
-            <a:alphaModFix/>
-          </a:blip>
-          <a:stretch>
-            <a:fillRect/>
-          </a:stretch>
-        </p:blipFill>
-        <p:spPr>
-          <a:xfrm>
-            <a:off x="1524000" y="1647825"/>
-            <a:ext cx="6096000" cy="1847850"/>
-          </a:xfrm>
-          <a:prstGeom prst="rect">
-            <a:avLst/>
-          </a:prstGeom>
-          <a:noFill/>
-          <a:ln>
-            <a:noFill/>
-          </a:ln>
-        </p:spPr>
-      </p:pic>
     </p:spTree>
   </p:cSld>
   <p:clrMapOvr>
@@ -19292,7 +19207,15 @@
             </a:pPr>
             <a:r>
               <a:rPr lang="en"/>
-              <a:t>Extended Example</a:t>
+              <a:t>Did You Previously Learn </a:t>
+            </a:r>
+            <a:r>
+              <a:rPr lang="en"/>
+              <a:t>about</a:t>
+            </a:r>
+            <a:r>
+              <a:rPr lang="en"/>
+              <a:t> Design by Contract?</a:t>
             </a:r>
             <a:endParaRPr/>
           </a:p>
@@ -19356,7 +19279,7 @@
                 <a:solidFill>
                   <a:schemeClr val="hlink"/>
                 </a:solidFill>
-                <a:hlinkClick r:id="rId3"/>
+                <a:hlinkClick r:id="rId4"/>
               </a:rPr>
               <a:t>https://profriehle.com</a:t>
             </a:r>
@@ -19371,7 +19294,7 @@
           <p:nvPr/>
         </p:nvPicPr>
         <p:blipFill>
-          <a:blip r:embed="rId4">
+          <a:blip r:embed="rId5">
             <a:alphaModFix/>
           </a:blip>
           <a:stretch>
@@ -19381,7 +19304,7 @@
         <p:spPr>
           <a:xfrm>
             <a:off x="274320" y="914400"/>
-            <a:ext cx="8595360" cy="3493598"/>
+            <a:ext cx="3657599" cy="3657599"/>
           </a:xfrm>
           <a:prstGeom prst="rect">
             <a:avLst/>
@@ -20275,7 +20198,7 @@
             </a:pPr>
             <a:r>
               <a:rPr lang="en"/>
-              <a:t>Contracts and Control Flow 1 / 2</a:t>
+              <a:t>Contracts and Control Flow</a:t>
             </a:r>
             <a:endParaRPr/>
           </a:p>
@@ -20284,6 +20207,169 @@
       <p:sp>
         <p:nvSpPr>
           <p:cNvPr id="256" name="Google Shape;256;p40"/>
+          <p:cNvSpPr txBox="1"/>
+          <p:nvPr>
+            <p:ph idx="1" type="body"/>
+          </p:nvPr>
+        </p:nvSpPr>
+        <p:spPr>
+          <a:xfrm>
+            <a:off x="274320" y="914400"/>
+            <a:ext cx="8595300" cy="4114800"/>
+          </a:xfrm>
+          <a:prstGeom prst="rect">
+            <a:avLst/>
+          </a:prstGeom>
+        </p:spPr>
+        <p:txBody>
+          <a:bodyPr anchorCtr="0" anchor="t" bIns="0" lIns="0" spcFirstLastPara="1" rIns="0" wrap="square" tIns="0">
+            <a:noAutofit/>
+          </a:bodyPr>
+          <a:lstStyle/>
+          <a:p>
+            <a:pPr indent="0" lvl="0" marL="0" rtl="0" algn="l">
+              <a:spcBef>
+                <a:spcPts val="0"/>
+              </a:spcBef>
+              <a:spcAft>
+                <a:spcPts val="0"/>
+              </a:spcAft>
+              <a:buNone/>
+            </a:pPr>
+            <a:r>
+              <a:rPr lang="en"/>
+              <a:t>Contractor</a:t>
+            </a:r>
+            <a:endParaRPr/>
+          </a:p>
+          <a:p>
+            <a:pPr indent="-342900" lvl="0" marL="457200" rtl="0" algn="l">
+              <a:spcBef>
+                <a:spcPts val="1200"/>
+              </a:spcBef>
+              <a:spcAft>
+                <a:spcPts val="0"/>
+              </a:spcAft>
+              <a:buSzPts val="1800"/>
+              <a:buChar char="●"/>
+            </a:pPr>
+            <a:r>
+              <a:rPr lang="en"/>
+              <a:t>Use regular control flow (return) if nothing went wrong</a:t>
+            </a:r>
+            <a:endParaRPr/>
+          </a:p>
+          <a:p>
+            <a:pPr indent="-342900" lvl="0" marL="457200" rtl="0" algn="l">
+              <a:spcBef>
+                <a:spcPts val="0"/>
+              </a:spcBef>
+              <a:spcAft>
+                <a:spcPts val="0"/>
+              </a:spcAft>
+              <a:buSzPts val="1800"/>
+              <a:buChar char="●"/>
+            </a:pPr>
+            <a:r>
+              <a:rPr lang="en"/>
+              <a:t>Use </a:t>
+            </a:r>
+            <a:r>
+              <a:rPr lang="en"/>
+              <a:t>exception</a:t>
+            </a:r>
+            <a:r>
+              <a:rPr lang="en"/>
+              <a:t> to indicate contract violation</a:t>
+            </a:r>
+            <a:endParaRPr/>
+          </a:p>
+          <a:p>
+            <a:pPr indent="0" lvl="0" marL="0" rtl="0" algn="l">
+              <a:spcBef>
+                <a:spcPts val="1200"/>
+              </a:spcBef>
+              <a:spcAft>
+                <a:spcPts val="0"/>
+              </a:spcAft>
+              <a:buNone/>
+            </a:pPr>
+            <a:r>
+              <a:rPr lang="en"/>
+              <a:t>Client</a:t>
+            </a:r>
+            <a:endParaRPr/>
+          </a:p>
+          <a:p>
+            <a:pPr indent="-342900" lvl="0" marL="457200" rtl="0" algn="l">
+              <a:spcBef>
+                <a:spcPts val="1200"/>
+              </a:spcBef>
+              <a:spcAft>
+                <a:spcPts val="0"/>
+              </a:spcAft>
+              <a:buSzPts val="1800"/>
+              <a:buChar char="●"/>
+            </a:pPr>
+            <a:r>
+              <a:rPr lang="en"/>
+              <a:t>Continue in regular control flow if nothing went wrong</a:t>
+            </a:r>
+            <a:endParaRPr/>
+          </a:p>
+          <a:p>
+            <a:pPr indent="-342900" lvl="0" marL="457200" rtl="0" algn="l">
+              <a:spcBef>
+                <a:spcPts val="0"/>
+              </a:spcBef>
+              <a:spcAft>
+                <a:spcPts val="0"/>
+              </a:spcAft>
+              <a:buSzPts val="1800"/>
+              <a:buChar char="●"/>
+            </a:pPr>
+            <a:r>
+              <a:rPr lang="en"/>
+              <a:t>Either resume operations or escalate exception</a:t>
+            </a:r>
+            <a:endParaRPr/>
+          </a:p>
+          <a:p>
+            <a:pPr indent="0" lvl="0" marL="0" rtl="0" algn="l">
+              <a:spcBef>
+                <a:spcPts val="1200"/>
+              </a:spcBef>
+              <a:spcAft>
+                <a:spcPts val="0"/>
+              </a:spcAft>
+              <a:buNone/>
+            </a:pPr>
+            <a:r>
+              <a:rPr lang="en"/>
+              <a:t>More on this in lecture on error and exception handling</a:t>
+            </a:r>
+            <a:endParaRPr/>
+          </a:p>
+          <a:p>
+            <a:pPr indent="0" lvl="0" marL="0" rtl="0" algn="l">
+              <a:spcBef>
+                <a:spcPts val="1200"/>
+              </a:spcBef>
+              <a:spcAft>
+                <a:spcPts val="1200"/>
+              </a:spcAft>
+              <a:buNone/>
+            </a:pPr>
+            <a:r>
+              <a:t/>
+            </a:r>
+            <a:endParaRPr/>
+          </a:p>
+        </p:txBody>
+      </p:sp>
+      <p:sp>
+        <p:nvSpPr>
+          <p:cNvPr id="257" name="Google Shape;257;p40"/>
           <p:cNvSpPr txBox="1"/>
           <p:nvPr>
             <p:ph idx="12" type="sldNum"/>
@@ -20327,11 +20413,6 @@
               <a:spcAft>
                 <a:spcPts val="0"/>
               </a:spcAft>
-              <a:buClr>
-                <a:schemeClr val="dk1"/>
-              </a:buClr>
-              <a:buSzPts val="1100"/>
-              <a:buFont typeface="Arial"/>
               <a:buNone/>
             </a:pPr>
             <a:r>
@@ -20347,34 +20428,6 @@
           </a:p>
         </p:txBody>
       </p:sp>
-      <p:pic>
-        <p:nvPicPr>
-          <p:cNvPr id="257" name="Google Shape;257;p40"/>
-          <p:cNvPicPr preferRelativeResize="0"/>
-          <p:nvPr/>
-        </p:nvPicPr>
-        <p:blipFill>
-          <a:blip r:embed="rId4">
-            <a:alphaModFix/>
-          </a:blip>
-          <a:stretch>
-            <a:fillRect/>
-          </a:stretch>
-        </p:blipFill>
-        <p:spPr>
-          <a:xfrm>
-            <a:off x="274320" y="914400"/>
-            <a:ext cx="8595360" cy="3493598"/>
-          </a:xfrm>
-          <a:prstGeom prst="rect">
-            <a:avLst/>
-          </a:prstGeom>
-          <a:noFill/>
-          <a:ln>
-            <a:noFill/>
-          </a:ln>
-        </p:spPr>
-      </p:pic>
     </p:spTree>
   </p:cSld>
   <p:clrMapOvr>
@@ -20410,6 +20463,71 @@
         </p:nvSpPr>
         <p:spPr>
           <a:xfrm>
+            <a:off x="0" y="-7"/>
+            <a:ext cx="9144000" cy="2386500"/>
+          </a:xfrm>
+          <a:prstGeom prst="rect">
+            <a:avLst/>
+          </a:prstGeom>
+        </p:spPr>
+        <p:txBody>
+          <a:bodyPr anchorCtr="0" anchor="b" bIns="274300" lIns="91425" spcFirstLastPara="1" rIns="91425" wrap="square" tIns="91425">
+            <a:noAutofit/>
+          </a:bodyPr>
+          <a:lstStyle/>
+          <a:p>
+            <a:pPr indent="0" lvl="0" marL="0" rtl="0" algn="ctr">
+              <a:spcBef>
+                <a:spcPts val="0"/>
+              </a:spcBef>
+              <a:spcAft>
+                <a:spcPts val="0"/>
+              </a:spcAft>
+              <a:buNone/>
+            </a:pPr>
+            <a:r>
+              <a:rPr lang="en"/>
+              <a:t>5. Contract Pragmatics</a:t>
+            </a:r>
+            <a:endParaRPr/>
+          </a:p>
+        </p:txBody>
+      </p:sp>
+    </p:spTree>
+  </p:cSld>
+  <p:clrMapOvr>
+    <a:masterClrMapping/>
+  </p:clrMapOvr>
+</p:sld>
+</file>
+
+<file path=ppt/slides/slide35.xml><?xml version="1.0" encoding="utf-8"?>
+<p:sld xmlns:a="http://schemas.openxmlformats.org/drawingml/2006/main" xmlns:r="http://schemas.openxmlformats.org/officeDocument/2006/relationships" xmlns:mc="http://schemas.openxmlformats.org/markup-compatibility/2006" xmlns:mv="urn:schemas-microsoft-com:mac:vml" xmlns:p="http://schemas.openxmlformats.org/presentationml/2006/main" xmlns:c="http://schemas.openxmlformats.org/drawingml/2006/chart" xmlns:dgm="http://schemas.openxmlformats.org/drawingml/2006/diagram" xmlns:o="urn:schemas-microsoft-com:office:office" xmlns:v="urn:schemas-microsoft-com:vml" xmlns:pvml="urn:schemas-microsoft-com:office:powerpoint" xmlns:com="http://schemas.openxmlformats.org/drawingml/2006/compatibility" xmlns:p14="http://schemas.microsoft.com/office/powerpoint/2010/main" xmlns:p15="http://schemas.microsoft.com/office/powerpoint/2012/main" xmlns:ahyp="http://schemas.microsoft.com/office/drawing/2018/hyperlinkcolor">
+  <p:cSld>
+    <p:spTree>
+      <p:nvGrpSpPr>
+        <p:cNvPr id="266" name="Shape 266"/>
+        <p:cNvGrpSpPr/>
+        <p:nvPr/>
+      </p:nvGrpSpPr>
+      <p:grpSpPr>
+        <a:xfrm>
+          <a:off x="0" y="0"/>
+          <a:ext cx="0" cy="0"/>
+          <a:chOff x="0" y="0"/>
+          <a:chExt cx="0" cy="0"/>
+        </a:xfrm>
+      </p:grpSpPr>
+      <p:sp>
+        <p:nvSpPr>
+          <p:cNvPr id="267" name="Google Shape;267;p42"/>
+          <p:cNvSpPr txBox="1"/>
+          <p:nvPr>
+            <p:ph type="title"/>
+          </p:nvPr>
+        </p:nvSpPr>
+        <p:spPr>
+          <a:xfrm>
             <a:off x="0" y="0"/>
             <a:ext cx="9144000" cy="685800"/>
           </a:xfrm>
@@ -20434,7 +20552,7 @@
             </a:pPr>
             <a:r>
               <a:rPr lang="en"/>
-              <a:t>Contracts and Control Flow 2 / 2</a:t>
+              <a:t>Contract Pragmatics</a:t>
             </a:r>
             <a:endParaRPr/>
           </a:p>
@@ -20442,7 +20560,7 @@
       </p:sp>
       <p:sp>
         <p:nvSpPr>
-          <p:cNvPr id="263" name="Google Shape;263;p41"/>
+          <p:cNvPr id="268" name="Google Shape;268;p42"/>
           <p:cNvSpPr txBox="1"/>
           <p:nvPr>
             <p:ph idx="1" type="body"/>
@@ -20474,115 +20592,7 @@
             </a:pPr>
             <a:r>
               <a:rPr lang="en"/>
-              <a:t>Contractor</a:t>
-            </a:r>
-            <a:endParaRPr/>
-          </a:p>
-          <a:p>
-            <a:pPr indent="-342900" lvl="0" marL="457200" rtl="0" algn="l">
-              <a:spcBef>
-                <a:spcPts val="1200"/>
-              </a:spcBef>
-              <a:spcAft>
-                <a:spcPts val="0"/>
-              </a:spcAft>
-              <a:buSzPts val="1800"/>
-              <a:buChar char="●"/>
-            </a:pPr>
-            <a:r>
-              <a:rPr lang="en"/>
-              <a:t>Use regular control flow (return) if nothing went wrong</a:t>
-            </a:r>
-            <a:endParaRPr/>
-          </a:p>
-          <a:p>
-            <a:pPr indent="-342900" lvl="0" marL="457200" rtl="0" algn="l">
-              <a:spcBef>
-                <a:spcPts val="0"/>
-              </a:spcBef>
-              <a:spcAft>
-                <a:spcPts val="0"/>
-              </a:spcAft>
-              <a:buSzPts val="1800"/>
-              <a:buChar char="●"/>
-            </a:pPr>
-            <a:r>
-              <a:rPr lang="en"/>
-              <a:t>Use </a:t>
-            </a:r>
-            <a:r>
-              <a:rPr lang="en"/>
-              <a:t>exception</a:t>
-            </a:r>
-            <a:r>
-              <a:rPr lang="en"/>
-              <a:t> to indicate contract violation</a:t>
-            </a:r>
-            <a:endParaRPr/>
-          </a:p>
-          <a:p>
-            <a:pPr indent="0" lvl="0" marL="0" rtl="0" algn="l">
-              <a:spcBef>
-                <a:spcPts val="1200"/>
-              </a:spcBef>
-              <a:spcAft>
-                <a:spcPts val="0"/>
-              </a:spcAft>
-              <a:buNone/>
-            </a:pPr>
-            <a:r>
-              <a:rPr lang="en"/>
-              <a:t>Client</a:t>
-            </a:r>
-            <a:endParaRPr/>
-          </a:p>
-          <a:p>
-            <a:pPr indent="-342900" lvl="0" marL="457200" rtl="0" algn="l">
-              <a:spcBef>
-                <a:spcPts val="1200"/>
-              </a:spcBef>
-              <a:spcAft>
-                <a:spcPts val="0"/>
-              </a:spcAft>
-              <a:buSzPts val="1800"/>
-              <a:buChar char="●"/>
-            </a:pPr>
-            <a:r>
-              <a:rPr lang="en"/>
-              <a:t>Continue in regular control flow if nothing went wrong</a:t>
-            </a:r>
-            <a:endParaRPr/>
-          </a:p>
-          <a:p>
-            <a:pPr indent="-342900" lvl="0" marL="457200" rtl="0" algn="l">
-              <a:spcBef>
-                <a:spcPts val="0"/>
-              </a:spcBef>
-              <a:spcAft>
-                <a:spcPts val="0"/>
-              </a:spcAft>
-              <a:buSzPts val="1800"/>
-              <a:buChar char="●"/>
-            </a:pPr>
-            <a:r>
-              <a:rPr lang="en"/>
-              <a:t>Either resume operations or escalate exception</a:t>
-            </a:r>
-            <a:endParaRPr/>
-          </a:p>
-          <a:p>
-            <a:pPr indent="0" lvl="0" marL="0" rtl="0" algn="l">
-              <a:spcBef>
-                <a:spcPts val="1200"/>
-              </a:spcBef>
-              <a:spcAft>
-                <a:spcPts val="0"/>
-              </a:spcAft>
-              <a:buNone/>
-            </a:pPr>
-            <a:r>
-              <a:rPr lang="en"/>
-              <a:t>More on this in lecture on error and exception handling</a:t>
+              <a:t>Focus on preconditions to guard execution</a:t>
             </a:r>
             <a:endParaRPr/>
           </a:p>
@@ -20605,7 +20615,7 @@
       </p:sp>
       <p:sp>
         <p:nvSpPr>
-          <p:cNvPr id="264" name="Google Shape;264;p41"/>
+          <p:cNvPr id="269" name="Google Shape;269;p42"/>
           <p:cNvSpPr txBox="1"/>
           <p:nvPr>
             <p:ph idx="12" type="sldNum"/>
@@ -20661,71 +20671,6 @@
               <a:t>https://profriehle.com</a:t>
             </a:r>
             <a:endParaRPr b="0" sz="1000"/>
-          </a:p>
-        </p:txBody>
-      </p:sp>
-    </p:spTree>
-  </p:cSld>
-  <p:clrMapOvr>
-    <a:masterClrMapping/>
-  </p:clrMapOvr>
-</p:sld>
-</file>
-
-<file path=ppt/slides/slide35.xml><?xml version="1.0" encoding="utf-8"?>
-<p:sld xmlns:a="http://schemas.openxmlformats.org/drawingml/2006/main" xmlns:r="http://schemas.openxmlformats.org/officeDocument/2006/relationships" xmlns:mc="http://schemas.openxmlformats.org/markup-compatibility/2006" xmlns:mv="urn:schemas-microsoft-com:mac:vml" xmlns:p="http://schemas.openxmlformats.org/presentationml/2006/main" xmlns:c="http://schemas.openxmlformats.org/drawingml/2006/chart" xmlns:dgm="http://schemas.openxmlformats.org/drawingml/2006/diagram" xmlns:o="urn:schemas-microsoft-com:office:office" xmlns:v="urn:schemas-microsoft-com:vml" xmlns:pvml="urn:schemas-microsoft-com:office:powerpoint" xmlns:com="http://schemas.openxmlformats.org/drawingml/2006/compatibility" xmlns:p14="http://schemas.microsoft.com/office/powerpoint/2010/main" xmlns:p15="http://schemas.microsoft.com/office/powerpoint/2012/main" xmlns:ahyp="http://schemas.microsoft.com/office/drawing/2018/hyperlinkcolor">
-  <p:cSld>
-    <p:spTree>
-      <p:nvGrpSpPr>
-        <p:cNvPr id="268" name="Shape 268"/>
-        <p:cNvGrpSpPr/>
-        <p:nvPr/>
-      </p:nvGrpSpPr>
-      <p:grpSpPr>
-        <a:xfrm>
-          <a:off x="0" y="0"/>
-          <a:ext cx="0" cy="0"/>
-          <a:chOff x="0" y="0"/>
-          <a:chExt cx="0" cy="0"/>
-        </a:xfrm>
-      </p:grpSpPr>
-      <p:sp>
-        <p:nvSpPr>
-          <p:cNvPr id="269" name="Google Shape;269;p42"/>
-          <p:cNvSpPr txBox="1"/>
-          <p:nvPr>
-            <p:ph type="title"/>
-          </p:nvPr>
-        </p:nvSpPr>
-        <p:spPr>
-          <a:xfrm>
-            <a:off x="0" y="-7"/>
-            <a:ext cx="9144000" cy="2386500"/>
-          </a:xfrm>
-          <a:prstGeom prst="rect">
-            <a:avLst/>
-          </a:prstGeom>
-        </p:spPr>
-        <p:txBody>
-          <a:bodyPr anchorCtr="0" anchor="b" bIns="274300" lIns="91425" spcFirstLastPara="1" rIns="91425" wrap="square" tIns="91425">
-            <a:noAutofit/>
-          </a:bodyPr>
-          <a:lstStyle/>
-          <a:p>
-            <a:pPr indent="0" lvl="0" marL="0" rtl="0" algn="ctr">
-              <a:spcBef>
-                <a:spcPts val="0"/>
-              </a:spcBef>
-              <a:spcAft>
-                <a:spcPts val="0"/>
-              </a:spcAft>
-              <a:buNone/>
-            </a:pPr>
-            <a:r>
-              <a:rPr lang="en"/>
-              <a:t>5. Contract Pragmatics</a:t>
-            </a:r>
-            <a:endParaRPr/>
           </a:p>
         </p:txBody>
       </p:sp>
@@ -20788,7 +20733,7 @@
             </a:pPr>
             <a:r>
               <a:rPr lang="en"/>
-              <a:t>Contract Pragmatics</a:t>
+              <a:t>Contracts and Subtyping</a:t>
             </a:r>
             <a:endParaRPr/>
           </a:p>
@@ -20828,7 +20773,24 @@
             </a:pPr>
             <a:r>
               <a:rPr lang="en"/>
-              <a:t>Focus on preconditions to guard execution</a:t>
+              <a:t>Subclass methods may have less requirements (weaken preconditions)</a:t>
+            </a:r>
+            <a:endParaRPr/>
+          </a:p>
+          <a:p>
+            <a:pPr indent="-342900" lvl="0" marL="457200" rtl="0" algn="l">
+              <a:spcBef>
+                <a:spcPts val="1200"/>
+              </a:spcBef>
+              <a:spcAft>
+                <a:spcPts val="0"/>
+              </a:spcAft>
+              <a:buSzPts val="1800"/>
+              <a:buChar char="●"/>
+            </a:pPr>
+            <a:r>
+              <a:rPr lang="en"/>
+              <a:t>Example: Contravariant redefinition of argument types</a:t>
             </a:r>
             <a:endParaRPr/>
           </a:p>
@@ -20838,12 +20800,30 @@
                 <a:spcPts val="1200"/>
               </a:spcBef>
               <a:spcAft>
+                <a:spcPts val="0"/>
+              </a:spcAft>
+              <a:buNone/>
+            </a:pPr>
+            <a:r>
+              <a:rPr lang="en"/>
+              <a:t>Subclass methods may guarantee more (strengthen postconditions)</a:t>
+            </a:r>
+            <a:endParaRPr/>
+          </a:p>
+          <a:p>
+            <a:pPr indent="-342900" lvl="0" marL="457200" rtl="0" algn="l">
+              <a:spcBef>
                 <a:spcPts val="1200"/>
-              </a:spcAft>
-              <a:buNone/>
-            </a:pPr>
-            <a:r>
-              <a:t/>
+              </a:spcBef>
+              <a:spcAft>
+                <a:spcPts val="0"/>
+              </a:spcAft>
+              <a:buSzPts val="1800"/>
+              <a:buChar char="●"/>
+            </a:pPr>
+            <a:r>
+              <a:rPr lang="en"/>
+              <a:t>Example: Covariant redefinition of return types</a:t>
             </a:r>
             <a:endParaRPr/>
           </a:p>
@@ -20895,6 +20875,11 @@
               <a:spcAft>
                 <a:spcPts val="0"/>
               </a:spcAft>
+              <a:buClr>
+                <a:schemeClr val="dk1"/>
+              </a:buClr>
+              <a:buSzPts val="1100"/>
+              <a:buFont typeface="Arial"/>
               <a:buNone/>
             </a:pPr>
             <a:r>
@@ -20945,20 +20930,20 @@
         </p:nvSpPr>
         <p:spPr>
           <a:xfrm>
-            <a:off x="0" y="0"/>
-            <a:ext cx="9144000" cy="685800"/>
+            <a:off x="0" y="-7"/>
+            <a:ext cx="9144000" cy="2386500"/>
           </a:xfrm>
           <a:prstGeom prst="rect">
             <a:avLst/>
           </a:prstGeom>
         </p:spPr>
         <p:txBody>
-          <a:bodyPr anchorCtr="0" anchor="ctr" bIns="91425" lIns="274300" spcFirstLastPara="1" rIns="91425" wrap="square" tIns="91425">
+          <a:bodyPr anchorCtr="0" anchor="b" bIns="274300" lIns="91425" spcFirstLastPara="1" rIns="91425" wrap="square" tIns="91425">
             <a:noAutofit/>
           </a:bodyPr>
           <a:lstStyle/>
           <a:p>
-            <a:pPr indent="0" lvl="0" marL="0" rtl="0" algn="l">
+            <a:pPr indent="0" lvl="0" marL="0" rtl="0" algn="ctr">
               <a:spcBef>
                 <a:spcPts val="0"/>
               </a:spcBef>
@@ -20969,15 +20954,40 @@
             </a:pPr>
             <a:r>
               <a:rPr lang="en"/>
-              <a:t>Contracts and Subtyping</a:t>
+              <a:t>Homework</a:t>
             </a:r>
             <a:endParaRPr/>
           </a:p>
         </p:txBody>
       </p:sp>
+    </p:spTree>
+  </p:cSld>
+  <p:clrMapOvr>
+    <a:masterClrMapping/>
+  </p:clrMapOvr>
+</p:sld>
+</file>
+
+<file path=ppt/slides/slide38.xml><?xml version="1.0" encoding="utf-8"?>
+<p:sld xmlns:a="http://schemas.openxmlformats.org/drawingml/2006/main" xmlns:r="http://schemas.openxmlformats.org/officeDocument/2006/relationships" xmlns:mc="http://schemas.openxmlformats.org/markup-compatibility/2006" xmlns:mv="urn:schemas-microsoft-com:mac:vml" xmlns:p="http://schemas.openxmlformats.org/presentationml/2006/main" xmlns:c="http://schemas.openxmlformats.org/drawingml/2006/chart" xmlns:dgm="http://schemas.openxmlformats.org/drawingml/2006/diagram" xmlns:o="urn:schemas-microsoft-com:office:office" xmlns:v="urn:schemas-microsoft-com:vml" xmlns:pvml="urn:schemas-microsoft-com:office:powerpoint" xmlns:com="http://schemas.openxmlformats.org/drawingml/2006/compatibility" xmlns:p14="http://schemas.microsoft.com/office/powerpoint/2010/main" xmlns:p15="http://schemas.microsoft.com/office/powerpoint/2012/main" xmlns:ahyp="http://schemas.microsoft.com/office/drawing/2018/hyperlinkcolor">
+  <p:cSld>
+    <p:spTree>
+      <p:nvGrpSpPr>
+        <p:cNvPr id="285" name="Shape 285"/>
+        <p:cNvGrpSpPr/>
+        <p:nvPr/>
+      </p:nvGrpSpPr>
+      <p:grpSpPr>
+        <a:xfrm>
+          <a:off x="0" y="0"/>
+          <a:ext cx="0" cy="0"/>
+          <a:chOff x="0" y="0"/>
+          <a:chExt cx="0" cy="0"/>
+        </a:xfrm>
+      </p:grpSpPr>
       <p:sp>
         <p:nvSpPr>
-          <p:cNvPr id="282" name="Google Shape;282;p44"/>
+          <p:cNvPr id="286" name="Google Shape;286;p45"/>
           <p:cNvSpPr txBox="1"/>
           <p:nvPr>
             <p:ph idx="1" type="body"/>
@@ -20998,25 +21008,9 @@
           </a:bodyPr>
           <a:lstStyle/>
           <a:p>
-            <a:pPr indent="0" lvl="0" marL="0" rtl="0" algn="l">
-              <a:spcBef>
-                <a:spcPts val="0"/>
-              </a:spcBef>
-              <a:spcAft>
-                <a:spcPts val="0"/>
-              </a:spcAft>
-              <a:buNone/>
-            </a:pPr>
-            <a:r>
-              <a:rPr lang="en"/>
-              <a:t>Subclass methods may have less requirements (weaken preconditions)</a:t>
-            </a:r>
-            <a:endParaRPr/>
-          </a:p>
-          <a:p>
             <a:pPr indent="-342900" lvl="0" marL="457200" rtl="0" algn="l">
               <a:spcBef>
-                <a:spcPts val="1200"/>
+                <a:spcPts val="0"/>
               </a:spcBef>
               <a:spcAft>
                 <a:spcPts val="0"/>
@@ -21026,30 +21020,48 @@
             </a:pPr>
             <a:r>
               <a:rPr lang="en"/>
-              <a:t>Example: Contravariant redefinition of argument types</a:t>
-            </a:r>
-            <a:endParaRPr/>
-          </a:p>
-          <a:p>
-            <a:pPr indent="0" lvl="0" marL="0" rtl="0" algn="l">
-              <a:spcBef>
-                <a:spcPts val="1200"/>
-              </a:spcBef>
-              <a:spcAft>
-                <a:spcPts val="0"/>
-              </a:spcAft>
-              <a:buNone/>
+              <a:t>Identify the names contracts from lecture and documentation</a:t>
+            </a:r>
+            <a:endParaRPr/>
+          </a:p>
+          <a:p>
+            <a:pPr indent="-317500" lvl="1" marL="914400" rtl="0" algn="l">
+              <a:spcBef>
+                <a:spcPts val="0"/>
+              </a:spcBef>
+              <a:spcAft>
+                <a:spcPts val="0"/>
+              </a:spcAft>
+              <a:buSzPts val="1400"/>
+              <a:buChar char="○"/>
             </a:pPr>
             <a:r>
               <a:rPr lang="en"/>
-              <a:t>Subclass methods may guarantee more (strengthen postconditions)</a:t>
+              <a:t>Implement preconditions, postconditions, and class invariants</a:t>
+            </a:r>
+            <a:endParaRPr/>
+          </a:p>
+          <a:p>
+            <a:pPr indent="-317500" lvl="1" marL="914400" rtl="0" algn="l">
+              <a:spcBef>
+                <a:spcPts val="0"/>
+              </a:spcBef>
+              <a:spcAft>
+                <a:spcPts val="0"/>
+              </a:spcAft>
+              <a:buSzPts val="1400"/>
+              <a:buChar char="○"/>
+            </a:pPr>
+            <a:r>
+              <a:rPr lang="en"/>
+              <a:t>Create corresponding component tests for the contract</a:t>
             </a:r>
             <a:endParaRPr/>
           </a:p>
           <a:p>
             <a:pPr indent="-342900" lvl="0" marL="457200" rtl="0" algn="l">
               <a:spcBef>
-                <a:spcPts val="1200"/>
+                <a:spcPts val="1000"/>
               </a:spcBef>
               <a:spcAft>
                 <a:spcPts val="0"/>
@@ -21059,7 +21071,90 @@
             </a:pPr>
             <a:r>
               <a:rPr lang="en"/>
-              <a:t>Example: Covariant redefinition of return types</a:t>
+              <a:t>Identify the files contracts from lecture and documentation</a:t>
+            </a:r>
+            <a:endParaRPr/>
+          </a:p>
+          <a:p>
+            <a:pPr indent="-317500" lvl="1" marL="914400" rtl="0" algn="l">
+              <a:spcBef>
+                <a:spcPts val="0"/>
+              </a:spcBef>
+              <a:spcAft>
+                <a:spcPts val="0"/>
+              </a:spcAft>
+              <a:buSzPts val="1400"/>
+              <a:buChar char="○"/>
+            </a:pPr>
+            <a:r>
+              <a:rPr lang="en"/>
+              <a:t>Implement the corresponding preconditions</a:t>
+            </a:r>
+            <a:endParaRPr/>
+          </a:p>
+          <a:p>
+            <a:pPr indent="-342900" lvl="0" marL="457200" rtl="0" algn="l">
+              <a:spcBef>
+                <a:spcPts val="1000"/>
+              </a:spcBef>
+              <a:spcAft>
+                <a:spcPts val="0"/>
+              </a:spcAft>
+              <a:buSzPts val="1800"/>
+              <a:buChar char="●"/>
+            </a:pPr>
+            <a:r>
+              <a:rPr lang="en"/>
+              <a:t>Use the exception classes from common as explained in class</a:t>
+            </a:r>
+            <a:endParaRPr/>
+          </a:p>
+          <a:p>
+            <a:pPr indent="-342900" lvl="0" marL="457200" rtl="0" algn="l">
+              <a:spcBef>
+                <a:spcPts val="0"/>
+              </a:spcBef>
+              <a:spcAft>
+                <a:spcPts val="0"/>
+              </a:spcAft>
+              <a:buSzPts val="1800"/>
+              <a:buChar char="●"/>
+            </a:pPr>
+            <a:r>
+              <a:rPr lang="en"/>
+              <a:t>Adapt your previous work to this homework as you see fit</a:t>
+            </a:r>
+            <a:endParaRPr/>
+          </a:p>
+          <a:p>
+            <a:pPr indent="-342900" lvl="0" marL="457200" rtl="0" algn="l">
+              <a:spcBef>
+                <a:spcPts val="0"/>
+              </a:spcBef>
+              <a:spcAft>
+                <a:spcPts val="0"/>
+              </a:spcAft>
+              <a:buSzPts val="1800"/>
+              <a:buChar char="●"/>
+            </a:pPr>
+            <a:r>
+              <a:rPr lang="en"/>
+              <a:t>Commit homework by deadline to homework folder</a:t>
+            </a:r>
+            <a:endParaRPr/>
+          </a:p>
+          <a:p>
+            <a:pPr indent="0" lvl="0" marL="0" rtl="0" algn="l">
+              <a:spcBef>
+                <a:spcPts val="1200"/>
+              </a:spcBef>
+              <a:spcAft>
+                <a:spcPts val="1200"/>
+              </a:spcAft>
+              <a:buNone/>
+            </a:pPr>
+            <a:r>
+              <a:t/>
             </a:r>
             <a:endParaRPr/>
           </a:p>
@@ -21067,7 +21162,47 @@
       </p:sp>
       <p:sp>
         <p:nvSpPr>
-          <p:cNvPr id="283" name="Google Shape;283;p44"/>
+          <p:cNvPr id="287" name="Google Shape;287;p45"/>
+          <p:cNvSpPr txBox="1"/>
+          <p:nvPr>
+            <p:ph type="title"/>
+          </p:nvPr>
+        </p:nvSpPr>
+        <p:spPr>
+          <a:xfrm>
+            <a:off x="0" y="0"/>
+            <a:ext cx="9144000" cy="685800"/>
+          </a:xfrm>
+          <a:prstGeom prst="rect">
+            <a:avLst/>
+          </a:prstGeom>
+        </p:spPr>
+        <p:txBody>
+          <a:bodyPr anchorCtr="0" anchor="ctr" bIns="91425" lIns="274300" spcFirstLastPara="1" rIns="91425" wrap="square" tIns="91425">
+            <a:noAutofit/>
+          </a:bodyPr>
+          <a:lstStyle/>
+          <a:p>
+            <a:pPr indent="0" lvl="0" marL="0" rtl="0" algn="l">
+              <a:spcBef>
+                <a:spcPts val="0"/>
+              </a:spcBef>
+              <a:spcAft>
+                <a:spcPts val="0"/>
+              </a:spcAft>
+              <a:buNone/>
+            </a:pPr>
+            <a:r>
+              <a:rPr lang="en"/>
+              <a:t>Homework Instructions</a:t>
+            </a:r>
+            <a:endParaRPr/>
+          </a:p>
+        </p:txBody>
+      </p:sp>
+      <p:sp>
+        <p:nvSpPr>
+          <p:cNvPr id="288" name="Google Shape;288;p45"/>
           <p:cNvSpPr txBox="1"/>
           <p:nvPr>
             <p:ph idx="12" type="sldNum"/>
@@ -21128,71 +21263,6 @@
               <a:t>https://profriehle.com</a:t>
             </a:r>
             <a:endParaRPr b="0" sz="1000"/>
-          </a:p>
-        </p:txBody>
-      </p:sp>
-    </p:spTree>
-  </p:cSld>
-  <p:clrMapOvr>
-    <a:masterClrMapping/>
-  </p:clrMapOvr>
-</p:sld>
-</file>
-
-<file path=ppt/slides/slide38.xml><?xml version="1.0" encoding="utf-8"?>
-<p:sld xmlns:a="http://schemas.openxmlformats.org/drawingml/2006/main" xmlns:r="http://schemas.openxmlformats.org/officeDocument/2006/relationships" xmlns:mc="http://schemas.openxmlformats.org/markup-compatibility/2006" xmlns:mv="urn:schemas-microsoft-com:mac:vml" xmlns:p="http://schemas.openxmlformats.org/presentationml/2006/main" xmlns:c="http://schemas.openxmlformats.org/drawingml/2006/chart" xmlns:dgm="http://schemas.openxmlformats.org/drawingml/2006/diagram" xmlns:o="urn:schemas-microsoft-com:office:office" xmlns:v="urn:schemas-microsoft-com:vml" xmlns:pvml="urn:schemas-microsoft-com:office:powerpoint" xmlns:com="http://schemas.openxmlformats.org/drawingml/2006/compatibility" xmlns:p14="http://schemas.microsoft.com/office/powerpoint/2010/main" xmlns:p15="http://schemas.microsoft.com/office/powerpoint/2012/main" xmlns:ahyp="http://schemas.microsoft.com/office/drawing/2018/hyperlinkcolor">
-  <p:cSld>
-    <p:spTree>
-      <p:nvGrpSpPr>
-        <p:cNvPr id="287" name="Shape 287"/>
-        <p:cNvGrpSpPr/>
-        <p:nvPr/>
-      </p:nvGrpSpPr>
-      <p:grpSpPr>
-        <a:xfrm>
-          <a:off x="0" y="0"/>
-          <a:ext cx="0" cy="0"/>
-          <a:chOff x="0" y="0"/>
-          <a:chExt cx="0" cy="0"/>
-        </a:xfrm>
-      </p:grpSpPr>
-      <p:sp>
-        <p:nvSpPr>
-          <p:cNvPr id="288" name="Google Shape;288;p45"/>
-          <p:cNvSpPr txBox="1"/>
-          <p:nvPr>
-            <p:ph type="title"/>
-          </p:nvPr>
-        </p:nvSpPr>
-        <p:spPr>
-          <a:xfrm>
-            <a:off x="0" y="-7"/>
-            <a:ext cx="9144000" cy="2386500"/>
-          </a:xfrm>
-          <a:prstGeom prst="rect">
-            <a:avLst/>
-          </a:prstGeom>
-        </p:spPr>
-        <p:txBody>
-          <a:bodyPr anchorCtr="0" anchor="b" bIns="274300" lIns="91425" spcFirstLastPara="1" rIns="91425" wrap="square" tIns="91425">
-            <a:noAutofit/>
-          </a:bodyPr>
-          <a:lstStyle/>
-          <a:p>
-            <a:pPr indent="0" lvl="0" marL="0" rtl="0" algn="ctr">
-              <a:spcBef>
-                <a:spcPts val="0"/>
-              </a:spcBef>
-              <a:spcAft>
-                <a:spcPts val="0"/>
-              </a:spcAft>
-              <a:buNone/>
-            </a:pPr>
-            <a:r>
-              <a:rPr lang="en"/>
-              <a:t>Homework</a:t>
-            </a:r>
-            <a:endParaRPr/>
           </a:p>
         </p:txBody>
       </p:sp>
@@ -21226,6 +21296,46 @@
           <p:cNvPr id="293" name="Google Shape;293;p46"/>
           <p:cNvSpPr txBox="1"/>
           <p:nvPr>
+            <p:ph type="title"/>
+          </p:nvPr>
+        </p:nvSpPr>
+        <p:spPr>
+          <a:xfrm>
+            <a:off x="0" y="0"/>
+            <a:ext cx="9144000" cy="685800"/>
+          </a:xfrm>
+          <a:prstGeom prst="rect">
+            <a:avLst/>
+          </a:prstGeom>
+        </p:spPr>
+        <p:txBody>
+          <a:bodyPr anchorCtr="0" anchor="ctr" bIns="91425" lIns="274300" spcFirstLastPara="1" rIns="91425" wrap="square" tIns="91425">
+            <a:noAutofit/>
+          </a:bodyPr>
+          <a:lstStyle/>
+          <a:p>
+            <a:pPr indent="0" lvl="0" marL="0" rtl="0" algn="l">
+              <a:spcBef>
+                <a:spcPts val="0"/>
+              </a:spcBef>
+              <a:spcAft>
+                <a:spcPts val="0"/>
+              </a:spcAft>
+              <a:buNone/>
+            </a:pPr>
+            <a:r>
+              <a:rPr lang="en"/>
+              <a:t>Summary</a:t>
+            </a:r>
+            <a:endParaRPr/>
+          </a:p>
+        </p:txBody>
+      </p:sp>
+      <p:sp>
+        <p:nvSpPr>
+          <p:cNvPr id="294" name="Google Shape;294;p46"/>
+          <p:cNvSpPr txBox="1"/>
+          <p:nvPr>
             <p:ph idx="1" type="body"/>
           </p:nvPr>
         </p:nvSpPr>
@@ -21252,62 +21362,62 @@
                 <a:spcPts val="0"/>
               </a:spcAft>
               <a:buSzPts val="1800"/>
-              <a:buChar char="●"/>
+              <a:buAutoNum type="arabicPeriod"/>
             </a:pPr>
             <a:r>
               <a:rPr lang="en"/>
-              <a:t>Identify Name contract from documentation</a:t>
-            </a:r>
-            <a:endParaRPr/>
-          </a:p>
-          <a:p>
-            <a:pPr indent="-317500" lvl="1" marL="914400" rtl="0" algn="l">
-              <a:spcBef>
-                <a:spcPts val="0"/>
-              </a:spcBef>
-              <a:spcAft>
-                <a:spcPts val="0"/>
-              </a:spcAft>
-              <a:buSzPts val="1400"/>
-              <a:buChar char="○"/>
+              <a:t>Design by contract</a:t>
+            </a:r>
+            <a:endParaRPr/>
+          </a:p>
+          <a:p>
+            <a:pPr indent="-342900" lvl="0" marL="457200" rtl="0" algn="l">
+              <a:spcBef>
+                <a:spcPts val="0"/>
+              </a:spcBef>
+              <a:spcAft>
+                <a:spcPts val="0"/>
+              </a:spcAft>
+              <a:buSzPts val="1800"/>
+              <a:buAutoNum type="arabicPeriod"/>
             </a:pPr>
             <a:r>
               <a:rPr lang="en"/>
-              <a:t>Implement preconditions, postconditions, and class invariants</a:t>
-            </a:r>
-            <a:endParaRPr/>
-          </a:p>
-          <a:p>
-            <a:pPr indent="-317500" lvl="1" marL="914400" rtl="0" algn="l">
-              <a:spcBef>
-                <a:spcPts val="0"/>
-              </a:spcBef>
-              <a:spcAft>
-                <a:spcPts val="0"/>
-              </a:spcAft>
-              <a:buSzPts val="1400"/>
-              <a:buChar char="○"/>
+              <a:t>Expressing contracts</a:t>
+            </a:r>
+            <a:endParaRPr/>
+          </a:p>
+          <a:p>
+            <a:pPr indent="-342900" lvl="0" marL="457200" rtl="0" algn="l">
+              <a:spcBef>
+                <a:spcPts val="0"/>
+              </a:spcBef>
+              <a:spcAft>
+                <a:spcPts val="0"/>
+              </a:spcAft>
+              <a:buSzPts val="1800"/>
+              <a:buAutoNum type="arabicPeriod"/>
             </a:pPr>
             <a:r>
               <a:rPr lang="en"/>
-              <a:t>Create corresponding component tests for the contract</a:t>
+              <a:t>Implementing contracts</a:t>
             </a:r>
             <a:endParaRPr/>
           </a:p>
           <a:p>
             <a:pPr indent="-342900" lvl="0" marL="457200" rtl="0" algn="l">
               <a:spcBef>
-                <a:spcPts val="1000"/>
+                <a:spcPts val="0"/>
               </a:spcBef>
               <a:spcAft>
                 <a:spcPts val="0"/>
               </a:spcAft>
               <a:buSzPts val="1800"/>
-              <a:buChar char="●"/>
+              <a:buAutoNum type="arabicPeriod"/>
             </a:pPr>
             <a:r>
               <a:rPr lang="en"/>
-              <a:t>Adapt your previous work to this homework as you see fit</a:t>
+              <a:t>Contract violations</a:t>
             </a:r>
             <a:endParaRPr/>
           </a:p>
@@ -21320,11 +21430,11 @@
                 <a:spcPts val="0"/>
               </a:spcAft>
               <a:buSzPts val="1800"/>
-              <a:buChar char="●"/>
+              <a:buAutoNum type="arabicPeriod"/>
             </a:pPr>
             <a:r>
               <a:rPr lang="en"/>
-              <a:t>Commit homework by deadline to homework folder</a:t>
+              <a:t>Contract pragmatics</a:t>
             </a:r>
             <a:endParaRPr/>
           </a:p>
@@ -21334,52 +21444,32 @@
                 <a:spcPts val="1200"/>
               </a:spcBef>
               <a:spcAft>
+                <a:spcPts val="0"/>
+              </a:spcAft>
+              <a:buClr>
+                <a:schemeClr val="dk1"/>
+              </a:buClr>
+              <a:buSzPts val="1100"/>
+              <a:buFont typeface="Arial"/>
+              <a:buNone/>
+            </a:pPr>
+            <a:r>
+              <a:t/>
+            </a:r>
+            <a:endParaRPr/>
+          </a:p>
+          <a:p>
+            <a:pPr indent="0" lvl="0" marL="0" rtl="0" algn="l">
+              <a:spcBef>
                 <a:spcPts val="1200"/>
+              </a:spcBef>
+              <a:spcAft>
+                <a:spcPts val="1200"/>
               </a:spcAft>
               <a:buNone/>
             </a:pPr>
             <a:r>
               <a:t/>
-            </a:r>
-            <a:endParaRPr/>
-          </a:p>
-        </p:txBody>
-      </p:sp>
-      <p:sp>
-        <p:nvSpPr>
-          <p:cNvPr id="294" name="Google Shape;294;p46"/>
-          <p:cNvSpPr txBox="1"/>
-          <p:nvPr>
-            <p:ph type="title"/>
-          </p:nvPr>
-        </p:nvSpPr>
-        <p:spPr>
-          <a:xfrm>
-            <a:off x="0" y="0"/>
-            <a:ext cx="9144000" cy="685800"/>
-          </a:xfrm>
-          <a:prstGeom prst="rect">
-            <a:avLst/>
-          </a:prstGeom>
-        </p:spPr>
-        <p:txBody>
-          <a:bodyPr anchorCtr="0" anchor="ctr" bIns="91425" lIns="274300" spcFirstLastPara="1" rIns="91425" wrap="square" tIns="91425">
-            <a:noAutofit/>
-          </a:bodyPr>
-          <a:lstStyle/>
-          <a:p>
-            <a:pPr indent="0" lvl="0" marL="0" rtl="0" algn="l">
-              <a:spcBef>
-                <a:spcPts val="0"/>
-              </a:spcBef>
-              <a:spcAft>
-                <a:spcPts val="0"/>
-              </a:spcAft>
-              <a:buNone/>
-            </a:pPr>
-            <a:r>
-              <a:rPr lang="en"/>
-              <a:t>Homework Instructions</a:t>
             </a:r>
             <a:endParaRPr/>
           </a:p>
@@ -21494,7 +21584,7 @@
           </a:prstGeom>
         </p:spPr>
         <p:txBody>
-          <a:bodyPr anchorCtr="0" anchor="ctr" bIns="0" lIns="274300" spcFirstLastPara="1" rIns="0" wrap="square" tIns="0">
+          <a:bodyPr anchorCtr="0" anchor="ctr" bIns="91425" lIns="274300" spcFirstLastPara="1" rIns="91425" wrap="square" tIns="91425">
             <a:noAutofit/>
           </a:bodyPr>
           <a:lstStyle/>
@@ -21510,7 +21600,7 @@
             </a:pPr>
             <a:r>
               <a:rPr lang="en"/>
-              <a:t>Find “/usr/bin/ls”</a:t>
+              <a:t>File Terminology</a:t>
             </a:r>
             <a:endParaRPr/>
           </a:p>
@@ -21519,6 +21609,109 @@
       <p:sp>
         <p:nvSpPr>
           <p:cNvPr id="58" name="Google Shape;58;p11"/>
+          <p:cNvSpPr txBox="1"/>
+          <p:nvPr>
+            <p:ph idx="1" type="body"/>
+          </p:nvPr>
+        </p:nvSpPr>
+        <p:spPr>
+          <a:xfrm>
+            <a:off x="274320" y="914400"/>
+            <a:ext cx="8595300" cy="4114800"/>
+          </a:xfrm>
+          <a:prstGeom prst="rect">
+            <a:avLst/>
+          </a:prstGeom>
+        </p:spPr>
+        <p:txBody>
+          <a:bodyPr anchorCtr="0" anchor="t" bIns="0" lIns="0" spcFirstLastPara="1" rIns="0" wrap="square" tIns="0">
+            <a:noAutofit/>
+          </a:bodyPr>
+          <a:lstStyle/>
+          <a:p>
+            <a:pPr indent="0" lvl="0" marL="0" rtl="0" algn="l">
+              <a:spcBef>
+                <a:spcPts val="0"/>
+              </a:spcBef>
+              <a:spcAft>
+                <a:spcPts val="0"/>
+              </a:spcAft>
+              <a:buNone/>
+            </a:pPr>
+            <a:r>
+              <a:rPr lang="en"/>
+              <a:t>Given the file “/usr/bin/ls”</a:t>
+            </a:r>
+            <a:endParaRPr/>
+          </a:p>
+          <a:p>
+            <a:pPr indent="-342900" lvl="0" marL="457200" rtl="0" algn="l">
+              <a:spcBef>
+                <a:spcPts val="1200"/>
+              </a:spcBef>
+              <a:spcAft>
+                <a:spcPts val="0"/>
+              </a:spcAft>
+              <a:buSzPts val="1800"/>
+              <a:buChar char="●"/>
+            </a:pPr>
+            <a:r>
+              <a:rPr lang="en"/>
+              <a:t>“ls” is called the </a:t>
+            </a:r>
+            <a:r>
+              <a:rPr b="1" lang="en"/>
+              <a:t>base name</a:t>
+            </a:r>
+            <a:endParaRPr b="1"/>
+          </a:p>
+          <a:p>
+            <a:pPr indent="-342900" lvl="0" marL="457200" rtl="0" algn="l">
+              <a:spcBef>
+                <a:spcPts val="0"/>
+              </a:spcBef>
+              <a:spcAft>
+                <a:spcPts val="0"/>
+              </a:spcAft>
+              <a:buSzPts val="1800"/>
+              <a:buChar char="●"/>
+            </a:pPr>
+            <a:r>
+              <a:rPr lang="en"/>
+              <a:t>“/usr/bin” is called the </a:t>
+            </a:r>
+            <a:r>
+              <a:rPr b="1" lang="en"/>
+              <a:t>dir(ectory) name</a:t>
+            </a:r>
+            <a:endParaRPr b="1"/>
+          </a:p>
+          <a:p>
+            <a:pPr indent="-342900" lvl="0" marL="457200" rtl="0" algn="l">
+              <a:spcBef>
+                <a:spcPts val="0"/>
+              </a:spcBef>
+              <a:spcAft>
+                <a:spcPts val="0"/>
+              </a:spcAft>
+              <a:buSzPts val="1800"/>
+              <a:buChar char="●"/>
+            </a:pPr>
+            <a:r>
+              <a:rPr lang="en"/>
+              <a:t>“/usr/bin/ls” is called the </a:t>
+            </a:r>
+            <a:r>
+              <a:rPr b="1" lang="en"/>
+              <a:t>full name</a:t>
+            </a:r>
+            <a:endParaRPr b="1"/>
+          </a:p>
+        </p:txBody>
+      </p:sp>
+      <p:sp>
+        <p:nvSpPr>
+          <p:cNvPr id="59" name="Google Shape;59;p11"/>
           <p:cNvSpPr txBox="1"/>
           <p:nvPr>
             <p:ph idx="12" type="sldNum"/>
@@ -21582,34 +21775,6 @@
           </a:p>
         </p:txBody>
       </p:sp>
-      <p:pic>
-        <p:nvPicPr>
-          <p:cNvPr id="59" name="Google Shape;59;p11"/>
-          <p:cNvPicPr preferRelativeResize="0"/>
-          <p:nvPr/>
-        </p:nvPicPr>
-        <p:blipFill>
-          <a:blip r:embed="rId4">
-            <a:alphaModFix/>
-          </a:blip>
-          <a:stretch>
-            <a:fillRect/>
-          </a:stretch>
-        </p:blipFill>
-        <p:spPr>
-          <a:xfrm>
-            <a:off x="274320" y="914400"/>
-            <a:ext cx="8595360" cy="3493598"/>
-          </a:xfrm>
-          <a:prstGeom prst="rect">
-            <a:avLst/>
-          </a:prstGeom>
-          <a:noFill/>
-          <a:ln>
-            <a:noFill/>
-          </a:ln>
-        </p:spPr>
-      </p:pic>
     </p:spTree>
   </p:cSld>
   <p:clrMapOvr>
@@ -21640,6 +21805,190 @@
           <p:cNvPr id="300" name="Google Shape;300;p47"/>
           <p:cNvSpPr txBox="1"/>
           <p:nvPr>
+            <p:ph type="ctrTitle"/>
+          </p:nvPr>
+        </p:nvSpPr>
+        <p:spPr>
+          <a:xfrm>
+            <a:off x="0" y="0"/>
+            <a:ext cx="9144000" cy="2388900"/>
+          </a:xfrm>
+          <a:prstGeom prst="rect">
+            <a:avLst/>
+          </a:prstGeom>
+        </p:spPr>
+        <p:txBody>
+          <a:bodyPr anchorCtr="0" anchor="b" bIns="274300" lIns="91425" spcFirstLastPara="1" rIns="91425" wrap="square" tIns="91425">
+            <a:noAutofit/>
+          </a:bodyPr>
+          <a:lstStyle/>
+          <a:p>
+            <a:pPr indent="0" lvl="0" marL="0" rtl="0" algn="ctr">
+              <a:spcBef>
+                <a:spcPts val="0"/>
+              </a:spcBef>
+              <a:spcAft>
+                <a:spcPts val="0"/>
+              </a:spcAft>
+              <a:buNone/>
+            </a:pPr>
+            <a:r>
+              <a:rPr lang="en"/>
+              <a:t>Thank you! Any questions?</a:t>
+            </a:r>
+            <a:endParaRPr/>
+          </a:p>
+        </p:txBody>
+      </p:sp>
+      <p:sp>
+        <p:nvSpPr>
+          <p:cNvPr id="301" name="Google Shape;301;p47"/>
+          <p:cNvSpPr txBox="1"/>
+          <p:nvPr>
+            <p:ph idx="1" type="subTitle"/>
+          </p:nvPr>
+        </p:nvSpPr>
+        <p:spPr>
+          <a:xfrm>
+            <a:off x="0" y="2569475"/>
+            <a:ext cx="9144000" cy="2574000"/>
+          </a:xfrm>
+          <a:prstGeom prst="rect">
+            <a:avLst/>
+          </a:prstGeom>
+        </p:spPr>
+        <p:txBody>
+          <a:bodyPr anchorCtr="0" anchor="t" bIns="91425" lIns="91425" spcFirstLastPara="1" rIns="91425" wrap="square" tIns="274300">
+            <a:noAutofit/>
+          </a:bodyPr>
+          <a:lstStyle/>
+          <a:p>
+            <a:pPr indent="0" lvl="0" marL="0" rtl="0" algn="ctr">
+              <a:lnSpc>
+                <a:spcPct val="150000"/>
+              </a:lnSpc>
+              <a:spcBef>
+                <a:spcPts val="0"/>
+              </a:spcBef>
+              <a:spcAft>
+                <a:spcPts val="0"/>
+              </a:spcAft>
+              <a:buNone/>
+            </a:pPr>
+            <a:r>
+              <a:rPr lang="en" u="sng">
+                <a:solidFill>
+                  <a:schemeClr val="hlink"/>
+                </a:solidFill>
+                <a:hlinkClick r:id="rId3"/>
+              </a:rPr>
+              <a:t>dirk.riehle@fau.de</a:t>
+            </a:r>
+            <a:r>
+              <a:rPr lang="en"/>
+              <a:t> </a:t>
+            </a:r>
+            <a:r>
+              <a:rPr lang="en" sz="2400"/>
+              <a:t>–</a:t>
+            </a:r>
+            <a:r>
+              <a:rPr lang="en"/>
+              <a:t> </a:t>
+            </a:r>
+            <a:r>
+              <a:rPr lang="en" u="sng">
+                <a:solidFill>
+                  <a:schemeClr val="hlink"/>
+                </a:solidFill>
+                <a:hlinkClick r:id="rId4"/>
+              </a:rPr>
+              <a:t>https://oss.cs.fau.de</a:t>
+            </a:r>
+            <a:endParaRPr/>
+          </a:p>
+          <a:p>
+            <a:pPr indent="0" lvl="0" marL="0" rtl="0" algn="ctr">
+              <a:lnSpc>
+                <a:spcPct val="150000"/>
+              </a:lnSpc>
+              <a:spcBef>
+                <a:spcPts val="0"/>
+              </a:spcBef>
+              <a:spcAft>
+                <a:spcPts val="0"/>
+              </a:spcAft>
+              <a:buNone/>
+            </a:pPr>
+            <a:r>
+              <a:rPr lang="en" sz="2400" u="sng">
+                <a:solidFill>
+                  <a:schemeClr val="hlink"/>
+                </a:solidFill>
+                <a:hlinkClick r:id="rId5"/>
+              </a:rPr>
+              <a:t>dirk@riehle.org</a:t>
+            </a:r>
+            <a:r>
+              <a:rPr lang="en" sz="2400"/>
+              <a:t> – </a:t>
+            </a:r>
+            <a:r>
+              <a:rPr lang="en" sz="2400" u="sng">
+                <a:solidFill>
+                  <a:schemeClr val="hlink"/>
+                </a:solidFill>
+                <a:hlinkClick r:id="rId6"/>
+              </a:rPr>
+              <a:t>https://dirkriehle.com</a:t>
+            </a:r>
+            <a:r>
+              <a:rPr lang="en" sz="2400"/>
+              <a:t> – </a:t>
+            </a:r>
+            <a:r>
+              <a:rPr lang="en" sz="2400" u="sng">
+                <a:solidFill>
+                  <a:schemeClr val="hlink"/>
+                </a:solidFill>
+                <a:hlinkClick r:id="rId7"/>
+              </a:rPr>
+              <a:t>@dirkriehle</a:t>
+            </a:r>
+            <a:endParaRPr sz="2400"/>
+          </a:p>
+        </p:txBody>
+      </p:sp>
+    </p:spTree>
+  </p:cSld>
+  <p:clrMapOvr>
+    <a:masterClrMapping/>
+  </p:clrMapOvr>
+</p:sld>
+</file>
+
+<file path=ppt/slides/slide41.xml><?xml version="1.0" encoding="utf-8"?>
+<p:sld xmlns:a="http://schemas.openxmlformats.org/drawingml/2006/main" xmlns:r="http://schemas.openxmlformats.org/officeDocument/2006/relationships" xmlns:mc="http://schemas.openxmlformats.org/markup-compatibility/2006" xmlns:mv="urn:schemas-microsoft-com:mac:vml" xmlns:p="http://schemas.openxmlformats.org/presentationml/2006/main" xmlns:c="http://schemas.openxmlformats.org/drawingml/2006/chart" xmlns:dgm="http://schemas.openxmlformats.org/drawingml/2006/diagram" xmlns:o="urn:schemas-microsoft-com:office:office" xmlns:v="urn:schemas-microsoft-com:vml" xmlns:pvml="urn:schemas-microsoft-com:office:powerpoint" xmlns:com="http://schemas.openxmlformats.org/drawingml/2006/compatibility" xmlns:p14="http://schemas.microsoft.com/office/powerpoint/2010/main" xmlns:p15="http://schemas.microsoft.com/office/powerpoint/2012/main" xmlns:ahyp="http://schemas.microsoft.com/office/drawing/2018/hyperlinkcolor">
+  <p:cSld>
+    <p:spTree>
+      <p:nvGrpSpPr>
+        <p:cNvPr id="305" name="Shape 305"/>
+        <p:cNvGrpSpPr/>
+        <p:nvPr/>
+      </p:nvGrpSpPr>
+      <p:grpSpPr>
+        <a:xfrm>
+          <a:off x="0" y="0"/>
+          <a:ext cx="0" cy="0"/>
+          <a:chOff x="0" y="0"/>
+          <a:chExt cx="0" cy="0"/>
+        </a:xfrm>
+      </p:grpSpPr>
+      <p:sp>
+        <p:nvSpPr>
+          <p:cNvPr id="306" name="Google Shape;306;p48"/>
+          <p:cNvSpPr txBox="1"/>
+          <p:nvPr>
             <p:ph type="title"/>
           </p:nvPr>
         </p:nvSpPr>
@@ -21669,7 +22018,7 @@
             </a:pPr>
             <a:r>
               <a:rPr lang="en"/>
-              <a:t>Summary</a:t>
+              <a:t>Legal Notices</a:t>
             </a:r>
             <a:endParaRPr/>
           </a:p>
@@ -21677,151 +22026,7 @@
       </p:sp>
       <p:sp>
         <p:nvSpPr>
-          <p:cNvPr id="301" name="Google Shape;301;p47"/>
-          <p:cNvSpPr txBox="1"/>
-          <p:nvPr>
-            <p:ph idx="1" type="body"/>
-          </p:nvPr>
-        </p:nvSpPr>
-        <p:spPr>
-          <a:xfrm>
-            <a:off x="274320" y="914400"/>
-            <a:ext cx="8595300" cy="4114800"/>
-          </a:xfrm>
-          <a:prstGeom prst="rect">
-            <a:avLst/>
-          </a:prstGeom>
-        </p:spPr>
-        <p:txBody>
-          <a:bodyPr anchorCtr="0" anchor="t" bIns="0" lIns="0" spcFirstLastPara="1" rIns="0" wrap="square" tIns="0">
-            <a:noAutofit/>
-          </a:bodyPr>
-          <a:lstStyle/>
-          <a:p>
-            <a:pPr indent="-342900" lvl="0" marL="457200" rtl="0" algn="l">
-              <a:spcBef>
-                <a:spcPts val="0"/>
-              </a:spcBef>
-              <a:spcAft>
-                <a:spcPts val="0"/>
-              </a:spcAft>
-              <a:buSzPts val="1800"/>
-              <a:buAutoNum type="arabicPeriod"/>
-            </a:pPr>
-            <a:r>
-              <a:rPr lang="en"/>
-              <a:t>Design by contract</a:t>
-            </a:r>
-            <a:endParaRPr/>
-          </a:p>
-          <a:p>
-            <a:pPr indent="-342900" lvl="0" marL="457200" rtl="0" algn="l">
-              <a:spcBef>
-                <a:spcPts val="0"/>
-              </a:spcBef>
-              <a:spcAft>
-                <a:spcPts val="0"/>
-              </a:spcAft>
-              <a:buSzPts val="1800"/>
-              <a:buAutoNum type="arabicPeriod"/>
-            </a:pPr>
-            <a:r>
-              <a:rPr lang="en"/>
-              <a:t>Expressing contracts</a:t>
-            </a:r>
-            <a:endParaRPr/>
-          </a:p>
-          <a:p>
-            <a:pPr indent="-342900" lvl="0" marL="457200" rtl="0" algn="l">
-              <a:spcBef>
-                <a:spcPts val="0"/>
-              </a:spcBef>
-              <a:spcAft>
-                <a:spcPts val="0"/>
-              </a:spcAft>
-              <a:buSzPts val="1800"/>
-              <a:buAutoNum type="arabicPeriod"/>
-            </a:pPr>
-            <a:r>
-              <a:rPr lang="en"/>
-              <a:t>Implementing contracts</a:t>
-            </a:r>
-            <a:endParaRPr/>
-          </a:p>
-          <a:p>
-            <a:pPr indent="-342900" lvl="0" marL="457200" rtl="0" algn="l">
-              <a:spcBef>
-                <a:spcPts val="0"/>
-              </a:spcBef>
-              <a:spcAft>
-                <a:spcPts val="0"/>
-              </a:spcAft>
-              <a:buSzPts val="1800"/>
-              <a:buAutoNum type="arabicPeriod"/>
-            </a:pPr>
-            <a:r>
-              <a:rPr lang="en"/>
-              <a:t>Contract violations</a:t>
-            </a:r>
-            <a:endParaRPr/>
-          </a:p>
-          <a:p>
-            <a:pPr indent="-342900" lvl="0" marL="457200" rtl="0" algn="l">
-              <a:spcBef>
-                <a:spcPts val="0"/>
-              </a:spcBef>
-              <a:spcAft>
-                <a:spcPts val="0"/>
-              </a:spcAft>
-              <a:buSzPts val="1800"/>
-              <a:buAutoNum type="arabicPeriod"/>
-            </a:pPr>
-            <a:r>
-              <a:rPr lang="en"/>
-              <a:t>Contract pragmatics</a:t>
-            </a:r>
-            <a:endParaRPr/>
-          </a:p>
-          <a:p>
-            <a:pPr indent="0" lvl="0" marL="0" rtl="0" algn="l">
-              <a:spcBef>
-                <a:spcPts val="1200"/>
-              </a:spcBef>
-              <a:spcAft>
-                <a:spcPts val="0"/>
-              </a:spcAft>
-              <a:buClr>
-                <a:schemeClr val="dk1"/>
-              </a:buClr>
-              <a:buSzPts val="1100"/>
-              <a:buFont typeface="Arial"/>
-              <a:buNone/>
-            </a:pPr>
-            <a:r>
-              <a:t/>
-            </a:r>
-            <a:endParaRPr/>
-          </a:p>
-          <a:p>
-            <a:pPr indent="0" lvl="0" marL="0" rtl="0" algn="l">
-              <a:spcBef>
-                <a:spcPts val="1200"/>
-              </a:spcBef>
-              <a:spcAft>
-                <a:spcPts val="1200"/>
-              </a:spcAft>
-              <a:buNone/>
-            </a:pPr>
-            <a:r>
-              <a:t/>
-            </a:r>
-            <a:endParaRPr/>
-          </a:p>
-        </p:txBody>
-      </p:sp>
-      <p:sp>
-        <p:nvSpPr>
-          <p:cNvPr id="302" name="Google Shape;302;p47"/>
+          <p:cNvPr id="307" name="Google Shape;307;p48"/>
           <p:cNvSpPr txBox="1"/>
           <p:nvPr>
             <p:ph idx="12" type="sldNum"/>
@@ -21865,15 +22070,10 @@
               <a:spcAft>
                 <a:spcPts val="0"/>
               </a:spcAft>
-              <a:buClr>
-                <a:schemeClr val="dk1"/>
-              </a:buClr>
-              <a:buSzPts val="1100"/>
-              <a:buFont typeface="Arial"/>
-              <a:buNone/>
-            </a:pPr>
-            <a:r>
-              <a:rPr b="0" lang="en" sz="1000" u="sng">
+              <a:buNone/>
+            </a:pPr>
+            <a:r>
+              <a:rPr b="0" lang="en" sz="900" u="sng">
                 <a:solidFill>
                   <a:schemeClr val="hlink"/>
                 </a:solidFill>
@@ -21881,335 +22081,25 @@
               </a:rPr>
               <a:t>https://profriehle.com</a:t>
             </a:r>
-            <a:endParaRPr b="0" sz="1000"/>
-          </a:p>
-        </p:txBody>
-      </p:sp>
-    </p:spTree>
-  </p:cSld>
-  <p:clrMapOvr>
-    <a:masterClrMapping/>
-  </p:clrMapOvr>
-</p:sld>
-</file>
-
-<file path=ppt/slides/slide41.xml><?xml version="1.0" encoding="utf-8"?>
-<p:sld xmlns:a="http://schemas.openxmlformats.org/drawingml/2006/main" xmlns:r="http://schemas.openxmlformats.org/officeDocument/2006/relationships" xmlns:mc="http://schemas.openxmlformats.org/markup-compatibility/2006" xmlns:mv="urn:schemas-microsoft-com:mac:vml" xmlns:p="http://schemas.openxmlformats.org/presentationml/2006/main" xmlns:c="http://schemas.openxmlformats.org/drawingml/2006/chart" xmlns:dgm="http://schemas.openxmlformats.org/drawingml/2006/diagram" xmlns:o="urn:schemas-microsoft-com:office:office" xmlns:v="urn:schemas-microsoft-com:vml" xmlns:pvml="urn:schemas-microsoft-com:office:powerpoint" xmlns:com="http://schemas.openxmlformats.org/drawingml/2006/compatibility" xmlns:p14="http://schemas.microsoft.com/office/powerpoint/2010/main" xmlns:p15="http://schemas.microsoft.com/office/powerpoint/2012/main" xmlns:ahyp="http://schemas.microsoft.com/office/drawing/2018/hyperlinkcolor">
-  <p:cSld>
-    <p:spTree>
-      <p:nvGrpSpPr>
-        <p:cNvPr id="306" name="Shape 306"/>
-        <p:cNvGrpSpPr/>
-        <p:nvPr/>
-      </p:nvGrpSpPr>
-      <p:grpSpPr>
-        <a:xfrm>
-          <a:off x="0" y="0"/>
-          <a:ext cx="0" cy="0"/>
-          <a:chOff x="0" y="0"/>
-          <a:chExt cx="0" cy="0"/>
-        </a:xfrm>
-      </p:grpSpPr>
-      <p:sp>
-        <p:nvSpPr>
-          <p:cNvPr id="307" name="Google Shape;307;p48"/>
-          <p:cNvSpPr txBox="1"/>
-          <p:nvPr>
-            <p:ph type="ctrTitle"/>
-          </p:nvPr>
-        </p:nvSpPr>
-        <p:spPr>
-          <a:xfrm>
-            <a:off x="0" y="0"/>
-            <a:ext cx="9144000" cy="2388900"/>
-          </a:xfrm>
-          <a:prstGeom prst="rect">
-            <a:avLst/>
-          </a:prstGeom>
-        </p:spPr>
-        <p:txBody>
-          <a:bodyPr anchorCtr="0" anchor="b" bIns="274300" lIns="91425" spcFirstLastPara="1" rIns="91425" wrap="square" tIns="91425">
-            <a:noAutofit/>
-          </a:bodyPr>
-          <a:lstStyle/>
-          <a:p>
-            <a:pPr indent="0" lvl="0" marL="0" rtl="0" algn="ctr">
-              <a:spcBef>
-                <a:spcPts val="0"/>
-              </a:spcBef>
-              <a:spcAft>
-                <a:spcPts val="0"/>
-              </a:spcAft>
-              <a:buNone/>
-            </a:pPr>
-            <a:r>
-              <a:rPr lang="en"/>
-              <a:t>Thank you! Any questions?</a:t>
-            </a:r>
-            <a:endParaRPr/>
+            <a:r>
+              <a:rPr b="0" lang="en" sz="900">
+                <a:solidFill>
+                  <a:schemeClr val="dk2"/>
+                </a:solidFill>
+              </a:rPr>
+              <a:t> </a:t>
+            </a:r>
+            <a:endParaRPr b="0" sz="900">
+              <a:solidFill>
+                <a:schemeClr val="dk2"/>
+              </a:solidFill>
+            </a:endParaRPr>
           </a:p>
         </p:txBody>
       </p:sp>
       <p:sp>
         <p:nvSpPr>
           <p:cNvPr id="308" name="Google Shape;308;p48"/>
-          <p:cNvSpPr txBox="1"/>
-          <p:nvPr>
-            <p:ph idx="1" type="subTitle"/>
-          </p:nvPr>
-        </p:nvSpPr>
-        <p:spPr>
-          <a:xfrm>
-            <a:off x="0" y="2569475"/>
-            <a:ext cx="9144000" cy="2574000"/>
-          </a:xfrm>
-          <a:prstGeom prst="rect">
-            <a:avLst/>
-          </a:prstGeom>
-        </p:spPr>
-        <p:txBody>
-          <a:bodyPr anchorCtr="0" anchor="t" bIns="91425" lIns="91425" spcFirstLastPara="1" rIns="91425" wrap="square" tIns="274300">
-            <a:noAutofit/>
-          </a:bodyPr>
-          <a:lstStyle/>
-          <a:p>
-            <a:pPr indent="0" lvl="0" marL="0" rtl="0" algn="ctr">
-              <a:lnSpc>
-                <a:spcPct val="150000"/>
-              </a:lnSpc>
-              <a:spcBef>
-                <a:spcPts val="0"/>
-              </a:spcBef>
-              <a:spcAft>
-                <a:spcPts val="0"/>
-              </a:spcAft>
-              <a:buNone/>
-            </a:pPr>
-            <a:r>
-              <a:rPr lang="en" u="sng">
-                <a:solidFill>
-                  <a:schemeClr val="hlink"/>
-                </a:solidFill>
-                <a:hlinkClick r:id="rId3"/>
-              </a:rPr>
-              <a:t>dirk.riehle@fau.de</a:t>
-            </a:r>
-            <a:r>
-              <a:rPr lang="en"/>
-              <a:t> </a:t>
-            </a:r>
-            <a:r>
-              <a:rPr lang="en" sz="2400"/>
-              <a:t>–</a:t>
-            </a:r>
-            <a:r>
-              <a:rPr lang="en"/>
-              <a:t> </a:t>
-            </a:r>
-            <a:r>
-              <a:rPr lang="en" u="sng">
-                <a:solidFill>
-                  <a:schemeClr val="hlink"/>
-                </a:solidFill>
-                <a:hlinkClick r:id="rId4"/>
-              </a:rPr>
-              <a:t>https://oss.cs.fau.de</a:t>
-            </a:r>
-            <a:endParaRPr/>
-          </a:p>
-          <a:p>
-            <a:pPr indent="0" lvl="0" marL="0" rtl="0" algn="ctr">
-              <a:lnSpc>
-                <a:spcPct val="150000"/>
-              </a:lnSpc>
-              <a:spcBef>
-                <a:spcPts val="0"/>
-              </a:spcBef>
-              <a:spcAft>
-                <a:spcPts val="0"/>
-              </a:spcAft>
-              <a:buNone/>
-            </a:pPr>
-            <a:r>
-              <a:rPr lang="en" sz="2400" u="sng">
-                <a:solidFill>
-                  <a:schemeClr val="hlink"/>
-                </a:solidFill>
-                <a:hlinkClick r:id="rId5"/>
-              </a:rPr>
-              <a:t>dirk@riehle.org</a:t>
-            </a:r>
-            <a:r>
-              <a:rPr lang="en" sz="2400"/>
-              <a:t> – </a:t>
-            </a:r>
-            <a:r>
-              <a:rPr lang="en" sz="2400" u="sng">
-                <a:solidFill>
-                  <a:schemeClr val="hlink"/>
-                </a:solidFill>
-                <a:hlinkClick r:id="rId6"/>
-              </a:rPr>
-              <a:t>https://dirkriehle.com</a:t>
-            </a:r>
-            <a:r>
-              <a:rPr lang="en" sz="2400"/>
-              <a:t> – </a:t>
-            </a:r>
-            <a:r>
-              <a:rPr lang="en" sz="2400" u="sng">
-                <a:solidFill>
-                  <a:schemeClr val="hlink"/>
-                </a:solidFill>
-                <a:hlinkClick r:id="rId7"/>
-              </a:rPr>
-              <a:t>@dirkriehle</a:t>
-            </a:r>
-            <a:endParaRPr sz="2400"/>
-          </a:p>
-        </p:txBody>
-      </p:sp>
-    </p:spTree>
-  </p:cSld>
-  <p:clrMapOvr>
-    <a:masterClrMapping/>
-  </p:clrMapOvr>
-</p:sld>
-</file>
-
-<file path=ppt/slides/slide42.xml><?xml version="1.0" encoding="utf-8"?>
-<p:sld xmlns:a="http://schemas.openxmlformats.org/drawingml/2006/main" xmlns:r="http://schemas.openxmlformats.org/officeDocument/2006/relationships" xmlns:mc="http://schemas.openxmlformats.org/markup-compatibility/2006" xmlns:mv="urn:schemas-microsoft-com:mac:vml" xmlns:p="http://schemas.openxmlformats.org/presentationml/2006/main" xmlns:c="http://schemas.openxmlformats.org/drawingml/2006/chart" xmlns:dgm="http://schemas.openxmlformats.org/drawingml/2006/diagram" xmlns:o="urn:schemas-microsoft-com:office:office" xmlns:v="urn:schemas-microsoft-com:vml" xmlns:pvml="urn:schemas-microsoft-com:office:powerpoint" xmlns:com="http://schemas.openxmlformats.org/drawingml/2006/compatibility" xmlns:p14="http://schemas.microsoft.com/office/powerpoint/2010/main" xmlns:p15="http://schemas.microsoft.com/office/powerpoint/2012/main" xmlns:ahyp="http://schemas.microsoft.com/office/drawing/2018/hyperlinkcolor">
-  <p:cSld>
-    <p:spTree>
-      <p:nvGrpSpPr>
-        <p:cNvPr id="312" name="Shape 312"/>
-        <p:cNvGrpSpPr/>
-        <p:nvPr/>
-      </p:nvGrpSpPr>
-      <p:grpSpPr>
-        <a:xfrm>
-          <a:off x="0" y="0"/>
-          <a:ext cx="0" cy="0"/>
-          <a:chOff x="0" y="0"/>
-          <a:chExt cx="0" cy="0"/>
-        </a:xfrm>
-      </p:grpSpPr>
-      <p:sp>
-        <p:nvSpPr>
-          <p:cNvPr id="313" name="Google Shape;313;p49"/>
-          <p:cNvSpPr txBox="1"/>
-          <p:nvPr>
-            <p:ph type="title"/>
-          </p:nvPr>
-        </p:nvSpPr>
-        <p:spPr>
-          <a:xfrm>
-            <a:off x="0" y="0"/>
-            <a:ext cx="9144000" cy="685800"/>
-          </a:xfrm>
-          <a:prstGeom prst="rect">
-            <a:avLst/>
-          </a:prstGeom>
-        </p:spPr>
-        <p:txBody>
-          <a:bodyPr anchorCtr="0" anchor="ctr" bIns="91425" lIns="274300" spcFirstLastPara="1" rIns="91425" wrap="square" tIns="91425">
-            <a:noAutofit/>
-          </a:bodyPr>
-          <a:lstStyle/>
-          <a:p>
-            <a:pPr indent="0" lvl="0" marL="0" rtl="0" algn="l">
-              <a:spcBef>
-                <a:spcPts val="0"/>
-              </a:spcBef>
-              <a:spcAft>
-                <a:spcPts val="0"/>
-              </a:spcAft>
-              <a:buNone/>
-            </a:pPr>
-            <a:r>
-              <a:rPr lang="en"/>
-              <a:t>Legal Notices</a:t>
-            </a:r>
-            <a:endParaRPr/>
-          </a:p>
-        </p:txBody>
-      </p:sp>
-      <p:sp>
-        <p:nvSpPr>
-          <p:cNvPr id="314" name="Google Shape;314;p49"/>
-          <p:cNvSpPr txBox="1"/>
-          <p:nvPr>
-            <p:ph idx="12" type="sldNum"/>
-          </p:nvPr>
-        </p:nvSpPr>
-        <p:spPr>
-          <a:xfrm>
-            <a:off x="7315209" y="4229101"/>
-            <a:ext cx="1828800" cy="914400"/>
-          </a:xfrm>
-          <a:prstGeom prst="rect">
-            <a:avLst/>
-          </a:prstGeom>
-        </p:spPr>
-        <p:txBody>
-          <a:bodyPr anchorCtr="0" anchor="b" bIns="91425" lIns="91425" spcFirstLastPara="1" rIns="91425" wrap="square" tIns="91425">
-            <a:noAutofit/>
-          </a:bodyPr>
-          <a:lstStyle/>
-          <a:p>
-            <a:pPr indent="0" lvl="0" marL="0" rtl="0" algn="r">
-              <a:spcBef>
-                <a:spcPts val="0"/>
-              </a:spcBef>
-              <a:spcAft>
-                <a:spcPts val="0"/>
-              </a:spcAft>
-              <a:buNone/>
-            </a:pPr>
-            <a:fld id="{00000000-1234-1234-1234-123412341234}" type="slidenum">
-              <a:rPr lang="en"/>
-              <a:t>‹#›</a:t>
-            </a:fld>
-            <a:endParaRPr/>
-          </a:p>
-          <a:p>
-            <a:pPr indent="0" lvl="0" marL="0" rtl="0" algn="r">
-              <a:spcBef>
-                <a:spcPts val="0"/>
-              </a:spcBef>
-              <a:spcAft>
-                <a:spcPts val="0"/>
-              </a:spcAft>
-              <a:buNone/>
-            </a:pPr>
-            <a:r>
-              <a:rPr b="0" lang="en" sz="900" u="sng">
-                <a:solidFill>
-                  <a:schemeClr val="hlink"/>
-                </a:solidFill>
-                <a:hlinkClick r:id="rId3"/>
-              </a:rPr>
-              <a:t>https://profriehle.com</a:t>
-            </a:r>
-            <a:r>
-              <a:rPr b="0" lang="en" sz="900">
-                <a:solidFill>
-                  <a:schemeClr val="dk2"/>
-                </a:solidFill>
-              </a:rPr>
-              <a:t> </a:t>
-            </a:r>
-            <a:endParaRPr b="0" sz="900">
-              <a:solidFill>
-                <a:schemeClr val="dk2"/>
-              </a:solidFill>
-            </a:endParaRPr>
-          </a:p>
-        </p:txBody>
-      </p:sp>
-      <p:sp>
-        <p:nvSpPr>
-          <p:cNvPr id="315" name="Google Shape;315;p49"/>
           <p:cNvSpPr txBox="1"/>
           <p:nvPr>
             <p:ph idx="1" type="body"/>
@@ -22360,20 +22250,20 @@
         </p:nvSpPr>
         <p:spPr>
           <a:xfrm>
-            <a:off x="0" y="-7"/>
-            <a:ext cx="9144000" cy="2386500"/>
+            <a:off x="0" y="0"/>
+            <a:ext cx="9144000" cy="685800"/>
           </a:xfrm>
           <a:prstGeom prst="rect">
             <a:avLst/>
           </a:prstGeom>
         </p:spPr>
         <p:txBody>
-          <a:bodyPr anchorCtr="0" anchor="b" bIns="274300" lIns="91425" spcFirstLastPara="1" rIns="91425" wrap="square" tIns="91425">
+          <a:bodyPr anchorCtr="0" anchor="ctr" bIns="0" lIns="274300" spcFirstLastPara="1" rIns="0" wrap="square" tIns="0">
             <a:noAutofit/>
           </a:bodyPr>
           <a:lstStyle/>
           <a:p>
-            <a:pPr indent="0" lvl="0" marL="0" rtl="0" algn="ctr">
+            <a:pPr indent="0" lvl="0" marL="0" rtl="0" algn="l">
               <a:spcBef>
                 <a:spcPts val="0"/>
               </a:spcBef>
@@ -22384,12 +22274,106 @@
             </a:pPr>
             <a:r>
               <a:rPr lang="en"/>
-              <a:t>1. Design by Contract</a:t>
+              <a:t>Extended Example</a:t>
             </a:r>
             <a:endParaRPr/>
           </a:p>
         </p:txBody>
       </p:sp>
+      <p:sp>
+        <p:nvSpPr>
+          <p:cNvPr id="65" name="Google Shape;65;p12"/>
+          <p:cNvSpPr txBox="1"/>
+          <p:nvPr>
+            <p:ph idx="12" type="sldNum"/>
+          </p:nvPr>
+        </p:nvSpPr>
+        <p:spPr>
+          <a:xfrm>
+            <a:off x="7315209" y="4229101"/>
+            <a:ext cx="1828800" cy="914400"/>
+          </a:xfrm>
+          <a:prstGeom prst="rect">
+            <a:avLst/>
+          </a:prstGeom>
+        </p:spPr>
+        <p:txBody>
+          <a:bodyPr anchorCtr="0" anchor="b" bIns="91425" lIns="91425" spcFirstLastPara="1" rIns="91425" wrap="square" tIns="91425">
+            <a:noAutofit/>
+          </a:bodyPr>
+          <a:lstStyle/>
+          <a:p>
+            <a:pPr indent="0" lvl="0" marL="0" rtl="0" algn="r">
+              <a:spcBef>
+                <a:spcPts val="0"/>
+              </a:spcBef>
+              <a:spcAft>
+                <a:spcPts val="0"/>
+              </a:spcAft>
+              <a:buNone/>
+            </a:pPr>
+            <a:fld id="{00000000-1234-1234-1234-123412341234}" type="slidenum">
+              <a:rPr lang="en"/>
+              <a:t>‹#›</a:t>
+            </a:fld>
+            <a:endParaRPr/>
+          </a:p>
+          <a:p>
+            <a:pPr indent="0" lvl="0" marL="0" rtl="0" algn="r">
+              <a:spcBef>
+                <a:spcPts val="0"/>
+              </a:spcBef>
+              <a:spcAft>
+                <a:spcPts val="0"/>
+              </a:spcAft>
+              <a:buClr>
+                <a:schemeClr val="dk1"/>
+              </a:buClr>
+              <a:buSzPts val="1100"/>
+              <a:buFont typeface="Arial"/>
+              <a:buNone/>
+            </a:pPr>
+            <a:r>
+              <a:rPr b="0" lang="en" sz="1000" u="sng">
+                <a:solidFill>
+                  <a:schemeClr val="hlink"/>
+                </a:solidFill>
+                <a:hlinkClick r:id="rId3"/>
+              </a:rPr>
+              <a:t>https://profriehle.com</a:t>
+            </a:r>
+            <a:endParaRPr b="0" sz="1000"/>
+          </a:p>
+        </p:txBody>
+      </p:sp>
+      <p:pic>
+        <p:nvPicPr>
+          <p:cNvPr id="66" name="Google Shape;66;p12"/>
+          <p:cNvPicPr preferRelativeResize="0"/>
+          <p:nvPr/>
+        </p:nvPicPr>
+        <p:blipFill>
+          <a:blip r:embed="rId4">
+            <a:alphaModFix/>
+          </a:blip>
+          <a:stretch>
+            <a:fillRect/>
+          </a:stretch>
+        </p:blipFill>
+        <p:spPr>
+          <a:xfrm>
+            <a:off x="274320" y="914400"/>
+            <a:ext cx="8595360" cy="3495446"/>
+          </a:xfrm>
+          <a:prstGeom prst="rect">
+            <a:avLst/>
+          </a:prstGeom>
+          <a:noFill/>
+          <a:ln>
+            <a:noFill/>
+          </a:ln>
+        </p:spPr>
+      </p:pic>
     </p:spTree>
   </p:cSld>
   <p:clrMapOvr>
@@ -22403,7 +22387,7 @@
   <p:cSld>
     <p:spTree>
       <p:nvGrpSpPr>
-        <p:cNvPr id="68" name="Shape 68"/>
+        <p:cNvPr id="70" name="Shape 70"/>
         <p:cNvGrpSpPr/>
         <p:nvPr/>
       </p:nvGrpSpPr>
@@ -22417,7 +22401,231 @@
       </p:grpSpPr>
       <p:sp>
         <p:nvSpPr>
-          <p:cNvPr id="69" name="Google Shape;69;p13"/>
+          <p:cNvPr id="71" name="Google Shape;71;p13"/>
+          <p:cNvSpPr txBox="1"/>
+          <p:nvPr>
+            <p:ph type="title"/>
+          </p:nvPr>
+        </p:nvSpPr>
+        <p:spPr>
+          <a:xfrm>
+            <a:off x="0" y="0"/>
+            <a:ext cx="9144000" cy="685800"/>
+          </a:xfrm>
+          <a:prstGeom prst="rect">
+            <a:avLst/>
+          </a:prstGeom>
+        </p:spPr>
+        <p:txBody>
+          <a:bodyPr anchorCtr="0" anchor="ctr" bIns="0" lIns="274300" spcFirstLastPara="1" rIns="0" wrap="square" tIns="0">
+            <a:noAutofit/>
+          </a:bodyPr>
+          <a:lstStyle/>
+          <a:p>
+            <a:pPr indent="0" lvl="0" marL="0" rtl="0" algn="l">
+              <a:spcBef>
+                <a:spcPts val="0"/>
+              </a:spcBef>
+              <a:spcAft>
+                <a:spcPts val="0"/>
+              </a:spcAft>
+              <a:buNone/>
+            </a:pPr>
+            <a:r>
+              <a:rPr lang="en"/>
+              <a:t>Quiz: Find “/usr/bin/ls”</a:t>
+            </a:r>
+            <a:endParaRPr/>
+          </a:p>
+        </p:txBody>
+      </p:sp>
+      <p:sp>
+        <p:nvSpPr>
+          <p:cNvPr id="72" name="Google Shape;72;p13"/>
+          <p:cNvSpPr txBox="1"/>
+          <p:nvPr>
+            <p:ph idx="12" type="sldNum"/>
+          </p:nvPr>
+        </p:nvSpPr>
+        <p:spPr>
+          <a:xfrm>
+            <a:off x="7315209" y="4229101"/>
+            <a:ext cx="1828800" cy="914400"/>
+          </a:xfrm>
+          <a:prstGeom prst="rect">
+            <a:avLst/>
+          </a:prstGeom>
+        </p:spPr>
+        <p:txBody>
+          <a:bodyPr anchorCtr="0" anchor="b" bIns="91425" lIns="91425" spcFirstLastPara="1" rIns="91425" wrap="square" tIns="91425">
+            <a:noAutofit/>
+          </a:bodyPr>
+          <a:lstStyle/>
+          <a:p>
+            <a:pPr indent="0" lvl="0" marL="0" rtl="0" algn="r">
+              <a:spcBef>
+                <a:spcPts val="0"/>
+              </a:spcBef>
+              <a:spcAft>
+                <a:spcPts val="0"/>
+              </a:spcAft>
+              <a:buNone/>
+            </a:pPr>
+            <a:fld id="{00000000-1234-1234-1234-123412341234}" type="slidenum">
+              <a:rPr lang="en"/>
+              <a:t>‹#›</a:t>
+            </a:fld>
+            <a:endParaRPr/>
+          </a:p>
+          <a:p>
+            <a:pPr indent="0" lvl="0" marL="0" rtl="0" algn="r">
+              <a:spcBef>
+                <a:spcPts val="0"/>
+              </a:spcBef>
+              <a:spcAft>
+                <a:spcPts val="0"/>
+              </a:spcAft>
+              <a:buClr>
+                <a:schemeClr val="dk1"/>
+              </a:buClr>
+              <a:buSzPts val="1100"/>
+              <a:buFont typeface="Arial"/>
+              <a:buNone/>
+            </a:pPr>
+            <a:r>
+              <a:rPr b="0" lang="en" sz="1000" u="sng">
+                <a:solidFill>
+                  <a:schemeClr val="hlink"/>
+                </a:solidFill>
+                <a:hlinkClick r:id="rId3"/>
+              </a:rPr>
+              <a:t>https://profriehle.com</a:t>
+            </a:r>
+            <a:endParaRPr b="0" sz="1000"/>
+          </a:p>
+        </p:txBody>
+      </p:sp>
+      <p:pic>
+        <p:nvPicPr>
+          <p:cNvPr id="73" name="Google Shape;73;p13"/>
+          <p:cNvPicPr preferRelativeResize="0"/>
+          <p:nvPr/>
+        </p:nvPicPr>
+        <p:blipFill>
+          <a:blip r:embed="rId4">
+            <a:alphaModFix/>
+          </a:blip>
+          <a:stretch>
+            <a:fillRect/>
+          </a:stretch>
+        </p:blipFill>
+        <p:spPr>
+          <a:xfrm>
+            <a:off x="274320" y="914400"/>
+            <a:ext cx="8595360" cy="3495446"/>
+          </a:xfrm>
+          <a:prstGeom prst="rect">
+            <a:avLst/>
+          </a:prstGeom>
+          <a:noFill/>
+          <a:ln>
+            <a:noFill/>
+          </a:ln>
+        </p:spPr>
+      </p:pic>
+    </p:spTree>
+  </p:cSld>
+  <p:clrMapOvr>
+    <a:masterClrMapping/>
+  </p:clrMapOvr>
+</p:sld>
+</file>
+
+<file path=ppt/slides/slide7.xml><?xml version="1.0" encoding="utf-8"?>
+<p:sld xmlns:a="http://schemas.openxmlformats.org/drawingml/2006/main" xmlns:r="http://schemas.openxmlformats.org/officeDocument/2006/relationships" xmlns:mc="http://schemas.openxmlformats.org/markup-compatibility/2006" xmlns:mv="urn:schemas-microsoft-com:mac:vml" xmlns:p="http://schemas.openxmlformats.org/presentationml/2006/main" xmlns:c="http://schemas.openxmlformats.org/drawingml/2006/chart" xmlns:dgm="http://schemas.openxmlformats.org/drawingml/2006/diagram" xmlns:o="urn:schemas-microsoft-com:office:office" xmlns:v="urn:schemas-microsoft-com:vml" xmlns:pvml="urn:schemas-microsoft-com:office:powerpoint" xmlns:com="http://schemas.openxmlformats.org/drawingml/2006/compatibility" xmlns:p14="http://schemas.microsoft.com/office/powerpoint/2010/main" xmlns:p15="http://schemas.microsoft.com/office/powerpoint/2012/main" xmlns:ahyp="http://schemas.microsoft.com/office/drawing/2018/hyperlinkcolor">
+  <p:cSld>
+    <p:spTree>
+      <p:nvGrpSpPr>
+        <p:cNvPr id="77" name="Shape 77"/>
+        <p:cNvGrpSpPr/>
+        <p:nvPr/>
+      </p:nvGrpSpPr>
+      <p:grpSpPr>
+        <a:xfrm>
+          <a:off x="0" y="0"/>
+          <a:ext cx="0" cy="0"/>
+          <a:chOff x="0" y="0"/>
+          <a:chExt cx="0" cy="0"/>
+        </a:xfrm>
+      </p:grpSpPr>
+      <p:sp>
+        <p:nvSpPr>
+          <p:cNvPr id="78" name="Google Shape;78;p14"/>
+          <p:cNvSpPr txBox="1"/>
+          <p:nvPr>
+            <p:ph type="title"/>
+          </p:nvPr>
+        </p:nvSpPr>
+        <p:spPr>
+          <a:xfrm>
+            <a:off x="0" y="-7"/>
+            <a:ext cx="9144000" cy="2386500"/>
+          </a:xfrm>
+          <a:prstGeom prst="rect">
+            <a:avLst/>
+          </a:prstGeom>
+        </p:spPr>
+        <p:txBody>
+          <a:bodyPr anchorCtr="0" anchor="b" bIns="274300" lIns="91425" spcFirstLastPara="1" rIns="91425" wrap="square" tIns="91425">
+            <a:noAutofit/>
+          </a:bodyPr>
+          <a:lstStyle/>
+          <a:p>
+            <a:pPr indent="0" lvl="0" marL="0" rtl="0" algn="ctr">
+              <a:spcBef>
+                <a:spcPts val="0"/>
+              </a:spcBef>
+              <a:spcAft>
+                <a:spcPts val="0"/>
+              </a:spcAft>
+              <a:buNone/>
+            </a:pPr>
+            <a:r>
+              <a:rPr lang="en"/>
+              <a:t>1. Design by Contract</a:t>
+            </a:r>
+            <a:endParaRPr/>
+          </a:p>
+        </p:txBody>
+      </p:sp>
+    </p:spTree>
+  </p:cSld>
+  <p:clrMapOvr>
+    <a:masterClrMapping/>
+  </p:clrMapOvr>
+</p:sld>
+</file>
+
+<file path=ppt/slides/slide8.xml><?xml version="1.0" encoding="utf-8"?>
+<p:sld xmlns:a="http://schemas.openxmlformats.org/drawingml/2006/main" xmlns:r="http://schemas.openxmlformats.org/officeDocument/2006/relationships" xmlns:mc="http://schemas.openxmlformats.org/markup-compatibility/2006" xmlns:mv="urn:schemas-microsoft-com:mac:vml" xmlns:p="http://schemas.openxmlformats.org/presentationml/2006/main" xmlns:c="http://schemas.openxmlformats.org/drawingml/2006/chart" xmlns:dgm="http://schemas.openxmlformats.org/drawingml/2006/diagram" xmlns:o="urn:schemas-microsoft-com:office:office" xmlns:v="urn:schemas-microsoft-com:vml" xmlns:pvml="urn:schemas-microsoft-com:office:powerpoint" xmlns:com="http://schemas.openxmlformats.org/drawingml/2006/compatibility" xmlns:p14="http://schemas.microsoft.com/office/powerpoint/2010/main" xmlns:p15="http://schemas.microsoft.com/office/powerpoint/2012/main" xmlns:ahyp="http://schemas.microsoft.com/office/drawing/2018/hyperlinkcolor">
+  <p:cSld>
+    <p:spTree>
+      <p:nvGrpSpPr>
+        <p:cNvPr id="82" name="Shape 82"/>
+        <p:cNvGrpSpPr/>
+        <p:nvPr/>
+      </p:nvGrpSpPr>
+      <p:grpSpPr>
+        <a:xfrm>
+          <a:off x="0" y="0"/>
+          <a:ext cx="0" cy="0"/>
+          <a:chOff x="0" y="0"/>
+          <a:chExt cx="0" cy="0"/>
+        </a:xfrm>
+      </p:grpSpPr>
+      <p:sp>
+        <p:nvSpPr>
+          <p:cNvPr id="83" name="Google Shape;83;p15"/>
           <p:cNvSpPr txBox="1"/>
           <p:nvPr>
             <p:ph type="title"/>
@@ -22453,7 +22661,7 @@
             </a:r>
             <a:r>
               <a:rPr lang="en"/>
-              <a:t>[1]</a:t>
+              <a:t>[M91]</a:t>
             </a:r>
             <a:endParaRPr/>
           </a:p>
@@ -22461,7 +22669,7 @@
       </p:sp>
       <p:sp>
         <p:nvSpPr>
-          <p:cNvPr id="70" name="Google Shape;70;p13"/>
+          <p:cNvPr id="84" name="Google Shape;84;p15"/>
           <p:cNvSpPr txBox="1"/>
           <p:nvPr>
             <p:ph idx="1" type="body"/>
@@ -22518,7 +22726,7 @@
       </p:sp>
       <p:sp>
         <p:nvSpPr>
-          <p:cNvPr id="71" name="Google Shape;71;p13"/>
+          <p:cNvPr id="85" name="Google Shape;85;p15"/>
           <p:cNvSpPr txBox="1"/>
           <p:nvPr>
             <p:ph idx="12" type="sldNum"/>
@@ -22579,7 +22787,7 @@
       </p:sp>
       <p:sp>
         <p:nvSpPr>
-          <p:cNvPr id="72" name="Google Shape;72;p13"/>
+          <p:cNvPr id="86" name="Google Shape;86;p15"/>
           <p:cNvSpPr txBox="1"/>
           <p:nvPr/>
         </p:nvSpPr>
@@ -22613,563 +22821,9 @@
             </a:pPr>
             <a:r>
               <a:rPr lang="en"/>
-              <a:t>[1] Meyer, B. (1991). Design by Contract. Chapter 1 in Mandrioli, D., Meyer, B. (1991). Advances in Object-oriented Software Engineering. Prentice-Hall.</a:t>
-            </a:r>
-            <a:endParaRPr/>
-          </a:p>
-        </p:txBody>
-      </p:sp>
-    </p:spTree>
-  </p:cSld>
-  <p:clrMapOvr>
-    <a:masterClrMapping/>
-  </p:clrMapOvr>
-</p:sld>
-</file>
-
-<file path=ppt/slides/slide7.xml><?xml version="1.0" encoding="utf-8"?>
-<p:sld xmlns:a="http://schemas.openxmlformats.org/drawingml/2006/main" xmlns:r="http://schemas.openxmlformats.org/officeDocument/2006/relationships" xmlns:mc="http://schemas.openxmlformats.org/markup-compatibility/2006" xmlns:mv="urn:schemas-microsoft-com:mac:vml" xmlns:p="http://schemas.openxmlformats.org/presentationml/2006/main" xmlns:c="http://schemas.openxmlformats.org/drawingml/2006/chart" xmlns:dgm="http://schemas.openxmlformats.org/drawingml/2006/diagram" xmlns:o="urn:schemas-microsoft-com:office:office" xmlns:v="urn:schemas-microsoft-com:vml" xmlns:pvml="urn:schemas-microsoft-com:office:powerpoint" xmlns:com="http://schemas.openxmlformats.org/drawingml/2006/compatibility" xmlns:p14="http://schemas.microsoft.com/office/powerpoint/2010/main" xmlns:p15="http://schemas.microsoft.com/office/powerpoint/2012/main" xmlns:ahyp="http://schemas.microsoft.com/office/drawing/2018/hyperlinkcolor">
-  <p:cSld>
-    <p:spTree>
-      <p:nvGrpSpPr>
-        <p:cNvPr id="76" name="Shape 76"/>
-        <p:cNvGrpSpPr/>
-        <p:nvPr/>
-      </p:nvGrpSpPr>
-      <p:grpSpPr>
-        <a:xfrm>
-          <a:off x="0" y="0"/>
-          <a:ext cx="0" cy="0"/>
-          <a:chOff x="0" y="0"/>
-          <a:chExt cx="0" cy="0"/>
-        </a:xfrm>
-      </p:grpSpPr>
-      <p:sp>
-        <p:nvSpPr>
-          <p:cNvPr id="77" name="Google Shape;77;p14"/>
-          <p:cNvSpPr txBox="1"/>
-          <p:nvPr>
-            <p:ph type="title"/>
-          </p:nvPr>
-        </p:nvSpPr>
-        <p:spPr>
-          <a:xfrm>
-            <a:off x="0" y="0"/>
-            <a:ext cx="9144000" cy="685800"/>
-          </a:xfrm>
-          <a:prstGeom prst="rect">
-            <a:avLst/>
-          </a:prstGeom>
-        </p:spPr>
-        <p:txBody>
-          <a:bodyPr anchorCtr="0" anchor="ctr" bIns="91425" lIns="274300" spcFirstLastPara="1" rIns="91425" wrap="square" tIns="91425">
-            <a:noAutofit/>
-          </a:bodyPr>
-          <a:lstStyle/>
-          <a:p>
-            <a:pPr indent="0" lvl="0" marL="0" rtl="0" algn="l">
-              <a:spcBef>
-                <a:spcPts val="0"/>
-              </a:spcBef>
-              <a:spcAft>
-                <a:spcPts val="0"/>
-              </a:spcAft>
-              <a:buNone/>
-            </a:pPr>
-            <a:r>
-              <a:rPr lang="en"/>
-              <a:t>Contracts</a:t>
-            </a:r>
-            <a:endParaRPr/>
-          </a:p>
-        </p:txBody>
-      </p:sp>
-      <p:sp>
-        <p:nvSpPr>
-          <p:cNvPr id="78" name="Google Shape;78;p14"/>
-          <p:cNvSpPr txBox="1"/>
-          <p:nvPr>
-            <p:ph idx="1" type="body"/>
-          </p:nvPr>
-        </p:nvSpPr>
-        <p:spPr>
-          <a:xfrm>
-            <a:off x="274320" y="914400"/>
-            <a:ext cx="8595300" cy="4114800"/>
-          </a:xfrm>
-          <a:prstGeom prst="rect">
-            <a:avLst/>
-          </a:prstGeom>
-        </p:spPr>
-        <p:txBody>
-          <a:bodyPr anchorCtr="0" anchor="t" bIns="0" lIns="0" spcFirstLastPara="1" rIns="0" wrap="square" tIns="0">
-            <a:noAutofit/>
-          </a:bodyPr>
-          <a:lstStyle/>
-          <a:p>
-            <a:pPr indent="0" lvl="0" marL="0" rtl="0" algn="l">
-              <a:spcBef>
-                <a:spcPts val="0"/>
-              </a:spcBef>
-              <a:spcAft>
-                <a:spcPts val="0"/>
-              </a:spcAft>
-              <a:buClr>
-                <a:schemeClr val="dk1"/>
-              </a:buClr>
-              <a:buSzPts val="1100"/>
-              <a:buFont typeface="Arial"/>
-              <a:buNone/>
-            </a:pPr>
-            <a:r>
-              <a:rPr lang="en"/>
-              <a:t>A contract specifies rights (benefits) and obligations</a:t>
-            </a:r>
-            <a:endParaRPr/>
-          </a:p>
-          <a:p>
-            <a:pPr indent="-342900" lvl="0" marL="457200" rtl="0" algn="l">
-              <a:spcBef>
-                <a:spcPts val="1200"/>
-              </a:spcBef>
-              <a:spcAft>
-                <a:spcPts val="0"/>
-              </a:spcAft>
-              <a:buSzPts val="1800"/>
-              <a:buChar char="●"/>
-            </a:pPr>
-            <a:r>
-              <a:rPr lang="en"/>
-              <a:t>Between a client (consumer) and contractor (supplier)</a:t>
-            </a:r>
-            <a:endParaRPr/>
-          </a:p>
-          <a:p>
-            <a:pPr indent="-342900" lvl="0" marL="457200" rtl="0" algn="l">
-              <a:spcBef>
-                <a:spcPts val="0"/>
-              </a:spcBef>
-              <a:spcAft>
-                <a:spcPts val="0"/>
-              </a:spcAft>
-              <a:buSzPts val="1800"/>
-              <a:buChar char="●"/>
-            </a:pPr>
-            <a:r>
-              <a:rPr lang="en"/>
-              <a:t>Contracts are (ideally) exhaustive; there are no hidden clauses</a:t>
-            </a:r>
-            <a:endParaRPr/>
-          </a:p>
-          <a:p>
-            <a:pPr indent="0" lvl="0" marL="0" rtl="0" algn="l">
-              <a:spcBef>
-                <a:spcPts val="1200"/>
-              </a:spcBef>
-              <a:spcAft>
-                <a:spcPts val="0"/>
-              </a:spcAft>
-              <a:buClr>
-                <a:schemeClr val="dk1"/>
-              </a:buClr>
-              <a:buSzPts val="1100"/>
-              <a:buFont typeface="Arial"/>
-              <a:buNone/>
-            </a:pPr>
-            <a:r>
-              <a:rPr lang="en"/>
-              <a:t>Rights and obligations are mutual</a:t>
-            </a:r>
-            <a:endParaRPr/>
-          </a:p>
-          <a:p>
-            <a:pPr indent="-342900" lvl="0" marL="457200" rtl="0" algn="l">
-              <a:spcBef>
-                <a:spcPts val="1200"/>
-              </a:spcBef>
-              <a:spcAft>
-                <a:spcPts val="0"/>
-              </a:spcAft>
-              <a:buSzPts val="1800"/>
-              <a:buChar char="●"/>
-            </a:pPr>
-            <a:r>
-              <a:rPr lang="en"/>
-              <a:t>A client obligation (precondition) is contractor’s right</a:t>
-            </a:r>
-            <a:endParaRPr/>
-          </a:p>
-          <a:p>
-            <a:pPr indent="-342900" lvl="0" marL="457200" rtl="0" algn="l">
-              <a:spcBef>
-                <a:spcPts val="0"/>
-              </a:spcBef>
-              <a:spcAft>
-                <a:spcPts val="0"/>
-              </a:spcAft>
-              <a:buSzPts val="1800"/>
-              <a:buChar char="●"/>
-            </a:pPr>
-            <a:r>
-              <a:rPr lang="en"/>
-              <a:t>A contractor obligation (postcondition) is a client’s right</a:t>
-            </a:r>
-            <a:endParaRPr/>
-          </a:p>
-          <a:p>
-            <a:pPr indent="0" lvl="0" marL="0" rtl="0" algn="l">
-              <a:spcBef>
-                <a:spcPts val="1200"/>
-              </a:spcBef>
-              <a:spcAft>
-                <a:spcPts val="0"/>
-              </a:spcAft>
-              <a:buClr>
-                <a:schemeClr val="dk1"/>
-              </a:buClr>
-              <a:buSzPts val="1100"/>
-              <a:buFont typeface="Arial"/>
-              <a:buNone/>
-            </a:pPr>
-            <a:r>
-              <a:rPr lang="en"/>
-              <a:t>A contract protects both sides of the deal</a:t>
-            </a:r>
-            <a:endParaRPr/>
-          </a:p>
-          <a:p>
-            <a:pPr indent="-342900" lvl="0" marL="457200" rtl="0" algn="l">
-              <a:spcBef>
-                <a:spcPts val="1200"/>
-              </a:spcBef>
-              <a:spcAft>
-                <a:spcPts val="0"/>
-              </a:spcAft>
-              <a:buSzPts val="1800"/>
-              <a:buChar char="●"/>
-            </a:pPr>
-            <a:r>
-              <a:rPr lang="en"/>
-              <a:t>The client is guaranteed a result</a:t>
-            </a:r>
-            <a:endParaRPr/>
-          </a:p>
-          <a:p>
-            <a:pPr indent="-342900" lvl="0" marL="457200" rtl="0" algn="l">
-              <a:spcBef>
-                <a:spcPts val="0"/>
-              </a:spcBef>
-              <a:spcAft>
-                <a:spcPts val="0"/>
-              </a:spcAft>
-              <a:buSzPts val="1800"/>
-              <a:buChar char="●"/>
-            </a:pPr>
-            <a:r>
-              <a:rPr lang="en"/>
-              <a:t>The contractor is guaranteed a specified operating environment</a:t>
-            </a:r>
-            <a:endParaRPr/>
-          </a:p>
-        </p:txBody>
-      </p:sp>
-      <p:sp>
-        <p:nvSpPr>
-          <p:cNvPr id="79" name="Google Shape;79;p14"/>
-          <p:cNvSpPr txBox="1"/>
-          <p:nvPr>
-            <p:ph idx="12" type="sldNum"/>
-          </p:nvPr>
-        </p:nvSpPr>
-        <p:spPr>
-          <a:xfrm>
-            <a:off x="7315209" y="4229101"/>
-            <a:ext cx="1828800" cy="914400"/>
-          </a:xfrm>
-          <a:prstGeom prst="rect">
-            <a:avLst/>
-          </a:prstGeom>
-        </p:spPr>
-        <p:txBody>
-          <a:bodyPr anchorCtr="0" anchor="b" bIns="91425" lIns="91425" spcFirstLastPara="1" rIns="91425" wrap="square" tIns="91425">
-            <a:noAutofit/>
-          </a:bodyPr>
-          <a:lstStyle/>
-          <a:p>
-            <a:pPr indent="0" lvl="0" marL="0" rtl="0" algn="r">
-              <a:spcBef>
-                <a:spcPts val="0"/>
-              </a:spcBef>
-              <a:spcAft>
-                <a:spcPts val="0"/>
-              </a:spcAft>
-              <a:buNone/>
-            </a:pPr>
-            <a:fld id="{00000000-1234-1234-1234-123412341234}" type="slidenum">
-              <a:rPr lang="en"/>
-              <a:t>‹#›</a:t>
-            </a:fld>
-            <a:endParaRPr/>
-          </a:p>
-          <a:p>
-            <a:pPr indent="0" lvl="0" marL="0" rtl="0" algn="r">
-              <a:spcBef>
-                <a:spcPts val="0"/>
-              </a:spcBef>
-              <a:spcAft>
-                <a:spcPts val="0"/>
-              </a:spcAft>
-              <a:buClr>
-                <a:schemeClr val="dk1"/>
-              </a:buClr>
-              <a:buSzPts val="1100"/>
-              <a:buFont typeface="Arial"/>
-              <a:buNone/>
-            </a:pPr>
-            <a:r>
-              <a:rPr b="0" lang="en" sz="1000" u="sng">
-                <a:solidFill>
-                  <a:schemeClr val="hlink"/>
-                </a:solidFill>
-                <a:hlinkClick r:id="rId3"/>
-              </a:rPr>
-              <a:t>https://profriehle.com</a:t>
-            </a:r>
-            <a:endParaRPr b="0" sz="1000"/>
-          </a:p>
-        </p:txBody>
-      </p:sp>
-    </p:spTree>
-  </p:cSld>
-  <p:clrMapOvr>
-    <a:masterClrMapping/>
-  </p:clrMapOvr>
-</p:sld>
-</file>
-
-<file path=ppt/slides/slide8.xml><?xml version="1.0" encoding="utf-8"?>
-<p:sld xmlns:a="http://schemas.openxmlformats.org/drawingml/2006/main" xmlns:r="http://schemas.openxmlformats.org/officeDocument/2006/relationships" xmlns:mc="http://schemas.openxmlformats.org/markup-compatibility/2006" xmlns:mv="urn:schemas-microsoft-com:mac:vml" xmlns:p="http://schemas.openxmlformats.org/presentationml/2006/main" xmlns:c="http://schemas.openxmlformats.org/drawingml/2006/chart" xmlns:dgm="http://schemas.openxmlformats.org/drawingml/2006/diagram" xmlns:o="urn:schemas-microsoft-com:office:office" xmlns:v="urn:schemas-microsoft-com:vml" xmlns:pvml="urn:schemas-microsoft-com:office:powerpoint" xmlns:com="http://schemas.openxmlformats.org/drawingml/2006/compatibility" xmlns:p14="http://schemas.microsoft.com/office/powerpoint/2010/main" xmlns:p15="http://schemas.microsoft.com/office/powerpoint/2012/main" xmlns:ahyp="http://schemas.microsoft.com/office/drawing/2018/hyperlinkcolor">
-  <p:cSld>
-    <p:spTree>
-      <p:nvGrpSpPr>
-        <p:cNvPr id="83" name="Shape 83"/>
-        <p:cNvGrpSpPr/>
-        <p:nvPr/>
-      </p:nvGrpSpPr>
-      <p:grpSpPr>
-        <a:xfrm>
-          <a:off x="0" y="0"/>
-          <a:ext cx="0" cy="0"/>
-          <a:chOff x="0" y="0"/>
-          <a:chExt cx="0" cy="0"/>
-        </a:xfrm>
-      </p:grpSpPr>
-      <p:sp>
-        <p:nvSpPr>
-          <p:cNvPr id="84" name="Google Shape;84;p15"/>
-          <p:cNvSpPr txBox="1"/>
-          <p:nvPr>
-            <p:ph type="title"/>
-          </p:nvPr>
-        </p:nvSpPr>
-        <p:spPr>
-          <a:xfrm>
-            <a:off x="0" y="0"/>
-            <a:ext cx="9144000" cy="685800"/>
-          </a:xfrm>
-          <a:prstGeom prst="rect">
-            <a:avLst/>
-          </a:prstGeom>
-        </p:spPr>
-        <p:txBody>
-          <a:bodyPr anchorCtr="0" anchor="ctr" bIns="91425" lIns="274300" spcFirstLastPara="1" rIns="91425" wrap="square" tIns="91425">
-            <a:noAutofit/>
-          </a:bodyPr>
-          <a:lstStyle/>
-          <a:p>
-            <a:pPr indent="0" lvl="0" marL="0" rtl="0" algn="l">
-              <a:spcBef>
-                <a:spcPts val="0"/>
-              </a:spcBef>
-              <a:spcAft>
-                <a:spcPts val="0"/>
-              </a:spcAft>
-              <a:buNone/>
-            </a:pPr>
-            <a:r>
-              <a:rPr lang="en"/>
-              <a:t>File Terminology</a:t>
-            </a:r>
-            <a:endParaRPr/>
-          </a:p>
-        </p:txBody>
-      </p:sp>
-      <p:sp>
-        <p:nvSpPr>
-          <p:cNvPr id="85" name="Google Shape;85;p15"/>
-          <p:cNvSpPr txBox="1"/>
-          <p:nvPr>
-            <p:ph idx="1" type="body"/>
-          </p:nvPr>
-        </p:nvSpPr>
-        <p:spPr>
-          <a:xfrm>
-            <a:off x="274320" y="914400"/>
-            <a:ext cx="8595300" cy="4114800"/>
-          </a:xfrm>
-          <a:prstGeom prst="rect">
-            <a:avLst/>
-          </a:prstGeom>
-        </p:spPr>
-        <p:txBody>
-          <a:bodyPr anchorCtr="0" anchor="t" bIns="0" lIns="0" spcFirstLastPara="1" rIns="0" wrap="square" tIns="0">
-            <a:noAutofit/>
-          </a:bodyPr>
-          <a:lstStyle/>
-          <a:p>
-            <a:pPr indent="0" lvl="0" marL="0" rtl="0" algn="l">
-              <a:spcBef>
-                <a:spcPts val="0"/>
-              </a:spcBef>
-              <a:spcAft>
-                <a:spcPts val="0"/>
-              </a:spcAft>
-              <a:buNone/>
-            </a:pPr>
-            <a:r>
-              <a:rPr lang="en"/>
-              <a:t>Given the file “/usr/bin/ls”</a:t>
-            </a:r>
-            <a:endParaRPr/>
-          </a:p>
-          <a:p>
-            <a:pPr indent="-342900" lvl="0" marL="457200" rtl="0" algn="l">
-              <a:spcBef>
-                <a:spcPts val="1200"/>
-              </a:spcBef>
-              <a:spcAft>
-                <a:spcPts val="0"/>
-              </a:spcAft>
-              <a:buSzPts val="1800"/>
-              <a:buChar char="●"/>
-            </a:pPr>
-            <a:r>
-              <a:rPr lang="en"/>
-              <a:t>“boom” is called the </a:t>
-            </a:r>
-            <a:r>
-              <a:rPr b="1" lang="en"/>
-              <a:t>base name</a:t>
-            </a:r>
-            <a:endParaRPr b="1"/>
-          </a:p>
-          <a:p>
-            <a:pPr indent="-342900" lvl="0" marL="457200" rtl="0" algn="l">
-              <a:spcBef>
-                <a:spcPts val="0"/>
-              </a:spcBef>
-              <a:spcAft>
-                <a:spcPts val="0"/>
-              </a:spcAft>
-              <a:buSzPts val="1800"/>
-              <a:buChar char="●"/>
-            </a:pPr>
-            <a:r>
-              <a:rPr lang="en"/>
-              <a:t>“/usr/bin” is called the </a:t>
-            </a:r>
-            <a:r>
-              <a:rPr b="1" lang="en"/>
-              <a:t>dir(ectory) name</a:t>
-            </a:r>
-            <a:endParaRPr b="1"/>
-          </a:p>
-          <a:p>
-            <a:pPr indent="-342900" lvl="0" marL="457200" rtl="0" algn="l">
-              <a:spcBef>
-                <a:spcPts val="0"/>
-              </a:spcBef>
-              <a:spcAft>
-                <a:spcPts val="0"/>
-              </a:spcAft>
-              <a:buSzPts val="1800"/>
-              <a:buChar char="●"/>
-            </a:pPr>
-            <a:r>
-              <a:rPr lang="en"/>
-              <a:t>“/usr/bin/ls” is called the </a:t>
-            </a:r>
-            <a:r>
-              <a:rPr b="1" lang="en"/>
-              <a:t>full name</a:t>
-            </a:r>
-            <a:endParaRPr b="1"/>
-          </a:p>
-        </p:txBody>
-      </p:sp>
-      <p:sp>
-        <p:nvSpPr>
-          <p:cNvPr id="86" name="Google Shape;86;p15"/>
-          <p:cNvSpPr txBox="1"/>
-          <p:nvPr>
-            <p:ph idx="12" type="sldNum"/>
-          </p:nvPr>
-        </p:nvSpPr>
-        <p:spPr>
-          <a:xfrm>
-            <a:off x="7315209" y="4229101"/>
-            <a:ext cx="1828800" cy="914400"/>
-          </a:xfrm>
-          <a:prstGeom prst="rect">
-            <a:avLst/>
-          </a:prstGeom>
-        </p:spPr>
-        <p:txBody>
-          <a:bodyPr anchorCtr="0" anchor="b" bIns="91425" lIns="91425" spcFirstLastPara="1" rIns="91425" wrap="square" tIns="91425">
-            <a:noAutofit/>
-          </a:bodyPr>
-          <a:lstStyle/>
-          <a:p>
-            <a:pPr indent="0" lvl="0" marL="0" rtl="0" algn="r">
-              <a:spcBef>
-                <a:spcPts val="0"/>
-              </a:spcBef>
-              <a:spcAft>
-                <a:spcPts val="0"/>
-              </a:spcAft>
-              <a:buNone/>
-            </a:pPr>
-            <a:fld id="{00000000-1234-1234-1234-123412341234}" type="slidenum">
-              <a:rPr lang="en"/>
-              <a:t>‹#›</a:t>
-            </a:fld>
-            <a:endParaRPr/>
-          </a:p>
-          <a:p>
-            <a:pPr indent="0" lvl="0" marL="0" rtl="0" algn="r">
-              <a:spcBef>
-                <a:spcPts val="0"/>
-              </a:spcBef>
-              <a:spcAft>
-                <a:spcPts val="0"/>
-              </a:spcAft>
-              <a:buClr>
-                <a:schemeClr val="dk1"/>
-              </a:buClr>
-              <a:buSzPts val="1100"/>
-              <a:buFont typeface="Arial"/>
-              <a:buNone/>
-            </a:pPr>
-            <a:r>
-              <a:rPr b="0" lang="en" sz="1000" u="sng">
-                <a:solidFill>
-                  <a:schemeClr val="hlink"/>
-                </a:solidFill>
-                <a:hlinkClick r:id="rId3"/>
-              </a:rPr>
-              <a:t>https://profriehle.com</a:t>
-            </a:r>
-            <a:endParaRPr b="0" sz="1000"/>
+              <a:t>[M91] Meyer, B. (1991). Design by Contract. Chapter 1 in Mandrioli, D., Meyer, B. (1991). Advances in Object-oriented Software Engineering. Prentice-Hall.</a:t>
+            </a:r>
+            <a:endParaRPr/>
           </a:p>
         </p:txBody>
       </p:sp>
@@ -23216,7 +22870,7 @@
           </a:prstGeom>
         </p:spPr>
         <p:txBody>
-          <a:bodyPr anchorCtr="0" anchor="ctr" bIns="0" lIns="274300" spcFirstLastPara="1" rIns="0" wrap="square" tIns="0">
+          <a:bodyPr anchorCtr="0" anchor="ctr" bIns="91425" lIns="274300" spcFirstLastPara="1" rIns="91425" wrap="square" tIns="91425">
             <a:noAutofit/>
           </a:bodyPr>
           <a:lstStyle/>
@@ -23232,7 +22886,7 @@
             </a:pPr>
             <a:r>
               <a:rPr lang="en"/>
-              <a:t>Client-File Contract 1 / 2</a:t>
+              <a:t>Contracts</a:t>
             </a:r>
             <a:endParaRPr/>
           </a:p>
@@ -23241,6 +22895,195 @@
       <p:sp>
         <p:nvSpPr>
           <p:cNvPr id="92" name="Google Shape;92;p16"/>
+          <p:cNvSpPr txBox="1"/>
+          <p:nvPr>
+            <p:ph idx="1" type="body"/>
+          </p:nvPr>
+        </p:nvSpPr>
+        <p:spPr>
+          <a:xfrm>
+            <a:off x="274320" y="914400"/>
+            <a:ext cx="8595300" cy="4114800"/>
+          </a:xfrm>
+          <a:prstGeom prst="rect">
+            <a:avLst/>
+          </a:prstGeom>
+        </p:spPr>
+        <p:txBody>
+          <a:bodyPr anchorCtr="0" anchor="t" bIns="0" lIns="0" spcFirstLastPara="1" rIns="0" wrap="square" tIns="0">
+            <a:noAutofit/>
+          </a:bodyPr>
+          <a:lstStyle/>
+          <a:p>
+            <a:pPr indent="0" lvl="0" marL="0" rtl="0" algn="l">
+              <a:spcBef>
+                <a:spcPts val="0"/>
+              </a:spcBef>
+              <a:spcAft>
+                <a:spcPts val="0"/>
+              </a:spcAft>
+              <a:buClr>
+                <a:schemeClr val="dk1"/>
+              </a:buClr>
+              <a:buSzPts val="1100"/>
+              <a:buFont typeface="Arial"/>
+              <a:buNone/>
+            </a:pPr>
+            <a:r>
+              <a:rPr lang="en"/>
+              <a:t>A contract specifies rights (benefits) and obligations</a:t>
+            </a:r>
+            <a:endParaRPr/>
+          </a:p>
+          <a:p>
+            <a:pPr indent="-342900" lvl="0" marL="457200" rtl="0" algn="l">
+              <a:spcBef>
+                <a:spcPts val="1200"/>
+              </a:spcBef>
+              <a:spcAft>
+                <a:spcPts val="0"/>
+              </a:spcAft>
+              <a:buSzPts val="1800"/>
+              <a:buChar char="●"/>
+            </a:pPr>
+            <a:r>
+              <a:rPr lang="en"/>
+              <a:t>Between a client (consumer) and contractor (supplier)</a:t>
+            </a:r>
+            <a:endParaRPr/>
+          </a:p>
+          <a:p>
+            <a:pPr indent="-342900" lvl="0" marL="457200" rtl="0" algn="l">
+              <a:spcBef>
+                <a:spcPts val="0"/>
+              </a:spcBef>
+              <a:spcAft>
+                <a:spcPts val="0"/>
+              </a:spcAft>
+              <a:buSzPts val="1800"/>
+              <a:buChar char="●"/>
+            </a:pPr>
+            <a:r>
+              <a:rPr lang="en"/>
+              <a:t>Contracts are (ideally) exhaustive; there are no hidden clauses</a:t>
+            </a:r>
+            <a:endParaRPr/>
+          </a:p>
+          <a:p>
+            <a:pPr indent="0" lvl="0" marL="0" rtl="0" algn="l">
+              <a:spcBef>
+                <a:spcPts val="1200"/>
+              </a:spcBef>
+              <a:spcAft>
+                <a:spcPts val="0"/>
+              </a:spcAft>
+              <a:buClr>
+                <a:schemeClr val="dk1"/>
+              </a:buClr>
+              <a:buSzPts val="1100"/>
+              <a:buFont typeface="Arial"/>
+              <a:buNone/>
+            </a:pPr>
+            <a:r>
+              <a:rPr lang="en"/>
+              <a:t>Rights and obligations are mutual</a:t>
+            </a:r>
+            <a:endParaRPr/>
+          </a:p>
+          <a:p>
+            <a:pPr indent="-342900" lvl="0" marL="457200" rtl="0" algn="l">
+              <a:spcBef>
+                <a:spcPts val="1200"/>
+              </a:spcBef>
+              <a:spcAft>
+                <a:spcPts val="0"/>
+              </a:spcAft>
+              <a:buSzPts val="1800"/>
+              <a:buChar char="●"/>
+            </a:pPr>
+            <a:r>
+              <a:rPr lang="en"/>
+              <a:t>A client obligation (precondition) is contractor’s right</a:t>
+            </a:r>
+            <a:endParaRPr/>
+          </a:p>
+          <a:p>
+            <a:pPr indent="-342900" lvl="0" marL="457200" rtl="0" algn="l">
+              <a:spcBef>
+                <a:spcPts val="0"/>
+              </a:spcBef>
+              <a:spcAft>
+                <a:spcPts val="0"/>
+              </a:spcAft>
+              <a:buSzPts val="1800"/>
+              <a:buChar char="●"/>
+            </a:pPr>
+            <a:r>
+              <a:rPr lang="en"/>
+              <a:t>A contractor obligation (postcondition) is a client’s right</a:t>
+            </a:r>
+            <a:endParaRPr/>
+          </a:p>
+          <a:p>
+            <a:pPr indent="0" lvl="0" marL="0" rtl="0" algn="l">
+              <a:spcBef>
+                <a:spcPts val="1200"/>
+              </a:spcBef>
+              <a:spcAft>
+                <a:spcPts val="0"/>
+              </a:spcAft>
+              <a:buClr>
+                <a:schemeClr val="dk1"/>
+              </a:buClr>
+              <a:buSzPts val="1100"/>
+              <a:buFont typeface="Arial"/>
+              <a:buNone/>
+            </a:pPr>
+            <a:r>
+              <a:rPr lang="en"/>
+              <a:t>A contract protects both sides of the deal</a:t>
+            </a:r>
+            <a:endParaRPr/>
+          </a:p>
+          <a:p>
+            <a:pPr indent="-342900" lvl="0" marL="457200" rtl="0" algn="l">
+              <a:spcBef>
+                <a:spcPts val="1200"/>
+              </a:spcBef>
+              <a:spcAft>
+                <a:spcPts val="0"/>
+              </a:spcAft>
+              <a:buSzPts val="1800"/>
+              <a:buChar char="●"/>
+            </a:pPr>
+            <a:r>
+              <a:rPr lang="en"/>
+              <a:t>The client is guaranteed a result</a:t>
+            </a:r>
+            <a:endParaRPr/>
+          </a:p>
+          <a:p>
+            <a:pPr indent="-342900" lvl="0" marL="457200" rtl="0" algn="l">
+              <a:spcBef>
+                <a:spcPts val="0"/>
+              </a:spcBef>
+              <a:spcAft>
+                <a:spcPts val="0"/>
+              </a:spcAft>
+              <a:buSzPts val="1800"/>
+              <a:buChar char="●"/>
+            </a:pPr>
+            <a:r>
+              <a:rPr lang="en"/>
+              <a:t>The contractor is guaranteed a specified operating environment</a:t>
+            </a:r>
+            <a:endParaRPr/>
+          </a:p>
+        </p:txBody>
+      </p:sp>
+      <p:sp>
+        <p:nvSpPr>
+          <p:cNvPr id="93" name="Google Shape;93;p16"/>
           <p:cNvSpPr txBox="1"/>
           <p:nvPr>
             <p:ph idx="12" type="sldNum"/>
@@ -23304,34 +23147,6 @@
           </a:p>
         </p:txBody>
       </p:sp>
-      <p:pic>
-        <p:nvPicPr>
-          <p:cNvPr id="93" name="Google Shape;93;p16"/>
-          <p:cNvPicPr preferRelativeResize="0"/>
-          <p:nvPr/>
-        </p:nvPicPr>
-        <p:blipFill>
-          <a:blip r:embed="rId4">
-            <a:alphaModFix/>
-          </a:blip>
-          <a:stretch>
-            <a:fillRect/>
-          </a:stretch>
-        </p:blipFill>
-        <p:spPr>
-          <a:xfrm>
-            <a:off x="274320" y="914400"/>
-            <a:ext cx="8595360" cy="3493598"/>
-          </a:xfrm>
-          <a:prstGeom prst="rect">
-            <a:avLst/>
-          </a:prstGeom>
-          <a:noFill/>
-          <a:ln>
-            <a:noFill/>
-          </a:ln>
-        </p:spPr>
-      </p:pic>
     </p:spTree>
   </p:cSld>
   <p:clrMapOvr>
@@ -23341,6 +23156,285 @@
 </file>
 
 <file path=ppt/theme/theme1.xml><?xml version="1.0" encoding="utf-8"?>
+<a:theme xmlns:a="http://schemas.openxmlformats.org/drawingml/2006/main" xmlns:r="http://schemas.openxmlformats.org/officeDocument/2006/relationships" name="ADAP Slides Template">
+  <a:themeElements>
+    <a:clrScheme name="Simple Light">
+      <a:dk1>
+        <a:srgbClr val="000000"/>
+      </a:dk1>
+      <a:lt1>
+        <a:srgbClr val="FFFFFF"/>
+      </a:lt1>
+      <a:dk2>
+        <a:srgbClr val="404040"/>
+      </a:dk2>
+      <a:lt2>
+        <a:srgbClr val="808080"/>
+      </a:lt2>
+      <a:accent1>
+        <a:srgbClr val="D0D0D0"/>
+      </a:accent1>
+      <a:accent2>
+        <a:srgbClr val="4169E1"/>
+      </a:accent2>
+      <a:accent3>
+        <a:srgbClr val="D50D01"/>
+      </a:accent3>
+      <a:accent4>
+        <a:srgbClr val="FEB612"/>
+      </a:accent4>
+      <a:accent5>
+        <a:srgbClr val="4CAF50"/>
+      </a:accent5>
+      <a:accent6>
+        <a:srgbClr val="8E44AD"/>
+      </a:accent6>
+      <a:hlink>
+        <a:srgbClr val="34A3C5"/>
+      </a:hlink>
+      <a:folHlink>
+        <a:srgbClr val="0097A7"/>
+      </a:folHlink>
+    </a:clrScheme>
+    <a:fontScheme name="Office">
+      <a:majorFont>
+        <a:latin typeface="Arial"/>
+        <a:ea typeface=""/>
+        <a:cs typeface=""/>
+        <a:font script="Jpan" typeface="ＭＳ Ｐゴシック"/>
+        <a:font script="Hang" typeface="맑은 고딕"/>
+        <a:font script="Hans" typeface="宋体"/>
+        <a:font script="Hant" typeface="新細明體"/>
+        <a:font script="Arab" typeface="Times New Roman"/>
+        <a:font script="Hebr" typeface="Times New Roman"/>
+        <a:font script="Thai" typeface="Angsana New"/>
+        <a:font script="Ethi" typeface="Nyala"/>
+        <a:font script="Beng" typeface="Vrinda"/>
+        <a:font script="Gujr" typeface="Shruti"/>
+        <a:font script="Khmr" typeface="MoolBoran"/>
+        <a:font script="Knda" typeface="Tunga"/>
+        <a:font script="Guru" typeface="Raavi"/>
+        <a:font script="Cans" typeface="Euphemia"/>
+        <a:font script="Cher" typeface="Plantagenet Cherokee"/>
+        <a:font script="Yiii" typeface="Microsoft Yi Baiti"/>
+        <a:font script="Tibt" typeface="Microsoft Himalaya"/>
+        <a:font script="Thaa" typeface="MV Boli"/>
+        <a:font script="Deva" typeface="Mangal"/>
+        <a:font script="Telu" typeface="Gautami"/>
+        <a:font script="Taml" typeface="Latha"/>
+        <a:font script="Syrc" typeface="Estrangelo Edessa"/>
+        <a:font script="Orya" typeface="Kalinga"/>
+        <a:font script="Mlym" typeface="Kartika"/>
+        <a:font script="Laoo" typeface="DokChampa"/>
+        <a:font script="Sinh" typeface="Iskoola Pota"/>
+        <a:font script="Mong" typeface="Mongolian Baiti"/>
+        <a:font script="Viet" typeface="Times New Roman"/>
+        <a:font script="Uigh" typeface="Microsoft Uighur"/>
+        <a:font script="Geor" typeface="Sylfaen"/>
+      </a:majorFont>
+      <a:minorFont>
+        <a:latin typeface="Arial"/>
+        <a:ea typeface=""/>
+        <a:cs typeface=""/>
+        <a:font script="Jpan" typeface="ＭＳ Ｐゴシック"/>
+        <a:font script="Hang" typeface="맑은 고딕"/>
+        <a:font script="Hans" typeface="宋体"/>
+        <a:font script="Hant" typeface="新細明體"/>
+        <a:font script="Arab" typeface="Arial"/>
+        <a:font script="Hebr" typeface="Arial"/>
+        <a:font script="Thai" typeface="Cordia New"/>
+        <a:font script="Ethi" typeface="Nyala"/>
+        <a:font script="Beng" typeface="Vrinda"/>
+        <a:font script="Gujr" typeface="Shruti"/>
+        <a:font script="Khmr" typeface="DaunPenh"/>
+        <a:font script="Knda" typeface="Tunga"/>
+        <a:font script="Guru" typeface="Raavi"/>
+        <a:font script="Cans" typeface="Euphemia"/>
+        <a:font script="Cher" typeface="Plantagenet Cherokee"/>
+        <a:font script="Yiii" typeface="Microsoft Yi Baiti"/>
+        <a:font script="Tibt" typeface="Microsoft Himalaya"/>
+        <a:font script="Thaa" typeface="MV Boli"/>
+        <a:font script="Deva" typeface="Mangal"/>
+        <a:font script="Telu" typeface="Gautami"/>
+        <a:font script="Taml" typeface="Latha"/>
+        <a:font script="Syrc" typeface="Estrangelo Edessa"/>
+        <a:font script="Orya" typeface="Kalinga"/>
+        <a:font script="Mlym" typeface="Kartika"/>
+        <a:font script="Laoo" typeface="DokChampa"/>
+        <a:font script="Sinh" typeface="Iskoola Pota"/>
+        <a:font script="Mong" typeface="Mongolian Baiti"/>
+        <a:font script="Viet" typeface="Arial"/>
+        <a:font script="Uigh" typeface="Microsoft Uighur"/>
+        <a:font script="Geor" typeface="Sylfaen"/>
+      </a:minorFont>
+    </a:fontScheme>
+    <a:fmtScheme name="Office">
+      <a:fillStyleLst>
+        <a:solidFill>
+          <a:schemeClr val="phClr"/>
+        </a:solidFill>
+        <a:gradFill rotWithShape="1">
+          <a:gsLst>
+            <a:gs pos="0">
+              <a:schemeClr val="phClr">
+                <a:tint val="50000"/>
+                <a:satMod val="300000"/>
+              </a:schemeClr>
+            </a:gs>
+            <a:gs pos="35000">
+              <a:schemeClr val="phClr">
+                <a:tint val="37000"/>
+                <a:satMod val="300000"/>
+              </a:schemeClr>
+            </a:gs>
+            <a:gs pos="100000">
+              <a:schemeClr val="phClr">
+                <a:tint val="15000"/>
+                <a:satMod val="350000"/>
+              </a:schemeClr>
+            </a:gs>
+          </a:gsLst>
+          <a:lin ang="16200000" scaled="1"/>
+        </a:gradFill>
+        <a:gradFill rotWithShape="1">
+          <a:gsLst>
+            <a:gs pos="0">
+              <a:schemeClr val="phClr">
+                <a:tint val="100000"/>
+                <a:shade val="100000"/>
+                <a:satMod val="130000"/>
+              </a:schemeClr>
+            </a:gs>
+            <a:gs pos="100000">
+              <a:schemeClr val="phClr">
+                <a:tint val="50000"/>
+                <a:shade val="100000"/>
+                <a:satMod val="350000"/>
+              </a:schemeClr>
+            </a:gs>
+          </a:gsLst>
+          <a:lin ang="16200000" scaled="0"/>
+        </a:gradFill>
+      </a:fillStyleLst>
+      <a:lnStyleLst>
+        <a:ln w="9525" cap="flat" cmpd="sng" algn="ctr">
+          <a:solidFill>
+            <a:schemeClr val="phClr">
+              <a:shade val="95000"/>
+              <a:satMod val="105000"/>
+            </a:schemeClr>
+          </a:solidFill>
+          <a:prstDash val="solid"/>
+        </a:ln>
+        <a:ln w="25400" cap="flat" cmpd="sng" algn="ctr">
+          <a:solidFill>
+            <a:schemeClr val="phClr"/>
+          </a:solidFill>
+          <a:prstDash val="solid"/>
+        </a:ln>
+        <a:ln w="38100" cap="flat" cmpd="sng" algn="ctr">
+          <a:solidFill>
+            <a:schemeClr val="phClr"/>
+          </a:solidFill>
+          <a:prstDash val="solid"/>
+        </a:ln>
+      </a:lnStyleLst>
+      <a:effectStyleLst>
+        <a:effectStyle>
+          <a:effectLst>
+            <a:outerShdw blurRad="40000" dist="20000" dir="5400000" rotWithShape="0">
+              <a:srgbClr val="000000">
+                <a:alpha val="38000"/>
+              </a:srgbClr>
+            </a:outerShdw>
+          </a:effectLst>
+        </a:effectStyle>
+        <a:effectStyle>
+          <a:effectLst>
+            <a:outerShdw blurRad="40000" dist="23000" dir="5400000" rotWithShape="0">
+              <a:srgbClr val="000000">
+                <a:alpha val="35000"/>
+              </a:srgbClr>
+            </a:outerShdw>
+          </a:effectLst>
+        </a:effectStyle>
+        <a:effectStyle>
+          <a:effectLst>
+            <a:outerShdw blurRad="40000" dist="23000" dir="5400000" rotWithShape="0">
+              <a:srgbClr val="000000">
+                <a:alpha val="35000"/>
+              </a:srgbClr>
+            </a:outerShdw>
+          </a:effectLst>
+          <a:scene3d>
+            <a:camera prst="orthographicFront">
+              <a:rot lat="0" lon="0" rev="0"/>
+            </a:camera>
+            <a:lightRig rig="threePt" dir="t">
+              <a:rot lat="0" lon="0" rev="1200000"/>
+            </a:lightRig>
+          </a:scene3d>
+          <a:sp3d>
+            <a:bevelT w="63500" h="25400"/>
+          </a:sp3d>
+        </a:effectStyle>
+      </a:effectStyleLst>
+      <a:bgFillStyleLst>
+        <a:solidFill>
+          <a:schemeClr val="phClr"/>
+        </a:solidFill>
+        <a:gradFill rotWithShape="1">
+          <a:gsLst>
+            <a:gs pos="0">
+              <a:schemeClr val="phClr">
+                <a:tint val="40000"/>
+                <a:satMod val="350000"/>
+              </a:schemeClr>
+            </a:gs>
+            <a:gs pos="40000">
+              <a:schemeClr val="phClr">
+                <a:tint val="45000"/>
+                <a:shade val="99000"/>
+                <a:satMod val="350000"/>
+              </a:schemeClr>
+            </a:gs>
+            <a:gs pos="100000">
+              <a:schemeClr val="phClr">
+                <a:shade val="20000"/>
+                <a:satMod val="255000"/>
+              </a:schemeClr>
+            </a:gs>
+          </a:gsLst>
+          <a:path path="circle">
+            <a:fillToRect l="50000" t="-80000" r="50000" b="180000"/>
+          </a:path>
+        </a:gradFill>
+        <a:gradFill rotWithShape="1">
+          <a:gsLst>
+            <a:gs pos="0">
+              <a:schemeClr val="phClr">
+                <a:tint val="80000"/>
+                <a:satMod val="300000"/>
+              </a:schemeClr>
+            </a:gs>
+            <a:gs pos="100000">
+              <a:schemeClr val="phClr">
+                <a:shade val="30000"/>
+                <a:satMod val="200000"/>
+              </a:schemeClr>
+            </a:gs>
+          </a:gsLst>
+          <a:path path="circle">
+            <a:fillToRect l="50000" t="50000" r="50000" b="50000"/>
+          </a:path>
+        </a:gradFill>
+      </a:bgFillStyleLst>
+    </a:fmtScheme>
+  </a:themeElements>
+</a:theme>
+</file>
+
+<file path=ppt/theme/theme2.xml><?xml version="1.0" encoding="utf-8"?>
 <a:theme xmlns:a="http://schemas.openxmlformats.org/drawingml/2006/main" xmlns:r="http://schemas.openxmlformats.org/officeDocument/2006/relationships">
   <a:themeElements>
     <a:clrScheme name="Default">
@@ -23617,283 +23711,4 @@
     </a:fmtScheme>
   </a:themeElements>
 </a:theme>
-</file>
-
-<file path=ppt/theme/theme2.xml><?xml version="1.0" encoding="utf-8"?>
-<a:theme xmlns:a="http://schemas.openxmlformats.org/drawingml/2006/main" xmlns:r="http://schemas.openxmlformats.org/officeDocument/2006/relationships" name="ADAP Slides Template">
-  <a:themeElements>
-    <a:clrScheme name="Simple Light">
-      <a:dk1>
-        <a:srgbClr val="000000"/>
-      </a:dk1>
-      <a:lt1>
-        <a:srgbClr val="FFFFFF"/>
-      </a:lt1>
-      <a:dk2>
-        <a:srgbClr val="404040"/>
-      </a:dk2>
-      <a:lt2>
-        <a:srgbClr val="808080"/>
-      </a:lt2>
-      <a:accent1>
-        <a:srgbClr val="D0D0D0"/>
-      </a:accent1>
-      <a:accent2>
-        <a:srgbClr val="4169E1"/>
-      </a:accent2>
-      <a:accent3>
-        <a:srgbClr val="D50D01"/>
-      </a:accent3>
-      <a:accent4>
-        <a:srgbClr val="FEB612"/>
-      </a:accent4>
-      <a:accent5>
-        <a:srgbClr val="4CAF50"/>
-      </a:accent5>
-      <a:accent6>
-        <a:srgbClr val="8E44AD"/>
-      </a:accent6>
-      <a:hlink>
-        <a:srgbClr val="34A3C5"/>
-      </a:hlink>
-      <a:folHlink>
-        <a:srgbClr val="0097A7"/>
-      </a:folHlink>
-    </a:clrScheme>
-    <a:fontScheme name="Office">
-      <a:majorFont>
-        <a:latin typeface="Arial"/>
-        <a:ea typeface=""/>
-        <a:cs typeface=""/>
-        <a:font script="Jpan" typeface="ＭＳ Ｐゴシック"/>
-        <a:font script="Hang" typeface="맑은 고딕"/>
-        <a:font script="Hans" typeface="宋体"/>
-        <a:font script="Hant" typeface="新細明體"/>
-        <a:font script="Arab" typeface="Times New Roman"/>
-        <a:font script="Hebr" typeface="Times New Roman"/>
-        <a:font script="Thai" typeface="Angsana New"/>
-        <a:font script="Ethi" typeface="Nyala"/>
-        <a:font script="Beng" typeface="Vrinda"/>
-        <a:font script="Gujr" typeface="Shruti"/>
-        <a:font script="Khmr" typeface="MoolBoran"/>
-        <a:font script="Knda" typeface="Tunga"/>
-        <a:font script="Guru" typeface="Raavi"/>
-        <a:font script="Cans" typeface="Euphemia"/>
-        <a:font script="Cher" typeface="Plantagenet Cherokee"/>
-        <a:font script="Yiii" typeface="Microsoft Yi Baiti"/>
-        <a:font script="Tibt" typeface="Microsoft Himalaya"/>
-        <a:font script="Thaa" typeface="MV Boli"/>
-        <a:font script="Deva" typeface="Mangal"/>
-        <a:font script="Telu" typeface="Gautami"/>
-        <a:font script="Taml" typeface="Latha"/>
-        <a:font script="Syrc" typeface="Estrangelo Edessa"/>
-        <a:font script="Orya" typeface="Kalinga"/>
-        <a:font script="Mlym" typeface="Kartika"/>
-        <a:font script="Laoo" typeface="DokChampa"/>
-        <a:font script="Sinh" typeface="Iskoola Pota"/>
-        <a:font script="Mong" typeface="Mongolian Baiti"/>
-        <a:font script="Viet" typeface="Times New Roman"/>
-        <a:font script="Uigh" typeface="Microsoft Uighur"/>
-        <a:font script="Geor" typeface="Sylfaen"/>
-      </a:majorFont>
-      <a:minorFont>
-        <a:latin typeface="Arial"/>
-        <a:ea typeface=""/>
-        <a:cs typeface=""/>
-        <a:font script="Jpan" typeface="ＭＳ Ｐゴシック"/>
-        <a:font script="Hang" typeface="맑은 고딕"/>
-        <a:font script="Hans" typeface="宋体"/>
-        <a:font script="Hant" typeface="新細明體"/>
-        <a:font script="Arab" typeface="Arial"/>
-        <a:font script="Hebr" typeface="Arial"/>
-        <a:font script="Thai" typeface="Cordia New"/>
-        <a:font script="Ethi" typeface="Nyala"/>
-        <a:font script="Beng" typeface="Vrinda"/>
-        <a:font script="Gujr" typeface="Shruti"/>
-        <a:font script="Khmr" typeface="DaunPenh"/>
-        <a:font script="Knda" typeface="Tunga"/>
-        <a:font script="Guru" typeface="Raavi"/>
-        <a:font script="Cans" typeface="Euphemia"/>
-        <a:font script="Cher" typeface="Plantagenet Cherokee"/>
-        <a:font script="Yiii" typeface="Microsoft Yi Baiti"/>
-        <a:font script="Tibt" typeface="Microsoft Himalaya"/>
-        <a:font script="Thaa" typeface="MV Boli"/>
-        <a:font script="Deva" typeface="Mangal"/>
-        <a:font script="Telu" typeface="Gautami"/>
-        <a:font script="Taml" typeface="Latha"/>
-        <a:font script="Syrc" typeface="Estrangelo Edessa"/>
-        <a:font script="Orya" typeface="Kalinga"/>
-        <a:font script="Mlym" typeface="Kartika"/>
-        <a:font script="Laoo" typeface="DokChampa"/>
-        <a:font script="Sinh" typeface="Iskoola Pota"/>
-        <a:font script="Mong" typeface="Mongolian Baiti"/>
-        <a:font script="Viet" typeface="Arial"/>
-        <a:font script="Uigh" typeface="Microsoft Uighur"/>
-        <a:font script="Geor" typeface="Sylfaen"/>
-      </a:minorFont>
-    </a:fontScheme>
-    <a:fmtScheme name="Office">
-      <a:fillStyleLst>
-        <a:solidFill>
-          <a:schemeClr val="phClr"/>
-        </a:solidFill>
-        <a:gradFill rotWithShape="1">
-          <a:gsLst>
-            <a:gs pos="0">
-              <a:schemeClr val="phClr">
-                <a:tint val="50000"/>
-                <a:satMod val="300000"/>
-              </a:schemeClr>
-            </a:gs>
-            <a:gs pos="35000">
-              <a:schemeClr val="phClr">
-                <a:tint val="37000"/>
-                <a:satMod val="300000"/>
-              </a:schemeClr>
-            </a:gs>
-            <a:gs pos="100000">
-              <a:schemeClr val="phClr">
-                <a:tint val="15000"/>
-                <a:satMod val="350000"/>
-              </a:schemeClr>
-            </a:gs>
-          </a:gsLst>
-          <a:lin ang="16200000" scaled="1"/>
-        </a:gradFill>
-        <a:gradFill rotWithShape="1">
-          <a:gsLst>
-            <a:gs pos="0">
-              <a:schemeClr val="phClr">
-                <a:tint val="100000"/>
-                <a:shade val="100000"/>
-                <a:satMod val="130000"/>
-              </a:schemeClr>
-            </a:gs>
-            <a:gs pos="100000">
-              <a:schemeClr val="phClr">
-                <a:tint val="50000"/>
-                <a:shade val="100000"/>
-                <a:satMod val="350000"/>
-              </a:schemeClr>
-            </a:gs>
-          </a:gsLst>
-          <a:lin ang="16200000" scaled="0"/>
-        </a:gradFill>
-      </a:fillStyleLst>
-      <a:lnStyleLst>
-        <a:ln w="9525" cap="flat" cmpd="sng" algn="ctr">
-          <a:solidFill>
-            <a:schemeClr val="phClr">
-              <a:shade val="95000"/>
-              <a:satMod val="105000"/>
-            </a:schemeClr>
-          </a:solidFill>
-          <a:prstDash val="solid"/>
-        </a:ln>
-        <a:ln w="25400" cap="flat" cmpd="sng" algn="ctr">
-          <a:solidFill>
-            <a:schemeClr val="phClr"/>
-          </a:solidFill>
-          <a:prstDash val="solid"/>
-        </a:ln>
-        <a:ln w="38100" cap="flat" cmpd="sng" algn="ctr">
-          <a:solidFill>
-            <a:schemeClr val="phClr"/>
-          </a:solidFill>
-          <a:prstDash val="solid"/>
-        </a:ln>
-      </a:lnStyleLst>
-      <a:effectStyleLst>
-        <a:effectStyle>
-          <a:effectLst>
-            <a:outerShdw blurRad="40000" dist="20000" dir="5400000" rotWithShape="0">
-              <a:srgbClr val="000000">
-                <a:alpha val="38000"/>
-              </a:srgbClr>
-            </a:outerShdw>
-          </a:effectLst>
-        </a:effectStyle>
-        <a:effectStyle>
-          <a:effectLst>
-            <a:outerShdw blurRad="40000" dist="23000" dir="5400000" rotWithShape="0">
-              <a:srgbClr val="000000">
-                <a:alpha val="35000"/>
-              </a:srgbClr>
-            </a:outerShdw>
-          </a:effectLst>
-        </a:effectStyle>
-        <a:effectStyle>
-          <a:effectLst>
-            <a:outerShdw blurRad="40000" dist="23000" dir="5400000" rotWithShape="0">
-              <a:srgbClr val="000000">
-                <a:alpha val="35000"/>
-              </a:srgbClr>
-            </a:outerShdw>
-          </a:effectLst>
-          <a:scene3d>
-            <a:camera prst="orthographicFront">
-              <a:rot lat="0" lon="0" rev="0"/>
-            </a:camera>
-            <a:lightRig rig="threePt" dir="t">
-              <a:rot lat="0" lon="0" rev="1200000"/>
-            </a:lightRig>
-          </a:scene3d>
-          <a:sp3d>
-            <a:bevelT w="63500" h="25400"/>
-          </a:sp3d>
-        </a:effectStyle>
-      </a:effectStyleLst>
-      <a:bgFillStyleLst>
-        <a:solidFill>
-          <a:schemeClr val="phClr"/>
-        </a:solidFill>
-        <a:gradFill rotWithShape="1">
-          <a:gsLst>
-            <a:gs pos="0">
-              <a:schemeClr val="phClr">
-                <a:tint val="40000"/>
-                <a:satMod val="350000"/>
-              </a:schemeClr>
-            </a:gs>
-            <a:gs pos="40000">
-              <a:schemeClr val="phClr">
-                <a:tint val="45000"/>
-                <a:shade val="99000"/>
-                <a:satMod val="350000"/>
-              </a:schemeClr>
-            </a:gs>
-            <a:gs pos="100000">
-              <a:schemeClr val="phClr">
-                <a:shade val="20000"/>
-                <a:satMod val="255000"/>
-              </a:schemeClr>
-            </a:gs>
-          </a:gsLst>
-          <a:path path="circle">
-            <a:fillToRect l="50000" t="-80000" r="50000" b="180000"/>
-          </a:path>
-        </a:gradFill>
-        <a:gradFill rotWithShape="1">
-          <a:gsLst>
-            <a:gs pos="0">
-              <a:schemeClr val="phClr">
-                <a:tint val="80000"/>
-                <a:satMod val="300000"/>
-              </a:schemeClr>
-            </a:gs>
-            <a:gs pos="100000">
-              <a:schemeClr val="phClr">
-                <a:shade val="30000"/>
-                <a:satMod val="200000"/>
-              </a:schemeClr>
-            </a:gs>
-          </a:gsLst>
-          <a:path path="circle">
-            <a:fillToRect l="50000" t="50000" r="50000" b="50000"/>
-          </a:path>
-        </a:gradFill>
-      </a:bgFillStyleLst>
-    </a:fmtScheme>
-  </a:themeElements>
-</a:theme>
 </file>
--- a/Lecture slides/ADAP B04 - Design by Contract.pptx
+++ b/Lecture slides/ADAP B04 - Design by Contract.pptx
@@ -8685,7 +8685,7 @@
             <a:tbl>
               <a:tblPr>
                 <a:noFill/>
-                <a:tableStyleId>{654B5AFD-E617-4E7D-91CC-5EA4EEAF3619}</a:tableStyleId>
+                <a:tableStyleId>{14DFA73F-9B91-4E97-AA3C-EDA130B5C314}</a:tableStyleId>
               </a:tblPr>
               <a:tblGrid>
                 <a:gridCol w="1548300"/>

--- a/Lecture slides/ADAP B04 - Design by Contract.pptx
+++ b/Lecture slides/ADAP B04 - Design by Contract.pptx
@@ -8685,7 +8685,7 @@
             <a:tbl>
               <a:tblPr>
                 <a:noFill/>
-                <a:tableStyleId>{14DFA73F-9B91-4E97-AA3C-EDA130B5C314}</a:tableStyleId>
+                <a:tableStyleId>{D126BCA0-F7DE-4F8D-8EE0-987A574CB548}</a:tableStyleId>
               </a:tblPr>
               <a:tblGrid>
                 <a:gridCol w="1548300"/>
